--- a/SRMA SIG presentation 2024 .potx.pptx
+++ b/SRMA SIG presentation 2024 .potx.pptx
@@ -12,9 +12,9 @@
     <p:sldId id="541" r:id="rId3"/>
     <p:sldId id="542" r:id="rId4"/>
     <p:sldId id="543" r:id="rId5"/>
-    <p:sldId id="537" r:id="rId6"/>
-    <p:sldId id="535" r:id="rId7"/>
-    <p:sldId id="529" r:id="rId8"/>
+    <p:sldId id="545" r:id="rId6"/>
+    <p:sldId id="546" r:id="rId7"/>
+    <p:sldId id="547" r:id="rId8"/>
     <p:sldId id="528" r:id="rId9"/>
     <p:sldId id="531" r:id="rId10"/>
     <p:sldId id="538" r:id="rId11"/>
@@ -129,9 +129,9 @@
             <p14:sldId id="541"/>
             <p14:sldId id="542"/>
             <p14:sldId id="543"/>
-            <p14:sldId id="537"/>
-            <p14:sldId id="535"/>
-            <p14:sldId id="529"/>
+            <p14:sldId id="545"/>
+            <p14:sldId id="546"/>
+            <p14:sldId id="547"/>
             <p14:sldId id="528"/>
             <p14:sldId id="531"/>
             <p14:sldId id="538"/>
@@ -743,214 +743,6 @@
 </file>
 
 <file path=ppt/notesSlides/notesSlide3.xml><?xml version="1.0" encoding="utf-8"?>
-<p:notes xmlns:a="http://schemas.openxmlformats.org/drawingml/2006/main" xmlns:r="http://schemas.openxmlformats.org/officeDocument/2006/relationships" xmlns:p="http://schemas.openxmlformats.org/presentationml/2006/main">
-  <p:cSld>
-    <p:spTree>
-      <p:nvGrpSpPr>
-        <p:cNvPr id="1" name=""/>
-        <p:cNvGrpSpPr/>
-        <p:nvPr/>
-      </p:nvGrpSpPr>
-      <p:grpSpPr>
-        <a:xfrm>
-          <a:off x="0" y="0"/>
-          <a:ext cx="0" cy="0"/>
-          <a:chOff x="0" y="0"/>
-          <a:chExt cx="0" cy="0"/>
-        </a:xfrm>
-      </p:grpSpPr>
-      <p:sp>
-        <p:nvSpPr>
-          <p:cNvPr id="2" name="Slide Image Placeholder 1"/>
-          <p:cNvSpPr>
-            <a:spLocks noGrp="1" noRot="1" noChangeAspect="1"/>
-          </p:cNvSpPr>
-          <p:nvPr>
-            <p:ph type="sldImg"/>
-          </p:nvPr>
-        </p:nvSpPr>
-        <p:spPr/>
-      </p:sp>
-      <p:sp>
-        <p:nvSpPr>
-          <p:cNvPr id="3" name="Notes Placeholder 2"/>
-          <p:cNvSpPr>
-            <a:spLocks noGrp="1"/>
-          </p:cNvSpPr>
-          <p:nvPr>
-            <p:ph type="body" idx="1"/>
-          </p:nvPr>
-        </p:nvSpPr>
-        <p:spPr/>
-        <p:txBody>
-          <a:bodyPr/>
-          <a:lstStyle/>
-          <a:p>
-            <a:endParaRPr lang="en-US" dirty="0"/>
-          </a:p>
-        </p:txBody>
-      </p:sp>
-      <p:sp>
-        <p:nvSpPr>
-          <p:cNvPr id="4" name="Slide Number Placeholder 3"/>
-          <p:cNvSpPr>
-            <a:spLocks noGrp="1"/>
-          </p:cNvSpPr>
-          <p:nvPr>
-            <p:ph type="sldNum" sz="quarter" idx="5"/>
-          </p:nvPr>
-        </p:nvSpPr>
-        <p:spPr/>
-        <p:txBody>
-          <a:bodyPr/>
-          <a:lstStyle/>
-          <a:p>
-            <a:fld id="{A4F50FAE-CBEA-4494-871D-803C25DC58A1}" type="slidenum">
-              <a:rPr lang="en-GB" smtClean="0"/>
-              <a:t>5</a:t>
-            </a:fld>
-            <a:endParaRPr lang="en-GB"/>
-          </a:p>
-        </p:txBody>
-      </p:sp>
-    </p:spTree>
-    <p:extLst>
-      <p:ext uri="{BB962C8B-B14F-4D97-AF65-F5344CB8AC3E}">
-        <p14:creationId xmlns:p14="http://schemas.microsoft.com/office/powerpoint/2010/main" val="477257796"/>
-      </p:ext>
-    </p:extLst>
-  </p:cSld>
-  <p:clrMapOvr>
-    <a:masterClrMapping/>
-  </p:clrMapOvr>
-</p:notes>
-</file>
-
-<file path=ppt/notesSlides/notesSlide4.xml><?xml version="1.0" encoding="utf-8"?>
-<p:notes xmlns:a="http://schemas.openxmlformats.org/drawingml/2006/main" xmlns:r="http://schemas.openxmlformats.org/officeDocument/2006/relationships" xmlns:p="http://schemas.openxmlformats.org/presentationml/2006/main">
-  <p:cSld>
-    <p:spTree>
-      <p:nvGrpSpPr>
-        <p:cNvPr id="1" name=""/>
-        <p:cNvGrpSpPr/>
-        <p:nvPr/>
-      </p:nvGrpSpPr>
-      <p:grpSpPr>
-        <a:xfrm>
-          <a:off x="0" y="0"/>
-          <a:ext cx="0" cy="0"/>
-          <a:chOff x="0" y="0"/>
-          <a:chExt cx="0" cy="0"/>
-        </a:xfrm>
-      </p:grpSpPr>
-      <p:sp>
-        <p:nvSpPr>
-          <p:cNvPr id="2" name="Slide Image Placeholder 1"/>
-          <p:cNvSpPr>
-            <a:spLocks noGrp="1" noRot="1" noChangeAspect="1"/>
-          </p:cNvSpPr>
-          <p:nvPr>
-            <p:ph type="sldImg"/>
-          </p:nvPr>
-        </p:nvSpPr>
-        <p:spPr/>
-      </p:sp>
-      <p:sp>
-        <p:nvSpPr>
-          <p:cNvPr id="3" name="Notes Placeholder 2"/>
-          <p:cNvSpPr>
-            <a:spLocks noGrp="1"/>
-          </p:cNvSpPr>
-          <p:nvPr>
-            <p:ph type="body" idx="1"/>
-          </p:nvPr>
-        </p:nvSpPr>
-        <p:spPr/>
-        <p:txBody>
-          <a:bodyPr/>
-          <a:lstStyle/>
-          <a:p>
-            <a:r>
-              <a:rPr lang="da-DK" dirty="0" err="1"/>
-              <a:t>Add</a:t>
-            </a:r>
-            <a:r>
-              <a:rPr lang="da-DK" dirty="0"/>
-              <a:t> </a:t>
-            </a:r>
-            <a:r>
-              <a:rPr lang="da-DK" dirty="0" err="1"/>
-              <a:t>what</a:t>
-            </a:r>
-            <a:r>
-              <a:rPr lang="da-DK" dirty="0"/>
-              <a:t> </a:t>
-            </a:r>
-            <a:r>
-              <a:rPr lang="da-DK" dirty="0" err="1"/>
-              <a:t>statistical</a:t>
-            </a:r>
-            <a:r>
-              <a:rPr lang="da-DK" dirty="0"/>
-              <a:t> approach </a:t>
-            </a:r>
-            <a:r>
-              <a:rPr lang="da-DK" dirty="0" err="1"/>
-              <a:t>we</a:t>
-            </a:r>
-            <a:r>
-              <a:rPr lang="da-DK" dirty="0"/>
-              <a:t> </a:t>
-            </a:r>
-            <a:r>
-              <a:rPr lang="da-DK" dirty="0" err="1"/>
-              <a:t>used</a:t>
-            </a:r>
-            <a:r>
-              <a:rPr lang="da-DK" dirty="0"/>
-              <a:t>. </a:t>
-            </a:r>
-            <a:endParaRPr lang="en-US" dirty="0"/>
-          </a:p>
-        </p:txBody>
-      </p:sp>
-      <p:sp>
-        <p:nvSpPr>
-          <p:cNvPr id="4" name="Slide Number Placeholder 3"/>
-          <p:cNvSpPr>
-            <a:spLocks noGrp="1"/>
-          </p:cNvSpPr>
-          <p:nvPr>
-            <p:ph type="sldNum" sz="quarter" idx="5"/>
-          </p:nvPr>
-        </p:nvSpPr>
-        <p:spPr/>
-        <p:txBody>
-          <a:bodyPr/>
-          <a:lstStyle/>
-          <a:p>
-            <a:fld id="{A4F50FAE-CBEA-4494-871D-803C25DC58A1}" type="slidenum">
-              <a:rPr lang="en-GB" smtClean="0"/>
-              <a:t>7</a:t>
-            </a:fld>
-            <a:endParaRPr lang="en-GB"/>
-          </a:p>
-        </p:txBody>
-      </p:sp>
-    </p:spTree>
-    <p:extLst>
-      <p:ext uri="{BB962C8B-B14F-4D97-AF65-F5344CB8AC3E}">
-        <p14:creationId xmlns:p14="http://schemas.microsoft.com/office/powerpoint/2010/main" val="170965311"/>
-      </p:ext>
-    </p:extLst>
-  </p:cSld>
-  <p:clrMapOvr>
-    <a:masterClrMapping/>
-  </p:clrMapOvr>
-</p:notes>
-</file>
-
-<file path=ppt/notesSlides/notesSlide5.xml><?xml version="1.0" encoding="utf-8"?>
 <p:notes xmlns:a="http://schemas.openxmlformats.org/drawingml/2006/main" xmlns:r="http://schemas.openxmlformats.org/officeDocument/2006/relationships" xmlns:p="http://schemas.openxmlformats.org/presentationml/2006/main">
   <p:cSld>
     <p:spTree>
@@ -44732,15 +44524,6 @@
               <a:rPr lang="da-DK" dirty="0" err="1"/>
               <a:t>imbalance</a:t>
             </a:r>
-            <a:r>
-              <a:rPr lang="da-DK" dirty="0"/>
-              <a:t> [i.e., INSERT]</a:t>
-            </a:r>
-          </a:p>
-          <a:p>
-            <a:pPr marL="0" indent="0">
-              <a:buNone/>
-            </a:pPr>
             <a:endParaRPr lang="da-DK" dirty="0"/>
           </a:p>
           <a:p>
@@ -46500,7 +46283,15 @@
             </a:r>
             <a:r>
               <a:rPr lang="da-DK" dirty="0"/>
-              <a:t> have test and </a:t>
+              <a:t> have </a:t>
+            </a:r>
+            <a:r>
+              <a:rPr lang="da-DK" dirty="0" err="1"/>
+              <a:t>tested</a:t>
+            </a:r>
+            <a:r>
+              <a:rPr lang="da-DK" dirty="0"/>
+              <a:t> and </a:t>
             </a:r>
             <a:r>
               <a:rPr lang="da-DK" dirty="0" err="1"/>
@@ -46597,7 +46388,15 @@
             </a:pPr>
             <a:r>
               <a:rPr lang="en-US" dirty="0"/>
-              <a:t>Our preliminary results show that GPT API models at least perform on par with human screeners, even in very complex reviews with many inclusion criteria. I will come back to these results later in the presentation</a:t>
+              <a:t>Our preliminary results show that GPT API models perform on </a:t>
+            </a:r>
+            <a:r>
+              <a:rPr lang="en-US" dirty="0" err="1"/>
+              <a:t>parat</a:t>
+            </a:r>
+            <a:r>
+              <a:rPr lang="en-US" dirty="0"/>
+              <a:t> least  with human screeners performances, even in very complex reviews with many inclusion criteria. I will come back to these results later in the presentation</a:t>
             </a:r>
           </a:p>
           <a:p>
@@ -46716,12 +46515,124 @@
             <p:ph type="body" sz="quarter" idx="10"/>
           </p:nvPr>
         </p:nvSpPr>
-        <p:spPr/>
+        <p:spPr>
+          <a:xfrm>
+            <a:off x="1013520" y="1787703"/>
+            <a:ext cx="10158611" cy="4057373"/>
+          </a:xfrm>
+        </p:spPr>
         <p:txBody>
           <a:bodyPr/>
           <a:lstStyle/>
           <a:p>
-            <a:endParaRPr lang="en-US"/>
+            <a:pPr>
+              <a:spcAft>
+                <a:spcPts val="800"/>
+              </a:spcAft>
+            </a:pPr>
+            <a:r>
+              <a:rPr lang="en-US" dirty="0"/>
+              <a:t>Avoids copy-paste procedures, and it is easier to bypass model hallucination.</a:t>
+            </a:r>
+          </a:p>
+          <a:p>
+            <a:pPr>
+              <a:spcAft>
+                <a:spcPts val="800"/>
+              </a:spcAft>
+            </a:pPr>
+            <a:r>
+              <a:rPr lang="en-US" dirty="0"/>
+              <a:t>Makes it easy to test differences between models, prompts, etc.</a:t>
+            </a:r>
+          </a:p>
+          <a:p>
+            <a:pPr>
+              <a:spcAft>
+                <a:spcPts val="800"/>
+              </a:spcAft>
+            </a:pPr>
+            <a:r>
+              <a:rPr lang="en-US" dirty="0"/>
+              <a:t>You can screen incredibly large amounts of references in a very short time. With a sufficiently powerful computer, you can screen up to 30,000 per minute.</a:t>
+            </a:r>
+          </a:p>
+          <a:p>
+            <a:pPr>
+              <a:spcAft>
+                <a:spcPts val="800"/>
+              </a:spcAft>
+            </a:pPr>
+            <a:r>
+              <a:rPr lang="en-US" dirty="0"/>
+              <a:t>Multiple identical screenings can be performed, and inclusion criteria can be built based on how many times a reference has been included across these screenings.</a:t>
+            </a:r>
+          </a:p>
+          <a:p>
+            <a:pPr>
+              <a:spcAft>
+                <a:spcPts val="800"/>
+              </a:spcAft>
+            </a:pPr>
+            <a:r>
+              <a:rPr lang="en-US" dirty="0"/>
+              <a:t>Using gpt-4o-mini is cheaper than subscribing to ChatGPT Plus. With one prompt, you can screen 25,000 references for 1.5 USD.</a:t>
+            </a:r>
+          </a:p>
+          <a:p>
+            <a:pPr>
+              <a:spcAft>
+                <a:spcPts val="800"/>
+              </a:spcAft>
+            </a:pPr>
+            <a:r>
+              <a:rPr lang="en-US" dirty="0"/>
+              <a:t>Research indicates that GPT API models are better suited for screening than ChatGPT (</a:t>
+            </a:r>
+            <a:r>
+              <a:rPr lang="en-US" sz="1600" dirty="0" err="1"/>
+              <a:t>Alshami</a:t>
+            </a:r>
+            <a:r>
+              <a:rPr lang="en-US" sz="1600" dirty="0"/>
+              <a:t> et al., 2023; </a:t>
+            </a:r>
+            <a:r>
+              <a:rPr lang="en-US" sz="1600" dirty="0" err="1"/>
+              <a:t>Gargari</a:t>
+            </a:r>
+            <a:r>
+              <a:rPr lang="en-US" sz="1600" dirty="0"/>
+              <a:t> et al., 2024; Guo et al., 2024; </a:t>
+            </a:r>
+            <a:r>
+              <a:rPr lang="en-US" sz="1600" dirty="0" err="1"/>
+              <a:t>Issaiy</a:t>
+            </a:r>
+            <a:r>
+              <a:rPr lang="en-US" sz="1600" dirty="0"/>
+              <a:t> et al., 2024; </a:t>
+            </a:r>
+            <a:r>
+              <a:rPr lang="en-US" sz="1600" dirty="0" err="1"/>
+              <a:t>Khraisha</a:t>
+            </a:r>
+            <a:r>
+              <a:rPr lang="en-US" sz="1600" dirty="0"/>
+              <a:t> et al., 2024; </a:t>
+            </a:r>
+            <a:r>
+              <a:rPr lang="en-US" sz="1600" dirty="0" err="1"/>
+              <a:t>Syriani</a:t>
+            </a:r>
+            <a:r>
+              <a:rPr lang="en-US" sz="1600" dirty="0"/>
+              <a:t> et al., 2024</a:t>
+            </a:r>
+            <a:r>
+              <a:rPr lang="en-US" dirty="0"/>
+              <a:t>).</a:t>
+            </a:r>
           </a:p>
         </p:txBody>
       </p:sp>
@@ -46760,7 +46671,7 @@
           <p:cNvPr id="2" name="Title 1">
             <a:extLst>
               <a:ext uri="{FF2B5EF4-FFF2-40B4-BE49-F238E27FC236}">
-                <a16:creationId xmlns:a16="http://schemas.microsoft.com/office/drawing/2014/main" id="{E7D1B44D-9C7A-437A-BBC9-C99C59C60C32}"/>
+                <a16:creationId xmlns:a16="http://schemas.microsoft.com/office/drawing/2014/main" id="{DF4C000F-0F5B-467B-B486-FB25DDC267EC}"/>
               </a:ext>
             </a:extLst>
           </p:cNvPr>
@@ -46771,20 +46682,16 @@
             <p:ph type="title"/>
           </p:nvPr>
         </p:nvSpPr>
-        <p:spPr>
-          <a:xfrm>
-            <a:off x="1013519" y="788989"/>
-            <a:ext cx="10158611" cy="891382"/>
-          </a:xfrm>
-        </p:spPr>
+        <p:spPr/>
         <p:txBody>
           <a:bodyPr/>
           <a:lstStyle/>
           <a:p>
             <a:r>
-              <a:rPr lang="en-US" sz="3200" dirty="0"/>
-              <a:t>What do I mean by screening with a GPT model?</a:t>
-            </a:r>
+              <a:rPr lang="da-DK" dirty="0"/>
+              <a:t>AIscreenR Demo</a:t>
+            </a:r>
+            <a:endParaRPr lang="en-US" dirty="0"/>
           </a:p>
         </p:txBody>
       </p:sp>
@@ -46793,7 +46700,7 @@
           <p:cNvPr id="3" name="Text Placeholder 2">
             <a:extLst>
               <a:ext uri="{FF2B5EF4-FFF2-40B4-BE49-F238E27FC236}">
-                <a16:creationId xmlns:a16="http://schemas.microsoft.com/office/drawing/2014/main" id="{428F544D-26FD-4353-AFCE-C62D1BF3AD1C}"/>
+                <a16:creationId xmlns:a16="http://schemas.microsoft.com/office/drawing/2014/main" id="{1DA073E7-0C6E-4E37-8606-929465014825}"/>
               </a:ext>
             </a:extLst>
           </p:cNvPr>
@@ -46806,49 +46713,111 @@
         </p:nvSpPr>
         <p:spPr>
           <a:xfrm>
-            <a:off x="1013521" y="1680371"/>
-            <a:ext cx="10080050" cy="4478889"/>
+            <a:off x="1013521" y="2194672"/>
+            <a:ext cx="8528832" cy="3825882"/>
           </a:xfrm>
         </p:spPr>
         <p:txBody>
           <a:bodyPr/>
           <a:lstStyle/>
           <a:p>
-            <a:pPr>
-              <a:spcBef>
-                <a:spcPts val="600"/>
-              </a:spcBef>
-            </a:pPr>
-            <a:r>
-              <a:rPr lang="en-US" b="1" dirty="0">
-                <a:cs typeface="Times New Roman" panose="02020603050405020304" pitchFamily="18" charset="0"/>
-              </a:rPr>
-              <a:t>Let me demonstrate to give you a practical understand of this screening approach. </a:t>
-            </a:r>
-          </a:p>
-          <a:p>
-            <a:pPr>
-              <a:spcBef>
-                <a:spcPts val="600"/>
-              </a:spcBef>
-            </a:pPr>
-            <a:endParaRPr lang="da-DK" b="1" dirty="0">
-              <a:cs typeface="Times New Roman" panose="02020603050405020304" pitchFamily="18" charset="0"/>
-            </a:endParaRPr>
+            <a:pPr marL="0" indent="0">
+              <a:buNone/>
+            </a:pPr>
+            <a:endParaRPr lang="da-DK" i="1" dirty="0"/>
+          </a:p>
+          <a:p>
+            <a:pPr marL="0" indent="0">
+              <a:buNone/>
+            </a:pPr>
+            <a:r>
+              <a:rPr lang="en-US" i="1" dirty="0"/>
+              <a:t>Link to vignette: </a:t>
+            </a:r>
+            <a:r>
+              <a:rPr lang="en-US" dirty="0">
+                <a:hlinkClick r:id="rId2"/>
+              </a:rPr>
+              <a:t>https://mikkelvembye.github.io/AIscreenR/articles/Using-GPT-API-Models-For-Screening.html</a:t>
+            </a:r>
+            <a:r>
+              <a:rPr lang="en-US" dirty="0"/>
+              <a:t> </a:t>
+            </a:r>
+          </a:p>
+          <a:p>
+            <a:pPr marL="0" indent="0">
+              <a:buNone/>
+            </a:pPr>
+            <a:endParaRPr lang="en-US" dirty="0"/>
+          </a:p>
+          <a:p>
+            <a:pPr marL="0" indent="0">
+              <a:buNone/>
+            </a:pPr>
+            <a:r>
+              <a:rPr lang="en-US" i="1" dirty="0"/>
+              <a:t>Link to R codes behind the presentation: </a:t>
+            </a:r>
+            <a:r>
+              <a:rPr lang="en-US" dirty="0">
+                <a:hlinkClick r:id="rId3"/>
+              </a:rPr>
+              <a:t>https://github.com/MikkelVembye/SRMA-SIG-presentation</a:t>
+            </a:r>
+            <a:r>
+              <a:rPr lang="en-US" dirty="0"/>
+              <a:t> </a:t>
+            </a:r>
           </a:p>
         </p:txBody>
       </p:sp>
+      <p:pic>
+        <p:nvPicPr>
+          <p:cNvPr id="5" name="Picture 4">
+            <a:extLst>
+              <a:ext uri="{FF2B5EF4-FFF2-40B4-BE49-F238E27FC236}">
+                <a16:creationId xmlns:a16="http://schemas.microsoft.com/office/drawing/2014/main" id="{AB44329E-E87C-407A-AE52-8679855D09F7}"/>
+              </a:ext>
+            </a:extLst>
+          </p:cNvPr>
+          <p:cNvPicPr>
+            <a:picLocks noChangeAspect="1"/>
+          </p:cNvPicPr>
+          <p:nvPr/>
+        </p:nvPicPr>
+        <p:blipFill>
+          <a:blip r:embed="rId4">
+            <a:extLst>
+              <a:ext uri="{28A0092B-C50C-407E-A947-70E740481C1C}">
+                <a14:useLocalDpi xmlns:a14="http://schemas.microsoft.com/office/drawing/2010/main" val="0"/>
+              </a:ext>
+            </a:extLst>
+          </a:blip>
+          <a:stretch>
+            <a:fillRect/>
+          </a:stretch>
+        </p:blipFill>
+        <p:spPr>
+          <a:xfrm>
+            <a:off x="9809481" y="2430978"/>
+            <a:ext cx="2090877" cy="2419530"/>
+          </a:xfrm>
+          <a:prstGeom prst="rect">
+            <a:avLst/>
+          </a:prstGeom>
+        </p:spPr>
+      </p:pic>
     </p:spTree>
     <p:extLst>
       <p:ext uri="{BB962C8B-B14F-4D97-AF65-F5344CB8AC3E}">
-        <p14:creationId xmlns:p14="http://schemas.microsoft.com/office/powerpoint/2010/main" val="1365810390"/>
+        <p14:creationId xmlns:p14="http://schemas.microsoft.com/office/powerpoint/2010/main" val="2840312115"/>
       </p:ext>
     </p:extLst>
   </p:cSld>
   <p:clrMapOvr>
     <a:masterClrMapping/>
   </p:clrMapOvr>
-  <p:transition spd="med"/>
 </p:sld>
 </file>
 
@@ -46874,7 +46843,7 @@
           <p:cNvPr id="2" name="Title 1">
             <a:extLst>
               <a:ext uri="{FF2B5EF4-FFF2-40B4-BE49-F238E27FC236}">
-                <a16:creationId xmlns:a16="http://schemas.microsoft.com/office/drawing/2014/main" id="{4087C6D0-5EF5-456D-AC8C-07BEE245FAC3}"/>
+                <a16:creationId xmlns:a16="http://schemas.microsoft.com/office/drawing/2014/main" id="{71C7D593-614D-4968-8C19-D5306B02ADEB}"/>
               </a:ext>
             </a:extLst>
           </p:cNvPr>
@@ -46887,8 +46856,8 @@
         </p:nvSpPr>
         <p:spPr>
           <a:xfrm>
-            <a:off x="1013520" y="638356"/>
-            <a:ext cx="10158611" cy="707366"/>
+            <a:off x="664200" y="745796"/>
+            <a:ext cx="10158611" cy="891382"/>
           </a:xfrm>
         </p:spPr>
         <p:txBody>
@@ -46897,7 +46866,7 @@
           <a:p>
             <a:r>
               <a:rPr lang="en-US" dirty="0"/>
-              <a:t>The benchmark scheme</a:t>
+              <a:t>Quality assessment via benchmark scheming</a:t>
             </a:r>
           </a:p>
         </p:txBody>
@@ -46907,7 +46876,7 @@
           <p:cNvPr id="3" name="Text Placeholder 2">
             <a:extLst>
               <a:ext uri="{FF2B5EF4-FFF2-40B4-BE49-F238E27FC236}">
-                <a16:creationId xmlns:a16="http://schemas.microsoft.com/office/drawing/2014/main" id="{A2FB8995-4F75-4CE9-B0F3-37FD9C0FED01}"/>
+                <a16:creationId xmlns:a16="http://schemas.microsoft.com/office/drawing/2014/main" id="{ECB9FA91-E8A0-4550-90C3-54F42287ED97}"/>
               </a:ext>
             </a:extLst>
           </p:cNvPr>
@@ -46920,8 +46889,8 @@
         </p:nvSpPr>
         <p:spPr>
           <a:xfrm>
-            <a:off x="1013520" y="1708030"/>
-            <a:ext cx="10158611" cy="4137046"/>
+            <a:off x="664200" y="2237320"/>
+            <a:ext cx="5082479" cy="4082838"/>
           </a:xfrm>
         </p:spPr>
         <p:txBody>
@@ -46930,41 +46899,51 @@
           <a:p>
             <a:r>
               <a:rPr lang="en-US" dirty="0"/>
-              <a:t>In </a:t>
-            </a:r>
-            <a:r>
-              <a:rPr lang="en-US"/>
-              <a:t>light of the </a:t>
-            </a:r>
+              <a:t>We have developed a benchmark scheme based on our and our Campbell students' typical screening performances, which can be used to ensure the quality of one's screening.</a:t>
+            </a:r>
+          </a:p>
+          <a:p>
             <a:r>
               <a:rPr lang="en-US" dirty="0"/>
-              <a:t>typically human screening performances, we developed the following benchmark scheme. The aim is to help assessing screening performances of in general but also to judge when GPT screening is appropriate in high-standard reviews.</a:t>
-            </a:r>
-            <a:endParaRPr lang="da-DK" dirty="0"/>
-          </a:p>
-          <a:p>
-            <a:pPr marL="0" indent="0">
-              <a:buNone/>
-            </a:pPr>
-            <a:endParaRPr lang="en-US" dirty="0"/>
-          </a:p>
-          <a:p>
-            <a:pPr marL="0" indent="0">
-              <a:buNone/>
-            </a:pPr>
+              <a:t>In general, we recommend that screenings should yield recalls above 75% to be usable.</a:t>
+            </a:r>
+          </a:p>
+          <a:p>
             <a:r>
               <a:rPr lang="en-US" dirty="0"/>
+              <a:t>Content-experts/researchers typically have</a:t>
+            </a:r>
+            <a:r>
+              <a:rPr lang="da-DK" dirty="0"/>
               <a:t> </a:t>
+            </a:r>
+            <a:r>
+              <a:rPr lang="en-US" dirty="0"/>
+              <a:t>recalls</a:t>
+            </a:r>
+            <a:r>
+              <a:rPr lang="da-DK" dirty="0"/>
+              <a:t> </a:t>
+            </a:r>
+            <a:r>
+              <a:rPr lang="en-US" dirty="0"/>
+              <a:t>around 83–85%.</a:t>
+            </a:r>
+          </a:p>
+          <a:p>
+            <a:r>
+              <a:rPr lang="en-US" dirty="0"/>
+              <a:t>It is more challenging to set good guidelines for specificity. If recall is high, specificity matters less. It is simply an extra safeguard.</a:t>
             </a:r>
           </a:p>
         </p:txBody>
       </p:sp>
       <p:pic>
         <p:nvPicPr>
-          <p:cNvPr id="6" name="Picture 5">
+          <p:cNvPr id="4" name="Picture 3">
             <a:extLst>
               <a:ext uri="{FF2B5EF4-FFF2-40B4-BE49-F238E27FC236}">
-                <a16:creationId xmlns:a16="http://schemas.microsoft.com/office/drawing/2014/main" id="{1D8CB5FA-9FF4-40FD-A481-19645BEEF4C7}"/>
+                <a16:creationId xmlns:a16="http://schemas.microsoft.com/office/drawing/2014/main" id="{85AC7367-E853-4B1C-B2F0-501444FB8FB1}"/>
               </a:ext>
             </a:extLst>
           </p:cNvPr>
@@ -46981,8 +46960,8 @@
         </p:blipFill>
         <p:spPr>
           <a:xfrm>
-            <a:off x="3010619" y="2975222"/>
-            <a:ext cx="5862996" cy="3413896"/>
+            <a:off x="5914044" y="2237320"/>
+            <a:ext cx="6195930" cy="3607756"/>
           </a:xfrm>
           <a:prstGeom prst="rect">
             <a:avLst/>
@@ -46992,7 +46971,7 @@
     </p:spTree>
     <p:extLst>
       <p:ext uri="{BB962C8B-B14F-4D97-AF65-F5344CB8AC3E}">
-        <p14:creationId xmlns:p14="http://schemas.microsoft.com/office/powerpoint/2010/main" val="977342580"/>
+        <p14:creationId xmlns:p14="http://schemas.microsoft.com/office/powerpoint/2010/main" val="372728905"/>
       </p:ext>
     </p:extLst>
   </p:cSld>
@@ -47024,7 +47003,7 @@
           <p:cNvPr id="2" name="Title 1">
             <a:extLst>
               <a:ext uri="{FF2B5EF4-FFF2-40B4-BE49-F238E27FC236}">
-                <a16:creationId xmlns:a16="http://schemas.microsoft.com/office/drawing/2014/main" id="{4087C6D0-5EF5-456D-AC8C-07BEE245FAC3}"/>
+                <a16:creationId xmlns:a16="http://schemas.microsoft.com/office/drawing/2014/main" id="{EB32028E-9DBB-46BB-B086-D781FB442414}"/>
               </a:ext>
             </a:extLst>
           </p:cNvPr>
@@ -47037,8 +47016,8 @@
         </p:nvSpPr>
         <p:spPr>
           <a:xfrm>
-            <a:off x="1013520" y="379948"/>
-            <a:ext cx="10158611" cy="1265951"/>
+            <a:off x="921053" y="567233"/>
+            <a:ext cx="10158611" cy="891382"/>
           </a:xfrm>
         </p:spPr>
         <p:txBody>
@@ -47047,7 +47026,7 @@
           <a:p>
             <a:r>
               <a:rPr lang="en-US" dirty="0"/>
-              <a:t>Typical human screening performance</a:t>
+              <a:t>Why is benchmarking so important</a:t>
             </a:r>
           </a:p>
         </p:txBody>
@@ -47057,7 +47036,7 @@
           <p:cNvPr id="3" name="Text Placeholder 2">
             <a:extLst>
               <a:ext uri="{FF2B5EF4-FFF2-40B4-BE49-F238E27FC236}">
-                <a16:creationId xmlns:a16="http://schemas.microsoft.com/office/drawing/2014/main" id="{A2FB8995-4F75-4CE9-B0F3-37FD9C0FED01}"/>
+                <a16:creationId xmlns:a16="http://schemas.microsoft.com/office/drawing/2014/main" id="{42372755-1361-461B-983A-DE7B16F5E772}"/>
               </a:ext>
             </a:extLst>
           </p:cNvPr>
@@ -47070,8 +47049,8 @@
         </p:nvSpPr>
         <p:spPr>
           <a:xfrm>
-            <a:off x="1013519" y="1386356"/>
-            <a:ext cx="10158611" cy="1054919"/>
+            <a:off x="921054" y="1736333"/>
+            <a:ext cx="10251078" cy="4108743"/>
           </a:xfrm>
         </p:spPr>
         <p:txBody>
@@ -47080,122 +47059,41 @@
           <a:p>
             <a:r>
               <a:rPr lang="en-US" dirty="0"/>
-              <a:t>To make fair comparisons between GPT and human screening, we mapped common human screening performances across 22 high-quality reviews. Hereto, we found the typical </a:t>
-            </a:r>
-            <a:r>
-              <a:rPr lang="en-US" i="1" dirty="0"/>
-              <a:t>second</a:t>
-            </a:r>
+              <a:t>Guards against biased screenings that are inferior to human screening. </a:t>
+            </a:r>
+          </a:p>
+          <a:p>
+            <a:endParaRPr lang="en-US" dirty="0"/>
+          </a:p>
+          <a:p>
             <a:r>
               <a:rPr lang="en-US" dirty="0"/>
-              <a:t> screener to have a recall of 78.2%, 95% CI[74.7, 81.7] and specificity of 98%, 95% CI[96.6, 99.0]. </a:t>
-            </a:r>
-          </a:p>
-          <a:p>
-            <a:pPr marL="0" indent="0">
-              <a:buNone/>
-            </a:pPr>
-            <a:endParaRPr lang="da-DK" dirty="0"/>
-          </a:p>
-        </p:txBody>
-      </p:sp>
-      <p:pic>
-        <p:nvPicPr>
-          <p:cNvPr id="5" name="Picture 4">
-            <a:extLst>
-              <a:ext uri="{FF2B5EF4-FFF2-40B4-BE49-F238E27FC236}">
-                <a16:creationId xmlns:a16="http://schemas.microsoft.com/office/drawing/2014/main" id="{E163232B-5550-4A8A-98DA-127EC1C98F36}"/>
-              </a:ext>
-            </a:extLst>
-          </p:cNvPr>
-          <p:cNvPicPr>
-            <a:picLocks noChangeAspect="1"/>
-          </p:cNvPicPr>
-          <p:nvPr/>
-        </p:nvPicPr>
-        <p:blipFill>
-          <a:blip r:embed="rId3">
-            <a:extLst>
-              <a:ext uri="{28A0092B-C50C-407E-A947-70E740481C1C}">
-                <a14:useLocalDpi xmlns:a14="http://schemas.microsoft.com/office/drawing/2010/main" val="0"/>
-              </a:ext>
-            </a:extLst>
-          </a:blip>
-          <a:stretch>
-            <a:fillRect/>
-          </a:stretch>
-        </p:blipFill>
-        <p:spPr>
-          <a:xfrm>
-            <a:off x="2372264" y="2587925"/>
-            <a:ext cx="6351514" cy="3705050"/>
-          </a:xfrm>
-          <a:prstGeom prst="rect">
-            <a:avLst/>
-          </a:prstGeom>
-        </p:spPr>
-      </p:pic>
-      <p:sp>
-        <p:nvSpPr>
-          <p:cNvPr id="6" name="Rectangle 5">
-            <a:extLst>
-              <a:ext uri="{FF2B5EF4-FFF2-40B4-BE49-F238E27FC236}">
-                <a16:creationId xmlns:a16="http://schemas.microsoft.com/office/drawing/2014/main" id="{007E1860-2808-4AD9-ACE7-EEBF58EB6B0B}"/>
-              </a:ext>
-            </a:extLst>
-          </p:cNvPr>
-          <p:cNvSpPr/>
-          <p:nvPr/>
-        </p:nvSpPr>
-        <p:spPr>
-          <a:xfrm>
-            <a:off x="2311879" y="6247218"/>
-            <a:ext cx="6782138" cy="461665"/>
-          </a:xfrm>
-          <a:prstGeom prst="rect">
-            <a:avLst/>
-          </a:prstGeom>
-        </p:spPr>
-        <p:txBody>
-          <a:bodyPr wrap="square">
-            <a:spAutoFit/>
-          </a:bodyPr>
-          <a:lstStyle/>
-          <a:p>
-            <a:pPr>
-              <a:spcAft>
-                <a:spcPts val="0"/>
-              </a:spcAft>
-            </a:pPr>
-            <a:r>
-              <a:rPr lang="en-US" sz="1200" i="1" dirty="0">
-                <a:latin typeface="Times New Roman" panose="02020603050405020304" pitchFamily="18" charset="0"/>
-                <a:ea typeface="Calibri" panose="020F0502020204030204" pitchFamily="34" charset="0"/>
-                <a:cs typeface="Times New Roman" panose="02020603050405020304" pitchFamily="18" charset="0"/>
-              </a:rPr>
-              <a:t>Note</a:t>
-            </a:r>
-            <a:r>
-              <a:rPr lang="en-US" sz="1200" dirty="0">
-                <a:latin typeface="Times New Roman" panose="02020603050405020304" pitchFamily="18" charset="0"/>
-                <a:ea typeface="Calibri" panose="020F0502020204030204" pitchFamily="34" charset="0"/>
-                <a:cs typeface="Times New Roman" panose="02020603050405020304" pitchFamily="18" charset="0"/>
-              </a:rPr>
-              <a:t>: Dashed lines indicate the average estimated via the CHE-RVE model. Each point represent an individual screener within the given review</a:t>
-            </a:r>
-            <a:endParaRPr lang="en-US" dirty="0">
-              <a:effectLst/>
-              <a:latin typeface="Times New Roman" panose="02020603050405020304" pitchFamily="18" charset="0"/>
-              <a:ea typeface="Calibri" panose="020F0502020204030204" pitchFamily="34" charset="0"/>
-              <a:cs typeface="Times New Roman" panose="02020603050405020304" pitchFamily="18" charset="0"/>
-            </a:endParaRPr>
+              <a:t>It allows for context-specific assessments of the adequacy of using GPT API models as second screeners</a:t>
+            </a:r>
+          </a:p>
+          <a:p>
+            <a:endParaRPr lang="en-US" dirty="0"/>
+          </a:p>
+          <a:p>
+            <a:r>
+              <a:rPr lang="da-DK" dirty="0"/>
+              <a:t>S</a:t>
+            </a:r>
+            <a:r>
+              <a:rPr lang="en-US" dirty="0" err="1"/>
+              <a:t>ince</a:t>
+            </a:r>
+            <a:r>
+              <a:rPr lang="en-US" dirty="0"/>
+              <a:t> we cannot control model developments, the benchmark scheme ensures that we can monitor model performances over time. Meaning that if we experience that a model suddenly cannot live up to our benchmarks we can stop using it. </a:t>
+            </a:r>
           </a:p>
         </p:txBody>
       </p:sp>
     </p:spTree>
     <p:extLst>
       <p:ext uri="{BB962C8B-B14F-4D97-AF65-F5344CB8AC3E}">
-        <p14:creationId xmlns:p14="http://schemas.microsoft.com/office/powerpoint/2010/main" val="3553187736"/>
+        <p14:creationId xmlns:p14="http://schemas.microsoft.com/office/powerpoint/2010/main" val="119921284"/>
       </p:ext>
     </p:extLst>
   </p:cSld>
@@ -48126,20 +48024,29 @@
               <a:rPr lang="en-US" dirty="0"/>
               <a:t>, including how to test and develop prompts. Hereto we introduce multiple-prompt screening, i.e., making one prompt per inclusion criteria. </a:t>
             </a:r>
+          </a:p>
+          <a:p>
+            <a:pPr>
+              <a:spcBef>
+                <a:spcPts val="0"/>
+              </a:spcBef>
+            </a:pPr>
+            <a:endParaRPr lang="en-US" dirty="0"/>
+          </a:p>
+          <a:p>
+            <a:pPr>
+              <a:spcBef>
+                <a:spcPts val="0"/>
+              </a:spcBef>
+            </a:pPr>
+            <a:r>
+              <a:rPr lang="en-US" dirty="0"/>
+              <a:t>Campbell requirement:</a:t>
+            </a:r>
             <a:br>
               <a:rPr lang="en-US" dirty="0"/>
             </a:br>
             <a:endParaRPr lang="en-US" dirty="0"/>
-          </a:p>
-          <a:p>
-            <a:r>
-              <a:rPr lang="en-US" i="1" dirty="0"/>
-              <a:t>The AIscreenR  R package </a:t>
-            </a:r>
-            <a:r>
-              <a:rPr lang="en-US" dirty="0"/>
-              <a:t>(Vembye, 2024). This (among other things) allows the user to screen with multiple prompts and with parallel processing. To exemplify, we have been able to screen 14.000 references with 1 prompt and the gpt-4o-mini in less than 30 minutes (prize, $1.45 USD). The package also includes a practical/user-friendly step-by-step tutorial. </a:t>
-            </a:r>
           </a:p>
         </p:txBody>
       </p:sp>

--- a/SRMA SIG presentation 2024 .potx.pptx
+++ b/SRMA SIG presentation 2024 .potx.pptx
@@ -5,7 +5,7 @@
     <p:sldMasterId id="2147483693" r:id="rId1"/>
   </p:sldMasterIdLst>
   <p:notesMasterIdLst>
-    <p:notesMasterId r:id="rId16"/>
+    <p:notesMasterId r:id="rId17"/>
   </p:notesMasterIdLst>
   <p:sldIdLst>
     <p:sldId id="509" r:id="rId2"/>
@@ -15,13 +15,14 @@
     <p:sldId id="545" r:id="rId6"/>
     <p:sldId id="546" r:id="rId7"/>
     <p:sldId id="547" r:id="rId8"/>
-    <p:sldId id="528" r:id="rId9"/>
+    <p:sldId id="549" r:id="rId9"/>
     <p:sldId id="531" r:id="rId10"/>
-    <p:sldId id="538" r:id="rId11"/>
+    <p:sldId id="551" r:id="rId11"/>
     <p:sldId id="540" r:id="rId12"/>
-    <p:sldId id="532" r:id="rId13"/>
+    <p:sldId id="550" r:id="rId13"/>
     <p:sldId id="544" r:id="rId14"/>
-    <p:sldId id="536" r:id="rId15"/>
+    <p:sldId id="548" r:id="rId15"/>
+    <p:sldId id="536" r:id="rId16"/>
   </p:sldIdLst>
   <p:sldSz cx="12192000" cy="6858000"/>
   <p:notesSz cx="6858000" cy="9144000"/>
@@ -132,12 +133,13 @@
             <p14:sldId id="545"/>
             <p14:sldId id="546"/>
             <p14:sldId id="547"/>
-            <p14:sldId id="528"/>
+            <p14:sldId id="549"/>
             <p14:sldId id="531"/>
-            <p14:sldId id="538"/>
+            <p14:sldId id="551"/>
             <p14:sldId id="540"/>
-            <p14:sldId id="532"/>
+            <p14:sldId id="550"/>
             <p14:sldId id="544"/>
+            <p14:sldId id="548"/>
             <p14:sldId id="536"/>
           </p14:sldIdLst>
         </p14:section>
@@ -163,34 +165,6 @@
 </file>
 
 <file path=ppt/comments/comment1.xml><?xml version="1.0" encoding="utf-8"?>
-<p:cmLst xmlns:a="http://schemas.openxmlformats.org/drawingml/2006/main" xmlns:r="http://schemas.openxmlformats.org/officeDocument/2006/relationships" xmlns:p="http://schemas.openxmlformats.org/presentationml/2006/main">
-  <p:cm authorId="1" dt="2024-10-31T07:24:22.037" idx="2">
-    <p:pos x="6900" y="1661"/>
-    <p:text>Has been done</p:text>
-    <p:extLst>
-      <p:ext uri="{C676402C-5697-4E1C-873F-D02D1690AC5C}">
-        <p15:threadingInfo xmlns:p15="http://schemas.microsoft.com/office/powerpoint/2012/main" timeZoneBias="-60"/>
-      </p:ext>
-    </p:extLst>
-  </p:cm>
-</p:cmLst>
-</file>
-
-<file path=ppt/comments/comment2.xml><?xml version="1.0" encoding="utf-8"?>
-<p:cmLst xmlns:a="http://schemas.openxmlformats.org/drawingml/2006/main" xmlns:r="http://schemas.openxmlformats.org/officeDocument/2006/relationships" xmlns:p="http://schemas.openxmlformats.org/presentationml/2006/main">
-  <p:cm authorId="1" dt="2024-10-31T07:24:22.037" idx="2">
-    <p:pos x="6900" y="1661"/>
-    <p:text>Has been done</p:text>
-    <p:extLst>
-      <p:ext uri="{C676402C-5697-4E1C-873F-D02D1690AC5C}">
-        <p15:threadingInfo xmlns:p15="http://schemas.microsoft.com/office/powerpoint/2012/main" timeZoneBias="-60"/>
-      </p:ext>
-    </p:extLst>
-  </p:cm>
-</p:cmLst>
-</file>
-
-<file path=ppt/comments/comment3.xml><?xml version="1.0" encoding="utf-8"?>
 <p:cmLst xmlns:a="http://schemas.openxmlformats.org/drawingml/2006/main" xmlns:r="http://schemas.openxmlformats.org/officeDocument/2006/relationships" xmlns:p="http://schemas.openxmlformats.org/presentationml/2006/main">
   <p:cm authorId="1" dt="2024-10-31T07:33:44.916" idx="3">
     <p:pos x="4562" y="1200"/>
@@ -733,102 +707,6 @@
     <p:extLst>
       <p:ext uri="{BB962C8B-B14F-4D97-AF65-F5344CB8AC3E}">
         <p14:creationId xmlns:p14="http://schemas.microsoft.com/office/powerpoint/2010/main" val="2468751560"/>
-      </p:ext>
-    </p:extLst>
-  </p:cSld>
-  <p:clrMapOvr>
-    <a:masterClrMapping/>
-  </p:clrMapOvr>
-</p:notes>
-</file>
-
-<file path=ppt/notesSlides/notesSlide3.xml><?xml version="1.0" encoding="utf-8"?>
-<p:notes xmlns:a="http://schemas.openxmlformats.org/drawingml/2006/main" xmlns:r="http://schemas.openxmlformats.org/officeDocument/2006/relationships" xmlns:p="http://schemas.openxmlformats.org/presentationml/2006/main">
-  <p:cSld>
-    <p:spTree>
-      <p:nvGrpSpPr>
-        <p:cNvPr id="1" name=""/>
-        <p:cNvGrpSpPr/>
-        <p:nvPr/>
-      </p:nvGrpSpPr>
-      <p:grpSpPr>
-        <a:xfrm>
-          <a:off x="0" y="0"/>
-          <a:ext cx="0" cy="0"/>
-          <a:chOff x="0" y="0"/>
-          <a:chExt cx="0" cy="0"/>
-        </a:xfrm>
-      </p:grpSpPr>
-      <p:sp>
-        <p:nvSpPr>
-          <p:cNvPr id="2" name="Slide Image Placeholder 1"/>
-          <p:cNvSpPr>
-            <a:spLocks noGrp="1" noRot="1" noChangeAspect="1"/>
-          </p:cNvSpPr>
-          <p:nvPr>
-            <p:ph type="sldImg"/>
-          </p:nvPr>
-        </p:nvSpPr>
-        <p:spPr/>
-      </p:sp>
-      <p:sp>
-        <p:nvSpPr>
-          <p:cNvPr id="3" name="Notes Placeholder 2"/>
-          <p:cNvSpPr>
-            <a:spLocks noGrp="1"/>
-          </p:cNvSpPr>
-          <p:nvPr>
-            <p:ph type="body" idx="1"/>
-          </p:nvPr>
-        </p:nvSpPr>
-        <p:spPr/>
-        <p:txBody>
-          <a:bodyPr/>
-          <a:lstStyle/>
-          <a:p>
-            <a:r>
-              <a:rPr lang="da-DK" dirty="0" err="1"/>
-              <a:t>Add</a:t>
-            </a:r>
-            <a:r>
-              <a:rPr lang="da-DK" dirty="0"/>
-              <a:t> gpt-4o-mini </a:t>
-            </a:r>
-            <a:r>
-              <a:rPr lang="da-DK" dirty="0" err="1"/>
-              <a:t>results</a:t>
-            </a:r>
-            <a:endParaRPr lang="en-US" dirty="0"/>
-          </a:p>
-        </p:txBody>
-      </p:sp>
-      <p:sp>
-        <p:nvSpPr>
-          <p:cNvPr id="4" name="Slide Number Placeholder 3"/>
-          <p:cNvSpPr>
-            <a:spLocks noGrp="1"/>
-          </p:cNvSpPr>
-          <p:nvPr>
-            <p:ph type="sldNum" sz="quarter" idx="5"/>
-          </p:nvPr>
-        </p:nvSpPr>
-        <p:spPr/>
-        <p:txBody>
-          <a:bodyPr/>
-          <a:lstStyle/>
-          <a:p>
-            <a:fld id="{A4F50FAE-CBEA-4494-871D-803C25DC58A1}" type="slidenum">
-              <a:rPr lang="en-GB" smtClean="0"/>
-              <a:t>8</a:t>
-            </a:fld>
-            <a:endParaRPr lang="en-GB"/>
-          </a:p>
-        </p:txBody>
-      </p:sp>
-    </p:spTree>
-    <p:extLst>
-      <p:ext uri="{BB962C8B-B14F-4D97-AF65-F5344CB8AC3E}">
-        <p14:creationId xmlns:p14="http://schemas.microsoft.com/office/powerpoint/2010/main" val="2034901775"/>
       </p:ext>
     </p:extLst>
   </p:cSld>
@@ -44216,6 +44094,16 @@
           </a:p>
           <a:p>
             <a:r>
+              <a:rPr lang="da-DK" dirty="0"/>
+              <a:t>T</a:t>
+            </a:r>
+            <a:r>
+              <a:rPr lang="en-US" dirty="0"/>
+              <a:t>he Danish Center for Social Science Research, VIVE. </a:t>
+            </a:r>
+          </a:p>
+          <a:p>
+            <a:r>
               <a:rPr lang="en-US" dirty="0"/>
               <a:t>SRMA SIG, 2024.11.15</a:t>
             </a:r>
@@ -44244,7 +44132,7 @@
           <a:p>
             <a:r>
               <a:rPr lang="en-US" sz="3200" dirty="0"/>
-              <a:t>Using GPT API Models as Second Screener of Titles and Abstracts in High-Quality Systematic Reviews</a:t>
+              <a:t>Using GPT API Models as Second Screeners of Titles and Abstracts in High-Quality Systematic Reviews</a:t>
             </a:r>
           </a:p>
         </p:txBody>
@@ -44316,7 +44204,7 @@
           <p:cNvPr id="2" name="Title 1">
             <a:extLst>
               <a:ext uri="{FF2B5EF4-FFF2-40B4-BE49-F238E27FC236}">
-                <a16:creationId xmlns:a16="http://schemas.microsoft.com/office/drawing/2014/main" id="{CFCF05B1-6D93-40A0-9044-DF816360DE4A}"/>
+                <a16:creationId xmlns:a16="http://schemas.microsoft.com/office/drawing/2014/main" id="{9A2396E2-9EBF-4B0D-B303-A2BEDAEF8B4B}"/>
               </a:ext>
             </a:extLst>
           </p:cNvPr>
@@ -44327,29 +44215,37 @@
             <p:ph type="title"/>
           </p:nvPr>
         </p:nvSpPr>
-        <p:spPr>
-          <a:xfrm>
-            <a:off x="1013520" y="1012924"/>
-            <a:ext cx="10462714" cy="891382"/>
-          </a:xfrm>
-        </p:spPr>
+        <p:spPr/>
         <p:txBody>
           <a:bodyPr/>
           <a:lstStyle/>
           <a:p>
             <a:r>
-              <a:rPr lang="en-US" dirty="0"/>
-              <a:t>To recap: Advantages of this screening method</a:t>
-            </a:r>
+              <a:rPr lang="da-DK" dirty="0" err="1"/>
+              <a:t>Other</a:t>
+            </a:r>
+            <a:r>
+              <a:rPr lang="da-DK" dirty="0"/>
+              <a:t> </a:t>
+            </a:r>
+            <a:r>
+              <a:rPr lang="da-DK" dirty="0" err="1"/>
+              <a:t>possibilities</a:t>
+            </a:r>
+            <a:r>
+              <a:rPr lang="da-DK" dirty="0"/>
+              <a:t> with AIscreenR</a:t>
+            </a:r>
+            <a:endParaRPr lang="en-US" dirty="0"/>
           </a:p>
         </p:txBody>
       </p:sp>
       <p:sp>
         <p:nvSpPr>
-          <p:cNvPr id="6" name="Text Placeholder 5">
+          <p:cNvPr id="3" name="Text Placeholder 2">
             <a:extLst>
               <a:ext uri="{FF2B5EF4-FFF2-40B4-BE49-F238E27FC236}">
-                <a16:creationId xmlns:a16="http://schemas.microsoft.com/office/drawing/2014/main" id="{210A8F88-4517-4F8B-830E-17207A912A09}"/>
+                <a16:creationId xmlns:a16="http://schemas.microsoft.com/office/drawing/2014/main" id="{912A750B-9D57-4767-886D-ACA18619E83A}"/>
               </a:ext>
             </a:extLst>
           </p:cNvPr>
@@ -44360,19 +44256,33 @@
             <p:ph type="body" sz="quarter" idx="10"/>
           </p:nvPr>
         </p:nvSpPr>
-        <p:spPr>
-          <a:xfrm>
-            <a:off x="1013520" y="1992541"/>
-            <a:ext cx="10158611" cy="3650404"/>
-          </a:xfrm>
-        </p:spPr>
+        <p:spPr/>
         <p:txBody>
           <a:bodyPr/>
           <a:lstStyle/>
           <a:p>
             <a:r>
+              <a:rPr lang="en-US" dirty="0"/>
+              <a:t>Can be combined with other (semi) automated screening tools such as priority and classifier screening. </a:t>
+            </a:r>
+          </a:p>
+          <a:p>
+            <a:r>
+              <a:rPr lang="da-DK" dirty="0"/>
+              <a:t>U</a:t>
+            </a:r>
+            <a:r>
+              <a:rPr lang="en-US" dirty="0"/>
+              <a:t>sed to reduce the number of studies needed to be humanly double screened. </a:t>
+            </a:r>
+          </a:p>
+          <a:p>
+            <a:endParaRPr lang="da-DK" dirty="0"/>
+          </a:p>
+          <a:p>
+            <a:r>
               <a:rPr lang="da-DK" dirty="0" err="1"/>
-              <a:t>Rigorous</a:t>
+              <a:t>You</a:t>
             </a:r>
             <a:r>
               <a:rPr lang="da-DK" dirty="0"/>
@@ -44380,45 +44290,47 @@
             </a:r>
             <a:r>
               <a:rPr lang="da-DK" dirty="0" err="1"/>
-              <a:t>treatment</a:t>
-            </a:r>
-            <a:r>
-              <a:rPr lang="da-DK" dirty="0"/>
-              <a:t> of all </a:t>
-            </a:r>
-            <a:r>
-              <a:rPr lang="da-DK" dirty="0" err="1"/>
-              <a:t>titles</a:t>
-            </a:r>
-            <a:r>
-              <a:rPr lang="da-DK" dirty="0"/>
-              <a:t> and abstracts</a:t>
-            </a:r>
-          </a:p>
-          <a:p>
-            <a:r>
-              <a:rPr lang="da-DK" dirty="0"/>
-              <a:t>It is fast</a:t>
-            </a:r>
-          </a:p>
-          <a:p>
-            <a:r>
-              <a:rPr lang="da-DK" dirty="0"/>
-              <a:t>It is </a:t>
-            </a:r>
-            <a:r>
-              <a:rPr lang="da-DK" dirty="0" err="1"/>
-              <a:t>cheap</a:t>
+              <a:t>can</a:t>
             </a:r>
             <a:r>
               <a:rPr lang="da-DK" dirty="0"/>
               <a:t> </a:t>
             </a:r>
-          </a:p>
-          <a:p>
             <a:r>
               <a:rPr lang="da-DK" dirty="0" err="1"/>
-              <a:t>You</a:t>
+              <a:t>use</a:t>
+            </a:r>
+            <a:r>
+              <a:rPr lang="da-DK" dirty="0"/>
+              <a:t> it with models </a:t>
+            </a:r>
+            <a:r>
+              <a:rPr lang="da-DK" dirty="0" err="1"/>
+              <a:t>that</a:t>
+            </a:r>
+            <a:r>
+              <a:rPr lang="da-DK" dirty="0"/>
+              <a:t> at special </a:t>
+            </a:r>
+            <a:r>
+              <a:rPr lang="da-DK" dirty="0" err="1"/>
+              <a:t>tranied</a:t>
+            </a:r>
+            <a:r>
+              <a:rPr lang="da-DK" dirty="0"/>
+              <a:t>/fine </a:t>
+            </a:r>
+            <a:r>
+              <a:rPr lang="da-DK" dirty="0" err="1"/>
+              <a:t>tuned</a:t>
+            </a:r>
+            <a:r>
+              <a:rPr lang="da-DK" dirty="0"/>
+              <a:t> to a </a:t>
+            </a:r>
+            <a:r>
+              <a:rPr lang="da-DK" dirty="0" err="1"/>
+              <a:t>specific</a:t>
             </a:r>
             <a:r>
               <a:rPr lang="da-DK" dirty="0"/>
@@ -44426,125 +44338,12 @@
             </a:r>
             <a:r>
               <a:rPr lang="da-DK" dirty="0" err="1"/>
-              <a:t>can</a:t>
-            </a:r>
-            <a:r>
-              <a:rPr lang="da-DK" dirty="0"/>
-              <a:t> </a:t>
-            </a:r>
-            <a:r>
-              <a:rPr lang="da-DK" dirty="0" err="1"/>
-              <a:t>guard</a:t>
-            </a:r>
-            <a:r>
-              <a:rPr lang="da-DK" dirty="0"/>
-              <a:t> </a:t>
-            </a:r>
-            <a:r>
-              <a:rPr lang="da-DK" dirty="0" err="1"/>
-              <a:t>against</a:t>
-            </a:r>
-            <a:r>
-              <a:rPr lang="da-DK" dirty="0"/>
-              <a:t> human </a:t>
-            </a:r>
-            <a:r>
-              <a:rPr lang="da-DK" dirty="0" err="1"/>
-              <a:t>drifting</a:t>
+              <a:t>review</a:t>
             </a:r>
             <a:r>
               <a:rPr lang="da-DK" dirty="0"/>
               <a:t>. </a:t>
             </a:r>
-          </a:p>
-          <a:p>
-            <a:r>
-              <a:rPr lang="da-DK" dirty="0"/>
-              <a:t>Extra </a:t>
-            </a:r>
-            <a:r>
-              <a:rPr lang="da-DK" dirty="0" err="1"/>
-              <a:t>ensurance</a:t>
-            </a:r>
-            <a:r>
-              <a:rPr lang="da-DK" dirty="0"/>
-              <a:t> </a:t>
-            </a:r>
-            <a:r>
-              <a:rPr lang="da-DK" dirty="0" err="1"/>
-              <a:t>that</a:t>
-            </a:r>
-            <a:r>
-              <a:rPr lang="da-DK" dirty="0"/>
-              <a:t> </a:t>
-            </a:r>
-            <a:r>
-              <a:rPr lang="da-DK" dirty="0" err="1"/>
-              <a:t>you</a:t>
-            </a:r>
-            <a:r>
-              <a:rPr lang="da-DK" dirty="0"/>
-              <a:t> have </a:t>
-            </a:r>
-            <a:r>
-              <a:rPr lang="da-DK" dirty="0" err="1"/>
-              <a:t>found</a:t>
-            </a:r>
-            <a:r>
-              <a:rPr lang="da-DK" dirty="0"/>
-              <a:t> all </a:t>
-            </a:r>
-            <a:r>
-              <a:rPr lang="da-DK" dirty="0" err="1"/>
-              <a:t>revelavant</a:t>
-            </a:r>
-            <a:r>
-              <a:rPr lang="da-DK" dirty="0"/>
-              <a:t> </a:t>
-            </a:r>
-            <a:r>
-              <a:rPr lang="da-DK" dirty="0" err="1"/>
-              <a:t>records</a:t>
-            </a:r>
-            <a:r>
-              <a:rPr lang="da-DK" dirty="0"/>
-              <a:t>.</a:t>
-            </a:r>
-          </a:p>
-          <a:p>
-            <a:r>
-              <a:rPr lang="da-DK" dirty="0" err="1"/>
-              <a:t>Agnostic</a:t>
-            </a:r>
-            <a:r>
-              <a:rPr lang="da-DK" dirty="0"/>
-              <a:t> to data </a:t>
-            </a:r>
-            <a:r>
-              <a:rPr lang="da-DK" dirty="0" err="1"/>
-              <a:t>imbalance</a:t>
-            </a:r>
-            <a:endParaRPr lang="da-DK" dirty="0"/>
-          </a:p>
-          <a:p>
-            <a:pPr marL="0" indent="0">
-              <a:buNone/>
-            </a:pPr>
-            <a:endParaRPr lang="da-DK" dirty="0"/>
-          </a:p>
-          <a:p>
-            <a:pPr marL="0" indent="0">
-              <a:buNone/>
-            </a:pPr>
-            <a:endParaRPr lang="da-DK" dirty="0"/>
-          </a:p>
-          <a:p>
-            <a:pPr marL="0" indent="0">
-              <a:buNone/>
-            </a:pPr>
-            <a:endParaRPr lang="da-DK" dirty="0"/>
-          </a:p>
-          <a:p>
             <a:endParaRPr lang="en-US" dirty="0"/>
           </a:p>
         </p:txBody>
@@ -44552,7 +44351,7 @@
     </p:spTree>
     <p:extLst>
       <p:ext uri="{BB962C8B-B14F-4D97-AF65-F5344CB8AC3E}">
-        <p14:creationId xmlns:p14="http://schemas.microsoft.com/office/powerpoint/2010/main" val="2228664"/>
+        <p14:creationId xmlns:p14="http://schemas.microsoft.com/office/powerpoint/2010/main" val="1774170958"/>
       </p:ext>
     </p:extLst>
   </p:cSld>
@@ -44602,7 +44401,7 @@
           <a:p>
             <a:r>
               <a:rPr lang="en-US" dirty="0"/>
-              <a:t>Limitation</a:t>
+              <a:t>Limitations vs. advantages </a:t>
             </a:r>
           </a:p>
         </p:txBody>
@@ -44625,182 +44424,76 @@
         </p:nvSpPr>
         <p:spPr>
           <a:xfrm>
-            <a:off x="1013520" y="1966823"/>
-            <a:ext cx="10158611" cy="4171330"/>
+            <a:off x="1013521" y="1966823"/>
+            <a:ext cx="5561940" cy="3878253"/>
           </a:xfrm>
         </p:spPr>
         <p:txBody>
           <a:bodyPr/>
           <a:lstStyle/>
           <a:p>
+            <a:pPr marL="0" indent="0">
+              <a:buNone/>
+            </a:pPr>
+            <a:r>
+              <a:rPr lang="en-US" i="1" dirty="0"/>
+              <a:t>Limitations</a:t>
+            </a:r>
+          </a:p>
+          <a:p>
+            <a:pPr>
+              <a:spcAft>
+                <a:spcPts val="800"/>
+              </a:spcAft>
+            </a:pPr>
+            <a:r>
+              <a:rPr lang="en-US" dirty="0"/>
+              <a:t>Black-box models (notice: human screening often represent black-box operation as well)</a:t>
+            </a:r>
+          </a:p>
+          <a:p>
+            <a:pPr>
+              <a:spcAft>
+                <a:spcPts val="800"/>
+              </a:spcAft>
+            </a:pPr>
+            <a:r>
+              <a:rPr lang="en-US" dirty="0"/>
+              <a:t>In theory it is prompt sensitive</a:t>
+            </a:r>
+          </a:p>
+          <a:p>
+            <a:pPr>
+              <a:spcAft>
+                <a:spcPts val="800"/>
+              </a:spcAft>
+            </a:pPr>
+            <a:r>
+              <a:rPr lang="en-US" dirty="0"/>
+              <a:t>Off-the-shelf method that change over time.</a:t>
+            </a:r>
+          </a:p>
+          <a:p>
+            <a:pPr>
+              <a:spcAft>
+                <a:spcPts val="800"/>
+              </a:spcAft>
+            </a:pPr>
+            <a:r>
+              <a:rPr lang="en-US" dirty="0"/>
+              <a:t>Potentially large environmental impact. This hard to fully assess (</a:t>
+            </a:r>
+            <a:r>
+              <a:rPr lang="da-DK" dirty="0" err="1"/>
+              <a:t>Tomlinson</a:t>
+            </a:r>
             <a:r>
               <a:rPr lang="da-DK" dirty="0"/>
-              <a:t>In </a:t>
-            </a:r>
-            <a:r>
-              <a:rPr lang="da-DK" dirty="0" err="1"/>
-              <a:t>theory</a:t>
-            </a:r>
-            <a:r>
-              <a:rPr lang="da-DK" dirty="0"/>
-              <a:t> it is prompt sensitive</a:t>
-            </a:r>
-          </a:p>
-          <a:p>
-            <a:r>
-              <a:rPr lang="da-DK" dirty="0" err="1"/>
-              <a:t>Off</a:t>
-            </a:r>
-            <a:r>
-              <a:rPr lang="da-DK" dirty="0"/>
-              <a:t>-the-</a:t>
-            </a:r>
-            <a:r>
-              <a:rPr lang="da-DK" dirty="0" err="1"/>
-              <a:t>shelf</a:t>
-            </a:r>
-            <a:r>
-              <a:rPr lang="da-DK" dirty="0"/>
-              <a:t> </a:t>
-            </a:r>
-            <a:r>
-              <a:rPr lang="da-DK" dirty="0" err="1"/>
-              <a:t>method</a:t>
-            </a:r>
-            <a:r>
-              <a:rPr lang="da-DK" dirty="0"/>
-              <a:t>. </a:t>
-            </a:r>
-            <a:r>
-              <a:rPr lang="da-DK" dirty="0" err="1"/>
-              <a:t>We</a:t>
-            </a:r>
-            <a:r>
-              <a:rPr lang="da-DK" dirty="0"/>
-              <a:t> </a:t>
-            </a:r>
-            <a:r>
-              <a:rPr lang="da-DK" dirty="0" err="1"/>
-              <a:t>got</a:t>
-            </a:r>
-            <a:r>
-              <a:rPr lang="da-DK" dirty="0"/>
-              <a:t> </a:t>
-            </a:r>
-            <a:r>
-              <a:rPr lang="da-DK" dirty="0" err="1"/>
-              <a:t>desk</a:t>
-            </a:r>
-            <a:r>
-              <a:rPr lang="da-DK" dirty="0"/>
-              <a:t> </a:t>
-            </a:r>
-            <a:r>
-              <a:rPr lang="da-DK" dirty="0" err="1"/>
-              <a:t>rejected</a:t>
-            </a:r>
-            <a:r>
-              <a:rPr lang="da-DK" dirty="0"/>
-              <a:t> in RSM for </a:t>
-            </a:r>
-            <a:r>
-              <a:rPr lang="da-DK" dirty="0" err="1"/>
-              <a:t>this</a:t>
-            </a:r>
-            <a:r>
-              <a:rPr lang="da-DK" dirty="0"/>
-              <a:t> </a:t>
-            </a:r>
-            <a:r>
-              <a:rPr lang="da-DK" dirty="0" err="1"/>
-              <a:t>reason</a:t>
-            </a:r>
-            <a:r>
-              <a:rPr lang="da-DK" dirty="0"/>
-              <a:t>.</a:t>
-            </a:r>
-            <a:endParaRPr lang="en-US" dirty="0"/>
-          </a:p>
-          <a:p>
-            <a:r>
-              <a:rPr lang="da-DK" dirty="0" err="1"/>
-              <a:t>Environmental</a:t>
-            </a:r>
-            <a:r>
-              <a:rPr lang="da-DK" dirty="0"/>
-              <a:t> </a:t>
-            </a:r>
-            <a:r>
-              <a:rPr lang="da-DK" dirty="0" err="1"/>
-              <a:t>impact</a:t>
-            </a:r>
-            <a:r>
-              <a:rPr lang="da-DK" dirty="0"/>
-              <a:t>. This </a:t>
-            </a:r>
-            <a:r>
-              <a:rPr lang="da-DK" dirty="0" err="1"/>
-              <a:t>hard</a:t>
-            </a:r>
-            <a:r>
-              <a:rPr lang="da-DK" dirty="0"/>
-              <a:t> to </a:t>
-            </a:r>
-            <a:r>
-              <a:rPr lang="da-DK" dirty="0" err="1"/>
-              <a:t>fully</a:t>
-            </a:r>
-            <a:r>
-              <a:rPr lang="da-DK" dirty="0"/>
-              <a:t> </a:t>
-            </a:r>
-            <a:r>
-              <a:rPr lang="da-DK" dirty="0" err="1"/>
-              <a:t>assess</a:t>
-            </a:r>
-            <a:r>
-              <a:rPr lang="da-DK" dirty="0"/>
-              <a:t> but </a:t>
-            </a:r>
-            <a:r>
-              <a:rPr lang="da-DK" dirty="0" err="1"/>
-              <a:t>many</a:t>
-            </a:r>
-            <a:r>
-              <a:rPr lang="da-DK" dirty="0"/>
-              <a:t> </a:t>
-            </a:r>
-            <a:r>
-              <a:rPr lang="da-DK" dirty="0" err="1"/>
-              <a:t>people</a:t>
-            </a:r>
-            <a:r>
-              <a:rPr lang="da-DK" dirty="0"/>
-              <a:t> have </a:t>
-            </a:r>
-            <a:r>
-              <a:rPr lang="da-DK" dirty="0" err="1"/>
-              <a:t>concerns</a:t>
-            </a:r>
-            <a:r>
-              <a:rPr lang="da-DK" dirty="0"/>
-              <a:t> </a:t>
-            </a:r>
-            <a:r>
-              <a:rPr lang="da-DK" dirty="0" err="1"/>
-              <a:t>about</a:t>
-            </a:r>
-            <a:r>
-              <a:rPr lang="da-DK" dirty="0"/>
-              <a:t> </a:t>
-            </a:r>
-            <a:r>
-              <a:rPr lang="da-DK" dirty="0" err="1"/>
-              <a:t>this</a:t>
-            </a:r>
-            <a:r>
-              <a:rPr lang="da-DK" dirty="0"/>
-              <a:t>.</a:t>
+              <a:t> et al., 2024)</a:t>
+            </a:r>
+            <a:r>
+              <a:rPr lang="en-US" dirty="0"/>
+              <a:t> but many people have concerns about this.</a:t>
             </a:r>
           </a:p>
           <a:p>
@@ -44827,6 +44520,396 @@
               <a:buChar char="•"/>
             </a:pPr>
             <a:endParaRPr lang="da-DK" dirty="0"/>
+          </a:p>
+        </p:txBody>
+      </p:sp>
+      <p:sp>
+        <p:nvSpPr>
+          <p:cNvPr id="4" name="Title 1">
+            <a:extLst>
+              <a:ext uri="{FF2B5EF4-FFF2-40B4-BE49-F238E27FC236}">
+                <a16:creationId xmlns:a16="http://schemas.microsoft.com/office/drawing/2014/main" id="{F4F3ABE8-6CDF-4E5E-8784-AAB80A914130}"/>
+              </a:ext>
+            </a:extLst>
+          </p:cNvPr>
+          <p:cNvSpPr txBox="1">
+            <a:spLocks/>
+          </p:cNvSpPr>
+          <p:nvPr/>
+        </p:nvSpPr>
+        <p:spPr>
+          <a:xfrm>
+            <a:off x="6935057" y="950407"/>
+            <a:ext cx="4709186" cy="805602"/>
+          </a:xfrm>
+          <a:prstGeom prst="rect">
+            <a:avLst/>
+          </a:prstGeom>
+        </p:spPr>
+        <p:txBody>
+          <a:bodyPr vert="horz" lIns="0" tIns="0" rIns="0" bIns="0" rtlCol="0" anchor="t" anchorCtr="0">
+            <a:noAutofit/>
+          </a:bodyPr>
+          <a:lstStyle>
+            <a:lvl1pPr algn="l" defTabSz="914400" rtl="0" eaLnBrk="1" latinLnBrk="0" hangingPunct="1">
+              <a:lnSpc>
+                <a:spcPct val="100000"/>
+              </a:lnSpc>
+              <a:spcBef>
+                <a:spcPct val="0"/>
+              </a:spcBef>
+              <a:buNone/>
+              <a:defRPr sz="3600" b="1" i="0" kern="1200">
+                <a:solidFill>
+                  <a:schemeClr val="tx1"/>
+                </a:solidFill>
+                <a:latin typeface="+mj-lt"/>
+                <a:ea typeface="Inter" panose="020B0502030000000004" pitchFamily="34" charset="0"/>
+                <a:cs typeface="+mj-cs"/>
+              </a:defRPr>
+            </a:lvl1pPr>
+          </a:lstStyle>
+          <a:p>
+            <a:endParaRPr lang="en-US" dirty="0"/>
+          </a:p>
+        </p:txBody>
+      </p:sp>
+      <p:sp>
+        <p:nvSpPr>
+          <p:cNvPr id="6" name="Text Placeholder 5">
+            <a:extLst>
+              <a:ext uri="{FF2B5EF4-FFF2-40B4-BE49-F238E27FC236}">
+                <a16:creationId xmlns:a16="http://schemas.microsoft.com/office/drawing/2014/main" id="{8CEADC51-F3BB-4D8A-BDFF-2BA16ACDD490}"/>
+              </a:ext>
+            </a:extLst>
+          </p:cNvPr>
+          <p:cNvSpPr txBox="1">
+            <a:spLocks/>
+          </p:cNvSpPr>
+          <p:nvPr/>
+        </p:nvSpPr>
+        <p:spPr>
+          <a:xfrm>
+            <a:off x="6935057" y="1904306"/>
+            <a:ext cx="4709186" cy="4012737"/>
+          </a:xfrm>
+          <a:prstGeom prst="rect">
+            <a:avLst/>
+          </a:prstGeom>
+        </p:spPr>
+        <p:txBody>
+          <a:bodyPr vert="horz" lIns="0" tIns="0" rIns="0" bIns="0" rtlCol="0" anchor="t">
+            <a:noAutofit/>
+          </a:bodyPr>
+          <a:lstStyle>
+            <a:lvl1pPr marL="285750" indent="-285750" algn="l" defTabSz="914400" rtl="0" eaLnBrk="1" latinLnBrk="0" hangingPunct="1">
+              <a:lnSpc>
+                <a:spcPct val="100000"/>
+              </a:lnSpc>
+              <a:spcBef>
+                <a:spcPts val="1000"/>
+              </a:spcBef>
+              <a:buClr>
+                <a:schemeClr val="bg1"/>
+              </a:buClr>
+              <a:buSzPct val="110000"/>
+              <a:buFontTx/>
+              <a:buBlip>
+                <a:blip r:embed="rId2"/>
+              </a:buBlip>
+              <a:defRPr sz="1800" kern="1200">
+                <a:solidFill>
+                  <a:schemeClr val="tx1"/>
+                </a:solidFill>
+                <a:latin typeface="+mn-lt"/>
+                <a:ea typeface="+mn-ea"/>
+                <a:cs typeface="+mn-cs"/>
+              </a:defRPr>
+            </a:lvl1pPr>
+            <a:lvl2pPr marL="603250" indent="-285750" algn="l" defTabSz="914400" rtl="0" eaLnBrk="1" latinLnBrk="0" hangingPunct="1">
+              <a:lnSpc>
+                <a:spcPct val="100000"/>
+              </a:lnSpc>
+              <a:spcBef>
+                <a:spcPts val="1000"/>
+              </a:spcBef>
+              <a:buClr>
+                <a:schemeClr val="bg1"/>
+              </a:buClr>
+              <a:buSzPct val="110000"/>
+              <a:buFontTx/>
+              <a:buBlip>
+                <a:blip r:embed="rId2"/>
+              </a:buBlip>
+              <a:defRPr sz="1600" kern="1200">
+                <a:solidFill>
+                  <a:schemeClr val="tx1"/>
+                </a:solidFill>
+                <a:latin typeface="+mn-lt"/>
+                <a:ea typeface="+mn-ea"/>
+                <a:cs typeface="+mn-cs"/>
+              </a:defRPr>
+            </a:lvl2pPr>
+            <a:lvl3pPr marL="920750" indent="-285750" algn="l" defTabSz="914400" rtl="0" eaLnBrk="1" latinLnBrk="0" hangingPunct="1">
+              <a:lnSpc>
+                <a:spcPct val="100000"/>
+              </a:lnSpc>
+              <a:spcBef>
+                <a:spcPts val="1000"/>
+              </a:spcBef>
+              <a:buClr>
+                <a:schemeClr val="bg1"/>
+              </a:buClr>
+              <a:buSzPct val="110000"/>
+              <a:buFontTx/>
+              <a:buBlip>
+                <a:blip r:embed="rId2"/>
+              </a:buBlip>
+              <a:defRPr sz="1400" kern="1200">
+                <a:solidFill>
+                  <a:schemeClr val="tx1"/>
+                </a:solidFill>
+                <a:latin typeface="+mn-lt"/>
+                <a:ea typeface="+mn-ea"/>
+                <a:cs typeface="+mn-cs"/>
+              </a:defRPr>
+            </a:lvl3pPr>
+            <a:lvl4pPr marL="1238250" indent="-285750" algn="l" defTabSz="914400" rtl="0" eaLnBrk="1" latinLnBrk="0" hangingPunct="1">
+              <a:lnSpc>
+                <a:spcPct val="100000"/>
+              </a:lnSpc>
+              <a:spcBef>
+                <a:spcPts val="1000"/>
+              </a:spcBef>
+              <a:buClr>
+                <a:schemeClr val="bg1"/>
+              </a:buClr>
+              <a:buSzPct val="110000"/>
+              <a:buFontTx/>
+              <a:buBlip>
+                <a:blip r:embed="rId2"/>
+              </a:buBlip>
+              <a:defRPr sz="1200" kern="1200">
+                <a:solidFill>
+                  <a:schemeClr val="tx1"/>
+                </a:solidFill>
+                <a:latin typeface="+mn-lt"/>
+                <a:ea typeface="+mn-ea"/>
+                <a:cs typeface="+mn-cs"/>
+              </a:defRPr>
+            </a:lvl4pPr>
+            <a:lvl5pPr marL="1555750" indent="-285750" algn="l" defTabSz="914400" rtl="0" eaLnBrk="1" latinLnBrk="0" hangingPunct="1">
+              <a:lnSpc>
+                <a:spcPct val="100000"/>
+              </a:lnSpc>
+              <a:spcBef>
+                <a:spcPts val="1000"/>
+              </a:spcBef>
+              <a:buClr>
+                <a:schemeClr val="bg1"/>
+              </a:buClr>
+              <a:buSzPct val="110000"/>
+              <a:buFontTx/>
+              <a:buBlip>
+                <a:blip r:embed="rId2"/>
+              </a:buBlip>
+              <a:defRPr sz="1000" kern="1200">
+                <a:solidFill>
+                  <a:schemeClr val="tx1"/>
+                </a:solidFill>
+                <a:latin typeface="+mn-lt"/>
+                <a:ea typeface="+mn-ea"/>
+                <a:cs typeface="+mn-cs"/>
+              </a:defRPr>
+            </a:lvl5pPr>
+            <a:lvl6pPr marL="2514600" indent="-228600" algn="l" defTabSz="914400" rtl="0" eaLnBrk="1" latinLnBrk="0" hangingPunct="1">
+              <a:lnSpc>
+                <a:spcPct val="90000"/>
+              </a:lnSpc>
+              <a:spcBef>
+                <a:spcPts val="500"/>
+              </a:spcBef>
+              <a:buFont typeface="Arial" panose="020B0604020202020204" pitchFamily="34" charset="0"/>
+              <a:buChar char="•"/>
+              <a:defRPr sz="1800" kern="1200">
+                <a:solidFill>
+                  <a:schemeClr val="tx1"/>
+                </a:solidFill>
+                <a:latin typeface="+mn-lt"/>
+                <a:ea typeface="+mn-ea"/>
+                <a:cs typeface="+mn-cs"/>
+              </a:defRPr>
+            </a:lvl6pPr>
+            <a:lvl7pPr marL="2971800" indent="-228600" algn="l" defTabSz="914400" rtl="0" eaLnBrk="1" latinLnBrk="0" hangingPunct="1">
+              <a:lnSpc>
+                <a:spcPct val="90000"/>
+              </a:lnSpc>
+              <a:spcBef>
+                <a:spcPts val="500"/>
+              </a:spcBef>
+              <a:buFont typeface="Arial" panose="020B0604020202020204" pitchFamily="34" charset="0"/>
+              <a:buChar char="•"/>
+              <a:defRPr sz="1800" kern="1200">
+                <a:solidFill>
+                  <a:schemeClr val="tx1"/>
+                </a:solidFill>
+                <a:latin typeface="+mn-lt"/>
+                <a:ea typeface="+mn-ea"/>
+                <a:cs typeface="+mn-cs"/>
+              </a:defRPr>
+            </a:lvl7pPr>
+            <a:lvl8pPr marL="3429000" indent="-228600" algn="l" defTabSz="914400" rtl="0" eaLnBrk="1" latinLnBrk="0" hangingPunct="1">
+              <a:lnSpc>
+                <a:spcPct val="90000"/>
+              </a:lnSpc>
+              <a:spcBef>
+                <a:spcPts val="500"/>
+              </a:spcBef>
+              <a:buFont typeface="Arial" panose="020B0604020202020204" pitchFamily="34" charset="0"/>
+              <a:buChar char="•"/>
+              <a:defRPr sz="1800" kern="1200">
+                <a:solidFill>
+                  <a:schemeClr val="tx1"/>
+                </a:solidFill>
+                <a:latin typeface="+mn-lt"/>
+                <a:ea typeface="+mn-ea"/>
+                <a:cs typeface="+mn-cs"/>
+              </a:defRPr>
+            </a:lvl8pPr>
+            <a:lvl9pPr marL="3886200" indent="-228600" algn="l" defTabSz="914400" rtl="0" eaLnBrk="1" latinLnBrk="0" hangingPunct="1">
+              <a:lnSpc>
+                <a:spcPct val="90000"/>
+              </a:lnSpc>
+              <a:spcBef>
+                <a:spcPts val="500"/>
+              </a:spcBef>
+              <a:buFont typeface="Arial" panose="020B0604020202020204" pitchFamily="34" charset="0"/>
+              <a:buChar char="•"/>
+              <a:defRPr sz="1800" kern="1200">
+                <a:solidFill>
+                  <a:schemeClr val="tx1"/>
+                </a:solidFill>
+                <a:latin typeface="+mn-lt"/>
+                <a:ea typeface="+mn-ea"/>
+                <a:cs typeface="+mn-cs"/>
+              </a:defRPr>
+            </a:lvl9pPr>
+          </a:lstStyle>
+          <a:p>
+            <a:pPr marL="0" indent="0">
+              <a:buNone/>
+            </a:pPr>
+            <a:r>
+              <a:rPr lang="en-US" i="1" dirty="0"/>
+              <a:t>Advantages</a:t>
+            </a:r>
+            <a:endParaRPr lang="en-US" dirty="0"/>
+          </a:p>
+          <a:p>
+            <a:pPr>
+              <a:spcAft>
+                <a:spcPts val="800"/>
+              </a:spcAft>
+            </a:pPr>
+            <a:r>
+              <a:rPr lang="en-US" dirty="0"/>
+              <a:t>Rigorous treatment of all titles and abstracts</a:t>
+            </a:r>
+          </a:p>
+          <a:p>
+            <a:pPr>
+              <a:spcAft>
+                <a:spcPts val="800"/>
+              </a:spcAft>
+            </a:pPr>
+            <a:r>
+              <a:rPr lang="en-US" dirty="0"/>
+              <a:t>It is fast</a:t>
+            </a:r>
+          </a:p>
+          <a:p>
+            <a:pPr>
+              <a:spcAft>
+                <a:spcPts val="800"/>
+              </a:spcAft>
+            </a:pPr>
+            <a:r>
+              <a:rPr lang="en-US" dirty="0"/>
+              <a:t>It is cheap </a:t>
+            </a:r>
+          </a:p>
+          <a:p>
+            <a:pPr>
+              <a:spcAft>
+                <a:spcPts val="800"/>
+              </a:spcAft>
+            </a:pPr>
+            <a:r>
+              <a:rPr lang="en-US" dirty="0"/>
+              <a:t>You can guard against human drifting. </a:t>
+            </a:r>
+          </a:p>
+          <a:p>
+            <a:pPr>
+              <a:spcAft>
+                <a:spcPts val="800"/>
+              </a:spcAft>
+            </a:pPr>
+            <a:r>
+              <a:rPr lang="en-US" dirty="0"/>
+              <a:t>Extra insurance that you have found all relevant records. Can also be used as a third screener.</a:t>
+            </a:r>
+          </a:p>
+          <a:p>
+            <a:pPr>
+              <a:spcAft>
+                <a:spcPts val="800"/>
+              </a:spcAft>
+            </a:pPr>
+            <a:r>
+              <a:rPr lang="en-US" dirty="0"/>
+              <a:t>Agnostic to data imbalance</a:t>
+            </a:r>
+          </a:p>
+          <a:p>
+            <a:pPr>
+              <a:spcAft>
+                <a:spcPts val="800"/>
+              </a:spcAft>
+            </a:pPr>
+            <a:r>
+              <a:rPr lang="da-DK" dirty="0"/>
+              <a:t>I</a:t>
+            </a:r>
+            <a:r>
+              <a:rPr lang="en-US"/>
+              <a:t>t’s flexible</a:t>
+            </a:r>
+            <a:endParaRPr lang="en-US" dirty="0"/>
+          </a:p>
+          <a:p>
+            <a:pPr marL="0" indent="0">
+              <a:buFontTx/>
+              <a:buNone/>
+            </a:pPr>
+            <a:endParaRPr lang="da-DK" dirty="0"/>
+          </a:p>
+          <a:p>
+            <a:pPr marL="0" indent="0">
+              <a:buFontTx/>
+              <a:buNone/>
+            </a:pPr>
+            <a:endParaRPr lang="da-DK" dirty="0"/>
+          </a:p>
+          <a:p>
+            <a:pPr marL="0" indent="0">
+              <a:buFontTx/>
+              <a:buNone/>
+            </a:pPr>
+            <a:endParaRPr lang="da-DK" dirty="0"/>
+          </a:p>
+          <a:p>
+            <a:endParaRPr lang="en-US" dirty="0"/>
           </a:p>
         </p:txBody>
       </p:sp>
@@ -44865,7 +44948,7 @@
           <p:cNvPr id="2" name="Title 1">
             <a:extLst>
               <a:ext uri="{FF2B5EF4-FFF2-40B4-BE49-F238E27FC236}">
-                <a16:creationId xmlns:a16="http://schemas.microsoft.com/office/drawing/2014/main" id="{CFCF05B1-6D93-40A0-9044-DF816360DE4A}"/>
+                <a16:creationId xmlns:a16="http://schemas.microsoft.com/office/drawing/2014/main" id="{A05D2F4B-2F1B-4E25-91F5-84B9657D5A0D}"/>
               </a:ext>
             </a:extLst>
           </p:cNvPr>
@@ -44883,7 +44966,7 @@
           <a:p>
             <a:r>
               <a:rPr lang="en-US" dirty="0"/>
-              <a:t>Concerns for future research</a:t>
+              <a:t>Future research</a:t>
             </a:r>
           </a:p>
         </p:txBody>
@@ -44893,7 +44976,7 @@
           <p:cNvPr id="3" name="Text Placeholder 2">
             <a:extLst>
               <a:ext uri="{FF2B5EF4-FFF2-40B4-BE49-F238E27FC236}">
-                <a16:creationId xmlns:a16="http://schemas.microsoft.com/office/drawing/2014/main" id="{910F09C2-115F-48A4-A4BB-57414380922F}"/>
+                <a16:creationId xmlns:a16="http://schemas.microsoft.com/office/drawing/2014/main" id="{603B0754-7E32-4245-8E5E-2D4F888965C1}"/>
               </a:ext>
             </a:extLst>
           </p:cNvPr>
@@ -44904,35 +44987,65 @@
             <p:ph type="body" sz="quarter" idx="10"/>
           </p:nvPr>
         </p:nvSpPr>
-        <p:spPr>
-          <a:xfrm>
-            <a:off x="1013520" y="1966823"/>
-            <a:ext cx="10158611" cy="4171330"/>
-          </a:xfrm>
-        </p:spPr>
+        <p:spPr/>
         <p:txBody>
           <a:bodyPr/>
           <a:lstStyle/>
           <a:p>
+            <a:pPr>
+              <a:spcAft>
+                <a:spcPts val="800"/>
+              </a:spcAft>
+            </a:pPr>
             <a:r>
               <a:rPr lang="en-US" dirty="0"/>
-              <a:t>Test it with local models. This would freeze the efficacy of this approach and increase transparency of this approach. Our paper was desk rejected by RSM because we draw on an off-the-shelf model that can change over time. </a:t>
-            </a:r>
-          </a:p>
-          <a:p>
+              <a:t>Test with local models such as the models from </a:t>
+            </a:r>
+            <a:r>
+              <a:rPr lang="en-US" dirty="0" err="1"/>
+              <a:t>MistralAI</a:t>
+            </a:r>
             <a:r>
               <a:rPr lang="en-US" dirty="0"/>
-              <a:t>Consider how best to combine traditional automated screening tools with GPT API screening. For instance can GPT API models play a role in validating stopping rules when using priority screening algorithms?</a:t>
-            </a:r>
-          </a:p>
-          <a:p>
+              <a:t>. This would freeze the efficacy of this approach and increase transparency of this approach. </a:t>
+            </a:r>
+          </a:p>
+          <a:p>
+            <a:pPr>
+              <a:spcAft>
+                <a:spcPts val="800"/>
+              </a:spcAft>
+            </a:pPr>
+            <a:r>
+              <a:rPr lang="en-US" dirty="0"/>
+              <a:t>Consider how best to combine traditional (semi)-automated screening tools such priority and </a:t>
+            </a:r>
+            <a:r>
+              <a:rPr lang="en-US" dirty="0" err="1"/>
+              <a:t>classifer</a:t>
+            </a:r>
+            <a:r>
+              <a:rPr lang="en-US" dirty="0"/>
+              <a:t> screening. </a:t>
+            </a:r>
+          </a:p>
+          <a:p>
+            <a:pPr>
+              <a:spcAft>
+                <a:spcPts val="800"/>
+              </a:spcAft>
+            </a:pPr>
+            <a:r>
+              <a:rPr lang="da-DK" dirty="0" err="1"/>
+              <a:t>Implementation</a:t>
+            </a:r>
             <a:r>
               <a:rPr lang="da-DK" dirty="0"/>
-              <a:t>How to </a:t>
+              <a:t> in standard references </a:t>
             </a:r>
             <a:r>
               <a:rPr lang="da-DK" dirty="0" err="1"/>
-              <a:t>take</a:t>
+              <a:t>tools</a:t>
             </a:r>
             <a:r>
               <a:rPr lang="da-DK" dirty="0"/>
@@ -44940,32 +45053,6 @@
             </a:r>
             <a:r>
               <a:rPr lang="da-DK" dirty="0" err="1"/>
-              <a:t>advantages</a:t>
-            </a:r>
-            <a:r>
-              <a:rPr lang="da-DK" dirty="0"/>
-              <a:t> of fine-tuning</a:t>
-            </a:r>
-          </a:p>
-          <a:p>
-            <a:r>
-              <a:rPr lang="da-DK" dirty="0" err="1"/>
-              <a:t>Implementation</a:t>
-            </a:r>
-            <a:r>
-              <a:rPr lang="da-DK" dirty="0"/>
-              <a:t> in standard references </a:t>
-            </a:r>
-            <a:r>
-              <a:rPr lang="da-DK" dirty="0" err="1"/>
-              <a:t>tools</a:t>
-            </a:r>
-            <a:r>
-              <a:rPr lang="da-DK" dirty="0"/>
-              <a:t> </a:t>
-            </a:r>
-            <a:r>
-              <a:rPr lang="da-DK" dirty="0" err="1"/>
               <a:t>such</a:t>
             </a:r>
             <a:r>
@@ -44996,6 +45083,39 @@
               <a:rPr lang="da-DK" dirty="0"/>
               <a:t>, etc. </a:t>
             </a:r>
+          </a:p>
+          <a:p>
+            <a:pPr>
+              <a:spcAft>
+                <a:spcPts val="800"/>
+              </a:spcAft>
+            </a:pPr>
+            <a:r>
+              <a:rPr lang="en-US" dirty="0"/>
+              <a:t>Alternately</a:t>
+            </a:r>
+            <a:r>
+              <a:rPr lang="da-DK" dirty="0"/>
+              <a:t>, </a:t>
+            </a:r>
+            <a:r>
+              <a:rPr lang="en-US" dirty="0"/>
+              <a:t>a shiny-app could be made to ease user-</a:t>
+            </a:r>
+            <a:r>
+              <a:rPr lang="en-US" dirty="0" err="1"/>
+              <a:t>friendsliness</a:t>
+            </a:r>
+            <a:r>
+              <a:rPr lang="da-DK" dirty="0"/>
+              <a:t>. </a:t>
+            </a:r>
+            <a:endParaRPr lang="en-US" dirty="0"/>
+          </a:p>
+          <a:p>
+            <a:pPr marL="0" indent="0">
+              <a:buNone/>
+            </a:pPr>
             <a:endParaRPr lang="en-US" dirty="0"/>
           </a:p>
         </p:txBody>
@@ -45003,7 +45123,7 @@
     </p:spTree>
     <p:extLst>
       <p:ext uri="{BB962C8B-B14F-4D97-AF65-F5344CB8AC3E}">
-        <p14:creationId xmlns:p14="http://schemas.microsoft.com/office/powerpoint/2010/main" val="39090497"/>
+        <p14:creationId xmlns:p14="http://schemas.microsoft.com/office/powerpoint/2010/main" val="1000430660"/>
       </p:ext>
     </p:extLst>
   </p:cSld>
@@ -45984,7 +46104,7 @@
           <p:cNvPr id="2" name="Title 1">
             <a:extLst>
               <a:ext uri="{FF2B5EF4-FFF2-40B4-BE49-F238E27FC236}">
-                <a16:creationId xmlns:a16="http://schemas.microsoft.com/office/drawing/2014/main" id="{4BAB2040-6A6B-4A8B-A38D-DEFCB2237179}"/>
+                <a16:creationId xmlns:a16="http://schemas.microsoft.com/office/drawing/2014/main" id="{01DB50FF-35AB-4945-A707-FBAE8A8C7B48}"/>
               </a:ext>
             </a:extLst>
           </p:cNvPr>
@@ -46006,1228 +46126,28 @@
             </a:r>
             <a:r>
               <a:rPr lang="da-DK" dirty="0"/>
-              <a:t> – all </a:t>
+              <a:t> 1 - </a:t>
             </a:r>
             <a:r>
               <a:rPr lang="da-DK" dirty="0" err="1"/>
-              <a:t>results</a:t>
+              <a:t>Assessment</a:t>
+            </a:r>
+            <a:r>
+              <a:rPr lang="da-DK" dirty="0"/>
+              <a:t> Measures</a:t>
             </a:r>
             <a:endParaRPr lang="en-US" dirty="0"/>
           </a:p>
         </p:txBody>
       </p:sp>
-      <p:pic>
-        <p:nvPicPr>
-          <p:cNvPr id="4" name="Picture 3">
-            <a:extLst>
-              <a:ext uri="{FF2B5EF4-FFF2-40B4-BE49-F238E27FC236}">
-                <a16:creationId xmlns:a16="http://schemas.microsoft.com/office/drawing/2014/main" id="{2EA8A890-C23C-4C77-85A6-A0006E6080A7}"/>
-              </a:ext>
-            </a:extLst>
-          </p:cNvPr>
-          <p:cNvPicPr>
-            <a:picLocks noChangeAspect="1"/>
-          </p:cNvPicPr>
-          <p:nvPr/>
-        </p:nvPicPr>
-        <p:blipFill>
-          <a:blip r:embed="rId2"/>
-          <a:stretch>
-            <a:fillRect/>
-          </a:stretch>
-        </p:blipFill>
-        <p:spPr>
-          <a:xfrm>
-            <a:off x="1013520" y="1904306"/>
-            <a:ext cx="6228271" cy="4417171"/>
-          </a:xfrm>
-          <a:prstGeom prst="rect">
-            <a:avLst/>
-          </a:prstGeom>
-        </p:spPr>
-      </p:pic>
-    </p:spTree>
-    <p:extLst>
-      <p:ext uri="{BB962C8B-B14F-4D97-AF65-F5344CB8AC3E}">
-        <p14:creationId xmlns:p14="http://schemas.microsoft.com/office/powerpoint/2010/main" val="1934150337"/>
-      </p:ext>
-    </p:extLst>
-  </p:cSld>
-  <p:clrMapOvr>
-    <a:masterClrMapping/>
-  </p:clrMapOvr>
-  <p:transition spd="med"/>
-</p:sld>
-</file>
-
-<file path=ppt/slides/slide2.xml><?xml version="1.0" encoding="utf-8"?>
-<p:sld xmlns:a="http://schemas.openxmlformats.org/drawingml/2006/main" xmlns:r="http://schemas.openxmlformats.org/officeDocument/2006/relationships" xmlns:p="http://schemas.openxmlformats.org/presentationml/2006/main">
-  <p:cSld>
-    <p:spTree>
-      <p:nvGrpSpPr>
-        <p:cNvPr id="1" name=""/>
-        <p:cNvGrpSpPr/>
-        <p:nvPr/>
-      </p:nvGrpSpPr>
-      <p:grpSpPr>
-        <a:xfrm>
-          <a:off x="0" y="0"/>
-          <a:ext cx="0" cy="0"/>
-          <a:chOff x="0" y="0"/>
-          <a:chExt cx="0" cy="0"/>
-        </a:xfrm>
-      </p:grpSpPr>
-      <p:sp>
-        <p:nvSpPr>
-          <p:cNvPr id="2" name="Title 1">
-            <a:extLst>
-              <a:ext uri="{FF2B5EF4-FFF2-40B4-BE49-F238E27FC236}">
-                <a16:creationId xmlns:a16="http://schemas.microsoft.com/office/drawing/2014/main" id="{9FACBF4C-8C3E-4A2A-9231-667B434CDF12}"/>
-              </a:ext>
-            </a:extLst>
-          </p:cNvPr>
-          <p:cNvSpPr>
-            <a:spLocks noGrp="1"/>
-          </p:cNvSpPr>
-          <p:nvPr>
-            <p:ph type="title"/>
-          </p:nvPr>
-        </p:nvSpPr>
-        <p:spPr>
-          <a:xfrm>
-            <a:off x="1013520" y="567233"/>
-            <a:ext cx="10462714" cy="891382"/>
-          </a:xfrm>
-        </p:spPr>
-        <p:txBody>
-          <a:bodyPr/>
-          <a:lstStyle/>
-          <a:p>
-            <a:r>
-              <a:rPr lang="en-US" dirty="0"/>
-              <a:t>Why use AI for screening in systematic review?</a:t>
-            </a:r>
-          </a:p>
-        </p:txBody>
-      </p:sp>
-      <p:sp>
-        <p:nvSpPr>
-          <p:cNvPr id="3" name="Text Placeholder 2">
-            <a:extLst>
-              <a:ext uri="{FF2B5EF4-FFF2-40B4-BE49-F238E27FC236}">
-                <a16:creationId xmlns:a16="http://schemas.microsoft.com/office/drawing/2014/main" id="{97FFB656-913A-4C08-A891-184DF7EF34CA}"/>
-              </a:ext>
-            </a:extLst>
-          </p:cNvPr>
-          <p:cNvSpPr>
-            <a:spLocks noGrp="1"/>
-          </p:cNvSpPr>
-          <p:nvPr>
-            <p:ph type="body" sz="quarter" idx="10"/>
-          </p:nvPr>
-        </p:nvSpPr>
-        <p:spPr>
-          <a:xfrm>
-            <a:off x="1013520" y="1458615"/>
-            <a:ext cx="10158611" cy="4832152"/>
-          </a:xfrm>
-        </p:spPr>
-        <p:txBody>
-          <a:bodyPr/>
-          <a:lstStyle/>
-          <a:p>
-            <a:pPr marL="0" indent="0">
-              <a:buNone/>
-            </a:pPr>
-            <a:r>
-              <a:rPr lang="en-US" b="1" dirty="0"/>
-              <a:t>For Quality Reasons/To Improve Quality</a:t>
-            </a:r>
-          </a:p>
-          <a:p>
-            <a:r>
-              <a:rPr lang="en-US" sz="1600" dirty="0"/>
-              <a:t>Human screeners overlook relevant studies for various reasons. Therefore, state-of-the-art is to conduct manual double-screening. However, this is costly and many research groups cannot afford double-screening.</a:t>
-            </a:r>
-          </a:p>
-          <a:p>
-            <a:r>
-              <a:rPr lang="en-US" sz="1600" dirty="0"/>
-              <a:t>Researchers most often limit their database searches so that they yield a number of studies that has a manageable size for humans to screen. However, this increases the risk of overlooking relevant studies.</a:t>
-            </a:r>
-          </a:p>
-          <a:p>
-            <a:r>
-              <a:rPr lang="en-US" sz="1600" dirty="0"/>
-              <a:t>Overlooking relevant studies at this initial review stage can be consequential, leading to substantially biased results.</a:t>
-            </a:r>
-            <a:endParaRPr lang="da-DK" sz="1600" dirty="0"/>
-          </a:p>
-          <a:p>
-            <a:pPr marL="0" indent="0">
-              <a:buNone/>
-            </a:pPr>
-            <a:r>
-              <a:rPr lang="en-US" b="1" dirty="0"/>
-              <a:t>For Resource Reasons/To Reduce Resources</a:t>
-            </a:r>
-          </a:p>
-          <a:p>
-            <a:r>
-              <a:rPr lang="en-US" sz="1600" dirty="0"/>
-              <a:t>Screening large amounts of references slow the review process as it can take an unmanageable amount of time. In our Campbell reviews, we spend approximately 3–5 months on this process, and even more in our large reviews.</a:t>
-            </a:r>
-          </a:p>
-          <a:p>
-            <a:r>
-              <a:rPr lang="en-US" sz="1600" dirty="0"/>
-              <a:t>It is tedious, manual work that can be hard to finish.</a:t>
-            </a:r>
-          </a:p>
-          <a:p>
-            <a:r>
-              <a:rPr lang="en-US" sz="1600" dirty="0"/>
-              <a:t>Some reviews cannot be completed because they require screening of too large a number of references. This problem will only grow over time as the number of references in research databases increases.</a:t>
-            </a:r>
-          </a:p>
-          <a:p>
-            <a:endParaRPr lang="da-DK" sz="1600" dirty="0"/>
-          </a:p>
-          <a:p>
-            <a:pPr marL="0" indent="0">
-              <a:buNone/>
-            </a:pPr>
-            <a:endParaRPr lang="da-DK" dirty="0"/>
-          </a:p>
-          <a:p>
-            <a:pPr marL="0" indent="0">
-              <a:buNone/>
-            </a:pPr>
-            <a:endParaRPr lang="da-DK" dirty="0"/>
-          </a:p>
-          <a:p>
-            <a:pPr marL="0" indent="0">
-              <a:buNone/>
-            </a:pPr>
-            <a:endParaRPr lang="en-US" dirty="0"/>
-          </a:p>
-        </p:txBody>
-      </p:sp>
-    </p:spTree>
-    <p:extLst>
-      <p:ext uri="{BB962C8B-B14F-4D97-AF65-F5344CB8AC3E}">
-        <p14:creationId xmlns:p14="http://schemas.microsoft.com/office/powerpoint/2010/main" val="1579079412"/>
-      </p:ext>
-    </p:extLst>
-  </p:cSld>
-  <p:clrMapOvr>
-    <a:masterClrMapping/>
-  </p:clrMapOvr>
-</p:sld>
-</file>
-
-<file path=ppt/slides/slide3.xml><?xml version="1.0" encoding="utf-8"?>
-<p:sld xmlns:a="http://schemas.openxmlformats.org/drawingml/2006/main" xmlns:r="http://schemas.openxmlformats.org/officeDocument/2006/relationships" xmlns:p="http://schemas.openxmlformats.org/presentationml/2006/main">
-  <p:cSld>
-    <p:spTree>
-      <p:nvGrpSpPr>
-        <p:cNvPr id="1" name=""/>
-        <p:cNvGrpSpPr/>
-        <p:nvPr/>
-      </p:nvGrpSpPr>
-      <p:grpSpPr>
-        <a:xfrm>
-          <a:off x="0" y="0"/>
-          <a:ext cx="0" cy="0"/>
-          <a:chOff x="0" y="0"/>
-          <a:chExt cx="0" cy="0"/>
-        </a:xfrm>
-      </p:grpSpPr>
-      <p:sp>
-        <p:nvSpPr>
-          <p:cNvPr id="2" name="Title 1">
-            <a:extLst>
-              <a:ext uri="{FF2B5EF4-FFF2-40B4-BE49-F238E27FC236}">
-                <a16:creationId xmlns:a16="http://schemas.microsoft.com/office/drawing/2014/main" id="{50E2DC8A-C8B6-47BD-AE05-359901F23EAF}"/>
-              </a:ext>
-            </a:extLst>
-          </p:cNvPr>
-          <p:cNvSpPr>
-            <a:spLocks noGrp="1"/>
-          </p:cNvSpPr>
-          <p:nvPr>
-            <p:ph type="title"/>
-          </p:nvPr>
-        </p:nvSpPr>
-        <p:spPr>
-          <a:xfrm>
-            <a:off x="1013520" y="567233"/>
-            <a:ext cx="10158611" cy="891382"/>
-          </a:xfrm>
-        </p:spPr>
-        <p:txBody>
-          <a:bodyPr/>
-          <a:lstStyle/>
-          <a:p>
-            <a:r>
-              <a:rPr lang="da-DK" dirty="0" err="1"/>
-              <a:t>What</a:t>
-            </a:r>
-            <a:r>
-              <a:rPr lang="da-DK" dirty="0"/>
-              <a:t> </a:t>
-            </a:r>
-            <a:r>
-              <a:rPr lang="da-DK" dirty="0" err="1"/>
-              <a:t>we</a:t>
-            </a:r>
-            <a:r>
-              <a:rPr lang="da-DK" dirty="0"/>
-              <a:t> have </a:t>
-            </a:r>
-            <a:r>
-              <a:rPr lang="da-DK" dirty="0" err="1"/>
-              <a:t>tested</a:t>
-            </a:r>
-            <a:r>
-              <a:rPr lang="da-DK" dirty="0"/>
-              <a:t> and </a:t>
-            </a:r>
-            <a:r>
-              <a:rPr lang="da-DK" dirty="0" err="1"/>
-              <a:t>developed</a:t>
-            </a:r>
-            <a:endParaRPr lang="en-US" dirty="0"/>
-          </a:p>
-        </p:txBody>
-      </p:sp>
-      <p:sp>
-        <p:nvSpPr>
-          <p:cNvPr id="3" name="Text Placeholder 2">
-            <a:extLst>
-              <a:ext uri="{FF2B5EF4-FFF2-40B4-BE49-F238E27FC236}">
-                <a16:creationId xmlns:a16="http://schemas.microsoft.com/office/drawing/2014/main" id="{0F1E8127-83EB-407E-A370-1CB2535A4F0E}"/>
-              </a:ext>
-            </a:extLst>
-          </p:cNvPr>
-          <p:cNvSpPr>
-            <a:spLocks noGrp="1"/>
-          </p:cNvSpPr>
-          <p:nvPr>
-            <p:ph type="body" sz="quarter" idx="10"/>
-          </p:nvPr>
-        </p:nvSpPr>
-        <p:spPr>
-          <a:xfrm>
-            <a:off x="1013520" y="1582220"/>
-            <a:ext cx="10158611" cy="4438436"/>
-          </a:xfrm>
-        </p:spPr>
-        <p:txBody>
-          <a:bodyPr/>
-          <a:lstStyle/>
-          <a:p>
-            <a:pPr>
-              <a:spcAft>
-                <a:spcPts val="800"/>
-              </a:spcAft>
-            </a:pPr>
-            <a:r>
-              <a:rPr lang="en-US" dirty="0"/>
-              <a:t>We have tested the use of </a:t>
-            </a:r>
-            <a:r>
-              <a:rPr lang="en-US" dirty="0" err="1"/>
-              <a:t>OpenAI’s</a:t>
-            </a:r>
-            <a:r>
-              <a:rPr lang="en-US" dirty="0"/>
-              <a:t> </a:t>
-            </a:r>
-            <a:r>
-              <a:rPr lang="en-US" b="1" dirty="0"/>
-              <a:t>GPT</a:t>
-            </a:r>
-            <a:r>
-              <a:rPr lang="en-US" dirty="0"/>
-              <a:t> (Generative Pre-trained Transformer) </a:t>
-            </a:r>
-            <a:r>
-              <a:rPr lang="en-US" b="1" dirty="0"/>
-              <a:t>API</a:t>
-            </a:r>
-            <a:r>
-              <a:rPr lang="en-US" dirty="0"/>
-              <a:t> (Application Programming Interface) </a:t>
-            </a:r>
-            <a:r>
-              <a:rPr lang="en-US" b="1" dirty="0"/>
-              <a:t>models</a:t>
-            </a:r>
-            <a:r>
-              <a:rPr lang="en-US" dirty="0"/>
-              <a:t> to screen titles and abstracts. As you will see in a moment, this is NOT the same as using ChatGPT!</a:t>
-            </a:r>
-          </a:p>
-          <a:p>
-            <a:pPr>
-              <a:spcAft>
-                <a:spcPts val="800"/>
-              </a:spcAft>
-            </a:pPr>
-            <a:r>
-              <a:rPr lang="en-US" dirty="0"/>
-              <a:t>To conduct this type of screening, we have developed the R package AIscreenR (Vembye, 2024)</a:t>
-            </a:r>
-          </a:p>
-          <a:p>
-            <a:pPr>
-              <a:spcAft>
-                <a:spcPts val="800"/>
-              </a:spcAft>
-            </a:pPr>
-            <a:r>
-              <a:rPr lang="en-US" dirty="0"/>
-              <a:t>Our preliminary results show that GPT API models perform on </a:t>
-            </a:r>
-            <a:r>
-              <a:rPr lang="en-US" dirty="0" err="1"/>
-              <a:t>parat</a:t>
-            </a:r>
-            <a:r>
-              <a:rPr lang="en-US" dirty="0"/>
-              <a:t> least  with human screeners performances, even in very complex reviews with many inclusion criteria. I will come back to these results later in the presentation</a:t>
-            </a:r>
-          </a:p>
-          <a:p>
-            <a:pPr>
-              <a:spcAft>
-                <a:spcPts val="800"/>
-              </a:spcAft>
-            </a:pPr>
-            <a:r>
-              <a:rPr lang="en-US" dirty="0"/>
-              <a:t>So far, we have not yet encountered a case where we could not use this method.</a:t>
-            </a:r>
-          </a:p>
-          <a:p>
-            <a:endParaRPr lang="da-DK" dirty="0"/>
-          </a:p>
-          <a:p>
-            <a:pPr marL="0" indent="0">
-              <a:buNone/>
-            </a:pPr>
-            <a:r>
-              <a:rPr lang="en-US" b="1" dirty="0"/>
-              <a:t>Based on this, we suggest that GPT API models can be used as full secondary screeners in state-of-the-art reviews (for further details, see Vembye, Christensen, Mølgaard, &amp; Schytt, 2024).</a:t>
-            </a:r>
-            <a:endParaRPr lang="da-DK" b="1" dirty="0"/>
-          </a:p>
-          <a:p>
-            <a:endParaRPr lang="da-DK" dirty="0"/>
-          </a:p>
-          <a:p>
-            <a:endParaRPr lang="en-US" dirty="0"/>
-          </a:p>
-        </p:txBody>
-      </p:sp>
-    </p:spTree>
-    <p:extLst>
-      <p:ext uri="{BB962C8B-B14F-4D97-AF65-F5344CB8AC3E}">
-        <p14:creationId xmlns:p14="http://schemas.microsoft.com/office/powerpoint/2010/main" val="4134607888"/>
-      </p:ext>
-    </p:extLst>
-  </p:cSld>
-  <p:clrMapOvr>
-    <a:masterClrMapping/>
-  </p:clrMapOvr>
-</p:sld>
-</file>
-
-<file path=ppt/slides/slide4.xml><?xml version="1.0" encoding="utf-8"?>
-<p:sld xmlns:a="http://schemas.openxmlformats.org/drawingml/2006/main" xmlns:r="http://schemas.openxmlformats.org/officeDocument/2006/relationships" xmlns:p="http://schemas.openxmlformats.org/presentationml/2006/main">
-  <p:cSld>
-    <p:spTree>
-      <p:nvGrpSpPr>
-        <p:cNvPr id="1" name=""/>
-        <p:cNvGrpSpPr/>
-        <p:nvPr/>
-      </p:nvGrpSpPr>
-      <p:grpSpPr>
-        <a:xfrm>
-          <a:off x="0" y="0"/>
-          <a:ext cx="0" cy="0"/>
-          <a:chOff x="0" y="0"/>
-          <a:chExt cx="0" cy="0"/>
-        </a:xfrm>
-      </p:grpSpPr>
-      <p:sp>
-        <p:nvSpPr>
-          <p:cNvPr id="2" name="Title 1">
-            <a:extLst>
-              <a:ext uri="{FF2B5EF4-FFF2-40B4-BE49-F238E27FC236}">
-                <a16:creationId xmlns:a16="http://schemas.microsoft.com/office/drawing/2014/main" id="{0B7DB945-84A1-459F-BDB0-3A970869C227}"/>
-              </a:ext>
-            </a:extLst>
-          </p:cNvPr>
-          <p:cNvSpPr>
-            <a:spLocks noGrp="1"/>
-          </p:cNvSpPr>
-          <p:nvPr>
-            <p:ph type="title"/>
-          </p:nvPr>
-        </p:nvSpPr>
-        <p:spPr>
-          <a:xfrm>
-            <a:off x="1013519" y="653328"/>
-            <a:ext cx="10158611" cy="891382"/>
-          </a:xfrm>
-        </p:spPr>
-        <p:txBody>
-          <a:bodyPr/>
-          <a:lstStyle/>
-          <a:p>
-            <a:r>
-              <a:rPr lang="da-DK" dirty="0" err="1"/>
-              <a:t>Why</a:t>
-            </a:r>
-            <a:r>
-              <a:rPr lang="da-DK" dirty="0"/>
-              <a:t> GPT API models and not just ChatGPT?</a:t>
-            </a:r>
-            <a:endParaRPr lang="en-US" dirty="0"/>
-          </a:p>
-        </p:txBody>
-      </p:sp>
-      <p:sp>
-        <p:nvSpPr>
-          <p:cNvPr id="3" name="Text Placeholder 2">
-            <a:extLst>
-              <a:ext uri="{FF2B5EF4-FFF2-40B4-BE49-F238E27FC236}">
-                <a16:creationId xmlns:a16="http://schemas.microsoft.com/office/drawing/2014/main" id="{2E605EA0-A9BC-404E-ACA1-91E58435C62E}"/>
-              </a:ext>
-            </a:extLst>
-          </p:cNvPr>
-          <p:cNvSpPr>
-            <a:spLocks noGrp="1"/>
-          </p:cNvSpPr>
-          <p:nvPr>
-            <p:ph type="body" sz="quarter" idx="10"/>
-          </p:nvPr>
-        </p:nvSpPr>
-        <p:spPr>
-          <a:xfrm>
-            <a:off x="1013520" y="1787703"/>
-            <a:ext cx="10158611" cy="4057373"/>
-          </a:xfrm>
-        </p:spPr>
-        <p:txBody>
-          <a:bodyPr/>
-          <a:lstStyle/>
-          <a:p>
-            <a:pPr>
-              <a:spcAft>
-                <a:spcPts val="800"/>
-              </a:spcAft>
-            </a:pPr>
-            <a:r>
-              <a:rPr lang="en-US" dirty="0"/>
-              <a:t>Avoids copy-paste procedures, and it is easier to bypass model hallucination.</a:t>
-            </a:r>
-          </a:p>
-          <a:p>
-            <a:pPr>
-              <a:spcAft>
-                <a:spcPts val="800"/>
-              </a:spcAft>
-            </a:pPr>
-            <a:r>
-              <a:rPr lang="en-US" dirty="0"/>
-              <a:t>Makes it easy to test differences between models, prompts, etc.</a:t>
-            </a:r>
-          </a:p>
-          <a:p>
-            <a:pPr>
-              <a:spcAft>
-                <a:spcPts val="800"/>
-              </a:spcAft>
-            </a:pPr>
-            <a:r>
-              <a:rPr lang="en-US" dirty="0"/>
-              <a:t>You can screen incredibly large amounts of references in a very short time. With a sufficiently powerful computer, you can screen up to 30,000 per minute.</a:t>
-            </a:r>
-          </a:p>
-          <a:p>
-            <a:pPr>
-              <a:spcAft>
-                <a:spcPts val="800"/>
-              </a:spcAft>
-            </a:pPr>
-            <a:r>
-              <a:rPr lang="en-US" dirty="0"/>
-              <a:t>Multiple identical screenings can be performed, and inclusion criteria can be built based on how many times a reference has been included across these screenings.</a:t>
-            </a:r>
-          </a:p>
-          <a:p>
-            <a:pPr>
-              <a:spcAft>
-                <a:spcPts val="800"/>
-              </a:spcAft>
-            </a:pPr>
-            <a:r>
-              <a:rPr lang="en-US" dirty="0"/>
-              <a:t>Using gpt-4o-mini is cheaper than subscribing to ChatGPT Plus. With one prompt, you can screen 25,000 references for 1.5 USD.</a:t>
-            </a:r>
-          </a:p>
-          <a:p>
-            <a:pPr>
-              <a:spcAft>
-                <a:spcPts val="800"/>
-              </a:spcAft>
-            </a:pPr>
-            <a:r>
-              <a:rPr lang="en-US" dirty="0"/>
-              <a:t>Research indicates that GPT API models are better suited for screening than ChatGPT (</a:t>
-            </a:r>
-            <a:r>
-              <a:rPr lang="en-US" sz="1600" dirty="0" err="1"/>
-              <a:t>Alshami</a:t>
-            </a:r>
-            <a:r>
-              <a:rPr lang="en-US" sz="1600" dirty="0"/>
-              <a:t> et al., 2023; </a:t>
-            </a:r>
-            <a:r>
-              <a:rPr lang="en-US" sz="1600" dirty="0" err="1"/>
-              <a:t>Gargari</a:t>
-            </a:r>
-            <a:r>
-              <a:rPr lang="en-US" sz="1600" dirty="0"/>
-              <a:t> et al., 2024; Guo et al., 2024; </a:t>
-            </a:r>
-            <a:r>
-              <a:rPr lang="en-US" sz="1600" dirty="0" err="1"/>
-              <a:t>Issaiy</a:t>
-            </a:r>
-            <a:r>
-              <a:rPr lang="en-US" sz="1600" dirty="0"/>
-              <a:t> et al., 2024; </a:t>
-            </a:r>
-            <a:r>
-              <a:rPr lang="en-US" sz="1600" dirty="0" err="1"/>
-              <a:t>Khraisha</a:t>
-            </a:r>
-            <a:r>
-              <a:rPr lang="en-US" sz="1600" dirty="0"/>
-              <a:t> et al., 2024; </a:t>
-            </a:r>
-            <a:r>
-              <a:rPr lang="en-US" sz="1600" dirty="0" err="1"/>
-              <a:t>Syriani</a:t>
-            </a:r>
-            <a:r>
-              <a:rPr lang="en-US" sz="1600" dirty="0"/>
-              <a:t> et al., 2024</a:t>
-            </a:r>
-            <a:r>
-              <a:rPr lang="en-US" dirty="0"/>
-              <a:t>).</a:t>
-            </a:r>
-          </a:p>
-        </p:txBody>
-      </p:sp>
-    </p:spTree>
-    <p:extLst>
-      <p:ext uri="{BB962C8B-B14F-4D97-AF65-F5344CB8AC3E}">
-        <p14:creationId xmlns:p14="http://schemas.microsoft.com/office/powerpoint/2010/main" val="4236514213"/>
-      </p:ext>
-    </p:extLst>
-  </p:cSld>
-  <p:clrMapOvr>
-    <a:masterClrMapping/>
-  </p:clrMapOvr>
-</p:sld>
-</file>
-
-<file path=ppt/slides/slide5.xml><?xml version="1.0" encoding="utf-8"?>
-<p:sld xmlns:a="http://schemas.openxmlformats.org/drawingml/2006/main" xmlns:r="http://schemas.openxmlformats.org/officeDocument/2006/relationships" xmlns:p="http://schemas.openxmlformats.org/presentationml/2006/main">
-  <p:cSld>
-    <p:spTree>
-      <p:nvGrpSpPr>
-        <p:cNvPr id="1" name=""/>
-        <p:cNvGrpSpPr/>
-        <p:nvPr/>
-      </p:nvGrpSpPr>
-      <p:grpSpPr>
-        <a:xfrm>
-          <a:off x="0" y="0"/>
-          <a:ext cx="0" cy="0"/>
-          <a:chOff x="0" y="0"/>
-          <a:chExt cx="0" cy="0"/>
-        </a:xfrm>
-      </p:grpSpPr>
-      <p:sp>
-        <p:nvSpPr>
-          <p:cNvPr id="2" name="Title 1">
-            <a:extLst>
-              <a:ext uri="{FF2B5EF4-FFF2-40B4-BE49-F238E27FC236}">
-                <a16:creationId xmlns:a16="http://schemas.microsoft.com/office/drawing/2014/main" id="{DF4C000F-0F5B-467B-B486-FB25DDC267EC}"/>
-              </a:ext>
-            </a:extLst>
-          </p:cNvPr>
-          <p:cNvSpPr>
-            <a:spLocks noGrp="1"/>
-          </p:cNvSpPr>
-          <p:nvPr>
-            <p:ph type="title"/>
-          </p:nvPr>
-        </p:nvSpPr>
-        <p:spPr/>
-        <p:txBody>
-          <a:bodyPr/>
-          <a:lstStyle/>
-          <a:p>
-            <a:r>
-              <a:rPr lang="da-DK" dirty="0"/>
-              <a:t>AIscreenR Demo</a:t>
-            </a:r>
-            <a:endParaRPr lang="en-US" dirty="0"/>
-          </a:p>
-        </p:txBody>
-      </p:sp>
-      <p:sp>
-        <p:nvSpPr>
-          <p:cNvPr id="3" name="Text Placeholder 2">
-            <a:extLst>
-              <a:ext uri="{FF2B5EF4-FFF2-40B4-BE49-F238E27FC236}">
-                <a16:creationId xmlns:a16="http://schemas.microsoft.com/office/drawing/2014/main" id="{1DA073E7-0C6E-4E37-8606-929465014825}"/>
-              </a:ext>
-            </a:extLst>
-          </p:cNvPr>
-          <p:cNvSpPr>
-            <a:spLocks noGrp="1"/>
-          </p:cNvSpPr>
-          <p:nvPr>
-            <p:ph type="body" sz="quarter" idx="10"/>
-          </p:nvPr>
-        </p:nvSpPr>
-        <p:spPr>
-          <a:xfrm>
-            <a:off x="1013521" y="2194672"/>
-            <a:ext cx="8528832" cy="3825882"/>
-          </a:xfrm>
-        </p:spPr>
-        <p:txBody>
-          <a:bodyPr/>
-          <a:lstStyle/>
-          <a:p>
-            <a:pPr marL="0" indent="0">
-              <a:buNone/>
-            </a:pPr>
-            <a:endParaRPr lang="da-DK" i="1" dirty="0"/>
-          </a:p>
-          <a:p>
-            <a:pPr marL="0" indent="0">
-              <a:buNone/>
-            </a:pPr>
-            <a:r>
-              <a:rPr lang="en-US" i="1" dirty="0"/>
-              <a:t>Link to vignette: </a:t>
-            </a:r>
-            <a:r>
-              <a:rPr lang="en-US" dirty="0">
-                <a:hlinkClick r:id="rId2"/>
-              </a:rPr>
-              <a:t>https://mikkelvembye.github.io/AIscreenR/articles/Using-GPT-API-Models-For-Screening.html</a:t>
-            </a:r>
-            <a:r>
-              <a:rPr lang="en-US" dirty="0"/>
-              <a:t> </a:t>
-            </a:r>
-          </a:p>
-          <a:p>
-            <a:pPr marL="0" indent="0">
-              <a:buNone/>
-            </a:pPr>
-            <a:endParaRPr lang="en-US" dirty="0"/>
-          </a:p>
-          <a:p>
-            <a:pPr marL="0" indent="0">
-              <a:buNone/>
-            </a:pPr>
-            <a:r>
-              <a:rPr lang="en-US" i="1" dirty="0"/>
-              <a:t>Link to R codes behind the presentation: </a:t>
-            </a:r>
-            <a:r>
-              <a:rPr lang="en-US" dirty="0">
-                <a:hlinkClick r:id="rId3"/>
-              </a:rPr>
-              <a:t>https://github.com/MikkelVembye/SRMA-SIG-presentation</a:t>
-            </a:r>
-            <a:r>
-              <a:rPr lang="en-US" dirty="0"/>
-              <a:t> </a:t>
-            </a:r>
-          </a:p>
-        </p:txBody>
-      </p:sp>
-      <p:pic>
-        <p:nvPicPr>
-          <p:cNvPr id="5" name="Picture 4">
-            <a:extLst>
-              <a:ext uri="{FF2B5EF4-FFF2-40B4-BE49-F238E27FC236}">
-                <a16:creationId xmlns:a16="http://schemas.microsoft.com/office/drawing/2014/main" id="{AB44329E-E87C-407A-AE52-8679855D09F7}"/>
-              </a:ext>
-            </a:extLst>
-          </p:cNvPr>
-          <p:cNvPicPr>
-            <a:picLocks noChangeAspect="1"/>
-          </p:cNvPicPr>
-          <p:nvPr/>
-        </p:nvPicPr>
-        <p:blipFill>
-          <a:blip r:embed="rId4">
-            <a:extLst>
-              <a:ext uri="{28A0092B-C50C-407E-A947-70E740481C1C}">
-                <a14:useLocalDpi xmlns:a14="http://schemas.microsoft.com/office/drawing/2010/main" val="0"/>
-              </a:ext>
-            </a:extLst>
-          </a:blip>
-          <a:stretch>
-            <a:fillRect/>
-          </a:stretch>
-        </p:blipFill>
-        <p:spPr>
-          <a:xfrm>
-            <a:off x="9809481" y="2430978"/>
-            <a:ext cx="2090877" cy="2419530"/>
-          </a:xfrm>
-          <a:prstGeom prst="rect">
-            <a:avLst/>
-          </a:prstGeom>
-        </p:spPr>
-      </p:pic>
-    </p:spTree>
-    <p:extLst>
-      <p:ext uri="{BB962C8B-B14F-4D97-AF65-F5344CB8AC3E}">
-        <p14:creationId xmlns:p14="http://schemas.microsoft.com/office/powerpoint/2010/main" val="2840312115"/>
-      </p:ext>
-    </p:extLst>
-  </p:cSld>
-  <p:clrMapOvr>
-    <a:masterClrMapping/>
-  </p:clrMapOvr>
-</p:sld>
-</file>
-
-<file path=ppt/slides/slide6.xml><?xml version="1.0" encoding="utf-8"?>
-<p:sld xmlns:a="http://schemas.openxmlformats.org/drawingml/2006/main" xmlns:r="http://schemas.openxmlformats.org/officeDocument/2006/relationships" xmlns:p="http://schemas.openxmlformats.org/presentationml/2006/main">
-  <p:cSld>
-    <p:spTree>
-      <p:nvGrpSpPr>
-        <p:cNvPr id="1" name=""/>
-        <p:cNvGrpSpPr/>
-        <p:nvPr/>
-      </p:nvGrpSpPr>
-      <p:grpSpPr>
-        <a:xfrm>
-          <a:off x="0" y="0"/>
-          <a:ext cx="0" cy="0"/>
-          <a:chOff x="0" y="0"/>
-          <a:chExt cx="0" cy="0"/>
-        </a:xfrm>
-      </p:grpSpPr>
-      <p:sp>
-        <p:nvSpPr>
-          <p:cNvPr id="2" name="Title 1">
-            <a:extLst>
-              <a:ext uri="{FF2B5EF4-FFF2-40B4-BE49-F238E27FC236}">
-                <a16:creationId xmlns:a16="http://schemas.microsoft.com/office/drawing/2014/main" id="{71C7D593-614D-4968-8C19-D5306B02ADEB}"/>
-              </a:ext>
-            </a:extLst>
-          </p:cNvPr>
-          <p:cNvSpPr>
-            <a:spLocks noGrp="1"/>
-          </p:cNvSpPr>
-          <p:nvPr>
-            <p:ph type="title"/>
-          </p:nvPr>
-        </p:nvSpPr>
-        <p:spPr>
-          <a:xfrm>
-            <a:off x="664200" y="745796"/>
-            <a:ext cx="10158611" cy="891382"/>
-          </a:xfrm>
-        </p:spPr>
-        <p:txBody>
-          <a:bodyPr/>
-          <a:lstStyle/>
-          <a:p>
-            <a:r>
-              <a:rPr lang="en-US" dirty="0"/>
-              <a:t>Quality assessment via benchmark scheming</a:t>
-            </a:r>
-          </a:p>
-        </p:txBody>
-      </p:sp>
-      <p:sp>
-        <p:nvSpPr>
-          <p:cNvPr id="3" name="Text Placeholder 2">
-            <a:extLst>
-              <a:ext uri="{FF2B5EF4-FFF2-40B4-BE49-F238E27FC236}">
-                <a16:creationId xmlns:a16="http://schemas.microsoft.com/office/drawing/2014/main" id="{ECB9FA91-E8A0-4550-90C3-54F42287ED97}"/>
-              </a:ext>
-            </a:extLst>
-          </p:cNvPr>
-          <p:cNvSpPr>
-            <a:spLocks noGrp="1"/>
-          </p:cNvSpPr>
-          <p:nvPr>
-            <p:ph type="body" sz="quarter" idx="10"/>
-          </p:nvPr>
-        </p:nvSpPr>
-        <p:spPr>
-          <a:xfrm>
-            <a:off x="664200" y="2237320"/>
-            <a:ext cx="5082479" cy="4082838"/>
-          </a:xfrm>
-        </p:spPr>
-        <p:txBody>
-          <a:bodyPr/>
-          <a:lstStyle/>
-          <a:p>
-            <a:r>
-              <a:rPr lang="en-US" dirty="0"/>
-              <a:t>We have developed a benchmark scheme based on our and our Campbell students' typical screening performances, which can be used to ensure the quality of one's screening.</a:t>
-            </a:r>
-          </a:p>
-          <a:p>
-            <a:r>
-              <a:rPr lang="en-US" dirty="0"/>
-              <a:t>In general, we recommend that screenings should yield recalls above 75% to be usable.</a:t>
-            </a:r>
-          </a:p>
-          <a:p>
-            <a:r>
-              <a:rPr lang="en-US" dirty="0"/>
-              <a:t>Content-experts/researchers typically have</a:t>
-            </a:r>
-            <a:r>
-              <a:rPr lang="da-DK" dirty="0"/>
-              <a:t> </a:t>
-            </a:r>
-            <a:r>
-              <a:rPr lang="en-US" dirty="0"/>
-              <a:t>recalls</a:t>
-            </a:r>
-            <a:r>
-              <a:rPr lang="da-DK" dirty="0"/>
-              <a:t> </a:t>
-            </a:r>
-            <a:r>
-              <a:rPr lang="en-US" dirty="0"/>
-              <a:t>around 83–85%.</a:t>
-            </a:r>
-          </a:p>
-          <a:p>
-            <a:r>
-              <a:rPr lang="en-US" dirty="0"/>
-              <a:t>It is more challenging to set good guidelines for specificity. If recall is high, specificity matters less. It is simply an extra safeguard.</a:t>
-            </a:r>
-          </a:p>
-        </p:txBody>
-      </p:sp>
-      <p:pic>
-        <p:nvPicPr>
-          <p:cNvPr id="4" name="Picture 3">
-            <a:extLst>
-              <a:ext uri="{FF2B5EF4-FFF2-40B4-BE49-F238E27FC236}">
-                <a16:creationId xmlns:a16="http://schemas.microsoft.com/office/drawing/2014/main" id="{85AC7367-E853-4B1C-B2F0-501444FB8FB1}"/>
-              </a:ext>
-            </a:extLst>
-          </p:cNvPr>
-          <p:cNvPicPr>
-            <a:picLocks noChangeAspect="1"/>
-          </p:cNvPicPr>
-          <p:nvPr/>
-        </p:nvPicPr>
-        <p:blipFill>
-          <a:blip r:embed="rId2"/>
-          <a:stretch>
-            <a:fillRect/>
-          </a:stretch>
-        </p:blipFill>
-        <p:spPr>
-          <a:xfrm>
-            <a:off x="5914044" y="2237320"/>
-            <a:ext cx="6195930" cy="3607756"/>
-          </a:xfrm>
-          <a:prstGeom prst="rect">
-            <a:avLst/>
-          </a:prstGeom>
-        </p:spPr>
-      </p:pic>
-    </p:spTree>
-    <p:extLst>
-      <p:ext uri="{BB962C8B-B14F-4D97-AF65-F5344CB8AC3E}">
-        <p14:creationId xmlns:p14="http://schemas.microsoft.com/office/powerpoint/2010/main" val="372728905"/>
-      </p:ext>
-    </p:extLst>
-  </p:cSld>
-  <p:clrMapOvr>
-    <a:masterClrMapping/>
-  </p:clrMapOvr>
-</p:sld>
-</file>
-
-<file path=ppt/slides/slide7.xml><?xml version="1.0" encoding="utf-8"?>
-<p:sld xmlns:a="http://schemas.openxmlformats.org/drawingml/2006/main" xmlns:r="http://schemas.openxmlformats.org/officeDocument/2006/relationships" xmlns:p="http://schemas.openxmlformats.org/presentationml/2006/main">
-  <p:cSld>
-    <p:spTree>
-      <p:nvGrpSpPr>
-        <p:cNvPr id="1" name=""/>
-        <p:cNvGrpSpPr/>
-        <p:nvPr/>
-      </p:nvGrpSpPr>
-      <p:grpSpPr>
-        <a:xfrm>
-          <a:off x="0" y="0"/>
-          <a:ext cx="0" cy="0"/>
-          <a:chOff x="0" y="0"/>
-          <a:chExt cx="0" cy="0"/>
-        </a:xfrm>
-      </p:grpSpPr>
-      <p:sp>
-        <p:nvSpPr>
-          <p:cNvPr id="2" name="Title 1">
-            <a:extLst>
-              <a:ext uri="{FF2B5EF4-FFF2-40B4-BE49-F238E27FC236}">
-                <a16:creationId xmlns:a16="http://schemas.microsoft.com/office/drawing/2014/main" id="{EB32028E-9DBB-46BB-B086-D781FB442414}"/>
-              </a:ext>
-            </a:extLst>
-          </p:cNvPr>
-          <p:cNvSpPr>
-            <a:spLocks noGrp="1"/>
-          </p:cNvSpPr>
-          <p:nvPr>
-            <p:ph type="title"/>
-          </p:nvPr>
-        </p:nvSpPr>
-        <p:spPr>
-          <a:xfrm>
-            <a:off x="921053" y="567233"/>
-            <a:ext cx="10158611" cy="891382"/>
-          </a:xfrm>
-        </p:spPr>
-        <p:txBody>
-          <a:bodyPr/>
-          <a:lstStyle/>
-          <a:p>
-            <a:r>
-              <a:rPr lang="en-US" dirty="0"/>
-              <a:t>Why is benchmarking so important</a:t>
-            </a:r>
-          </a:p>
-        </p:txBody>
-      </p:sp>
-      <p:sp>
-        <p:nvSpPr>
-          <p:cNvPr id="3" name="Text Placeholder 2">
-            <a:extLst>
-              <a:ext uri="{FF2B5EF4-FFF2-40B4-BE49-F238E27FC236}">
-                <a16:creationId xmlns:a16="http://schemas.microsoft.com/office/drawing/2014/main" id="{42372755-1361-461B-983A-DE7B16F5E772}"/>
-              </a:ext>
-            </a:extLst>
-          </p:cNvPr>
-          <p:cNvSpPr>
-            <a:spLocks noGrp="1"/>
-          </p:cNvSpPr>
-          <p:nvPr>
-            <p:ph type="body" sz="quarter" idx="10"/>
-          </p:nvPr>
-        </p:nvSpPr>
-        <p:spPr>
-          <a:xfrm>
-            <a:off x="921054" y="1736333"/>
-            <a:ext cx="10251078" cy="4108743"/>
-          </a:xfrm>
-        </p:spPr>
-        <p:txBody>
-          <a:bodyPr/>
-          <a:lstStyle/>
-          <a:p>
-            <a:r>
-              <a:rPr lang="en-US" dirty="0"/>
-              <a:t>Guards against biased screenings that are inferior to human screening. </a:t>
-            </a:r>
-          </a:p>
-          <a:p>
-            <a:endParaRPr lang="en-US" dirty="0"/>
-          </a:p>
-          <a:p>
-            <a:r>
-              <a:rPr lang="en-US" dirty="0"/>
-              <a:t>It allows for context-specific assessments of the adequacy of using GPT API models as second screeners</a:t>
-            </a:r>
-          </a:p>
-          <a:p>
-            <a:endParaRPr lang="en-US" dirty="0"/>
-          </a:p>
-          <a:p>
-            <a:r>
-              <a:rPr lang="da-DK" dirty="0"/>
-              <a:t>S</a:t>
-            </a:r>
-            <a:r>
-              <a:rPr lang="en-US" dirty="0" err="1"/>
-              <a:t>ince</a:t>
-            </a:r>
-            <a:r>
-              <a:rPr lang="en-US" dirty="0"/>
-              <a:t> we cannot control model developments, the benchmark scheme ensures that we can monitor model performances over time. Meaning that if we experience that a model suddenly cannot live up to our benchmarks we can stop using it. </a:t>
-            </a:r>
-          </a:p>
-        </p:txBody>
-      </p:sp>
-    </p:spTree>
-    <p:extLst>
-      <p:ext uri="{BB962C8B-B14F-4D97-AF65-F5344CB8AC3E}">
-        <p14:creationId xmlns:p14="http://schemas.microsoft.com/office/powerpoint/2010/main" val="119921284"/>
-      </p:ext>
-    </p:extLst>
-  </p:cSld>
-  <p:clrMapOvr>
-    <a:masterClrMapping/>
-  </p:clrMapOvr>
-</p:sld>
-</file>
-
-<file path=ppt/slides/slide8.xml><?xml version="1.0" encoding="utf-8"?>
-<p:sld xmlns:a="http://schemas.openxmlformats.org/drawingml/2006/main" xmlns:r="http://schemas.openxmlformats.org/officeDocument/2006/relationships" xmlns:p="http://schemas.openxmlformats.org/presentationml/2006/main">
-  <p:cSld>
-    <p:spTree>
-      <p:nvGrpSpPr>
-        <p:cNvPr id="1" name=""/>
-        <p:cNvGrpSpPr/>
-        <p:nvPr/>
-      </p:nvGrpSpPr>
-      <p:grpSpPr>
-        <a:xfrm>
-          <a:off x="0" y="0"/>
-          <a:ext cx="0" cy="0"/>
-          <a:chOff x="0" y="0"/>
-          <a:chExt cx="0" cy="0"/>
-        </a:xfrm>
-      </p:grpSpPr>
-      <p:sp>
-        <p:nvSpPr>
-          <p:cNvPr id="2" name="Title 1">
-            <a:extLst>
-              <a:ext uri="{FF2B5EF4-FFF2-40B4-BE49-F238E27FC236}">
-                <a16:creationId xmlns:a16="http://schemas.microsoft.com/office/drawing/2014/main" id="{0AF17CA4-2EFB-4C3A-A8D3-D7741671F176}"/>
-              </a:ext>
-            </a:extLst>
-          </p:cNvPr>
-          <p:cNvSpPr>
-            <a:spLocks noGrp="1"/>
-          </p:cNvSpPr>
-          <p:nvPr>
-            <p:ph type="title"/>
-          </p:nvPr>
-        </p:nvSpPr>
-        <p:spPr>
-          <a:xfrm>
-            <a:off x="1013519" y="728252"/>
-            <a:ext cx="10158611" cy="703733"/>
-          </a:xfrm>
-        </p:spPr>
-        <p:txBody>
-          <a:bodyPr/>
-          <a:lstStyle/>
-          <a:p>
-            <a:r>
-              <a:rPr lang="da-DK" dirty="0"/>
-              <a:t>H</a:t>
-            </a:r>
-            <a:r>
-              <a:rPr lang="en-US" dirty="0"/>
-              <a:t>ow generalizable is this approach?</a:t>
-            </a:r>
-          </a:p>
-        </p:txBody>
-      </p:sp>
-      <p:sp>
-        <p:nvSpPr>
-          <p:cNvPr id="3" name="Text Placeholder 2">
-            <a:extLst>
-              <a:ext uri="{FF2B5EF4-FFF2-40B4-BE49-F238E27FC236}">
-                <a16:creationId xmlns:a16="http://schemas.microsoft.com/office/drawing/2014/main" id="{F94E7150-F43F-46AE-A16D-59713FBABE1D}"/>
-              </a:ext>
-            </a:extLst>
-          </p:cNvPr>
-          <p:cNvSpPr>
-            <a:spLocks noGrp="1"/>
-          </p:cNvSpPr>
-          <p:nvPr>
-            <p:ph type="body" sz="quarter" idx="10"/>
-          </p:nvPr>
-        </p:nvSpPr>
-        <p:spPr>
-          <a:xfrm>
-            <a:off x="1026376" y="1619633"/>
-            <a:ext cx="7254982" cy="4798419"/>
-          </a:xfrm>
-        </p:spPr>
-        <p:txBody>
-          <a:bodyPr/>
-          <a:lstStyle/>
-          <a:p>
-            <a:r>
-              <a:rPr lang="en-US" dirty="0"/>
-              <a:t>We find that GPT API models can perform on par with or in some cases even better typical human second screeners in high-quality systematic reviews (Vembye et al., 2024). </a:t>
-            </a:r>
-          </a:p>
-          <a:p>
-            <a:r>
-              <a:rPr lang="en-US" dirty="0"/>
-              <a:t>We conducted three large-scale classification experiments with different levels of complexity in terms of the number of inclusion criteria.</a:t>
-            </a:r>
-          </a:p>
-          <a:p>
-            <a:r>
-              <a:rPr lang="en-US" dirty="0"/>
-              <a:t>In simple screening cases, we even find recall close to 100% and with a high specificity values (97.4%), as well. </a:t>
-            </a:r>
-          </a:p>
-          <a:p>
-            <a:r>
-              <a:rPr lang="en-US" dirty="0"/>
-              <a:t>In complex review settings, we find the GPT-4 model to yield a recall of 80%. </a:t>
-            </a:r>
-          </a:p>
-          <a:p>
-            <a:r>
-              <a:rPr lang="en-US" dirty="0"/>
-              <a:t>Yet, in complex review setting, the GPT-4 model is rather over-inclusive with a specificity of ~84%.</a:t>
-            </a:r>
-          </a:p>
-          <a:p>
-            <a:r>
-              <a:rPr lang="en-US" dirty="0"/>
-              <a:t>However, we argue this is not as problem as long as the recall is high (i.e., on par with humans) since a low specificity does not induce any bias to a review.</a:t>
-            </a:r>
-          </a:p>
-        </p:txBody>
-      </p:sp>
-      <mc:AlternateContent xmlns:mc="http://schemas.openxmlformats.org/markup-compatibility/2006" xmlns:a14="http://schemas.microsoft.com/office/drawing/2010/main">
-        <mc:Choice Requires="a14">
+      <mc:AlternateContent xmlns:mc="http://schemas.openxmlformats.org/markup-compatibility/2006">
+        <mc:Choice xmlns:a14="http://schemas.microsoft.com/office/drawing/2010/main" Requires="a14">
           <p:sp>
             <p:nvSpPr>
-              <p:cNvPr id="4" name="Text Placeholder 2">
+              <p:cNvPr id="5" name="Text Placeholder 2">
                 <a:extLst>
                   <a:ext uri="{FF2B5EF4-FFF2-40B4-BE49-F238E27FC236}">
-                    <a16:creationId xmlns:a16="http://schemas.microsoft.com/office/drawing/2014/main" id="{D8D35590-99A9-4F27-9049-3EF24CBE6842}"/>
+                    <a16:creationId xmlns:a16="http://schemas.microsoft.com/office/drawing/2014/main" id="{EC9293C7-11EF-42A7-A1C1-94AC9CE75441}"/>
                   </a:ext>
                 </a:extLst>
               </p:cNvPr>
@@ -47238,8 +46158,8 @@
             </p:nvSpPr>
             <p:spPr>
               <a:xfrm>
-                <a:off x="8488392" y="1619633"/>
-                <a:ext cx="3602968" cy="2728080"/>
+                <a:off x="1013520" y="2064960"/>
+                <a:ext cx="10596278" cy="3780116"/>
               </a:xfrm>
               <a:prstGeom prst="rect">
                 <a:avLst/>
@@ -47268,7 +46188,7 @@
                   <a:buSzPct val="110000"/>
                   <a:buFontTx/>
                   <a:buBlip>
-                    <a:blip r:embed="rId3"/>
+                    <a:blip r:embed="rId2"/>
                   </a:buBlip>
                   <a:defRPr sz="1800" kern="1200">
                     <a:solidFill>
@@ -47292,7 +46212,7 @@
                   <a:buSzPct val="110000"/>
                   <a:buFontTx/>
                   <a:buBlip>
-                    <a:blip r:embed="rId3"/>
+                    <a:blip r:embed="rId2"/>
                   </a:buBlip>
                   <a:defRPr sz="1600" kern="1200">
                     <a:solidFill>
@@ -47316,7 +46236,7 @@
                   <a:buSzPct val="110000"/>
                   <a:buFontTx/>
                   <a:buBlip>
-                    <a:blip r:embed="rId3"/>
+                    <a:blip r:embed="rId2"/>
                   </a:buBlip>
                   <a:defRPr sz="1400" kern="1200">
                     <a:solidFill>
@@ -47340,7 +46260,7 @@
                   <a:buSzPct val="110000"/>
                   <a:buFontTx/>
                   <a:buBlip>
-                    <a:blip r:embed="rId3"/>
+                    <a:blip r:embed="rId2"/>
                   </a:buBlip>
                   <a:defRPr sz="1200" kern="1200">
                     <a:solidFill>
@@ -47364,7 +46284,7 @@
                   <a:buSzPct val="110000"/>
                   <a:buFontTx/>
                   <a:buBlip>
-                    <a:blip r:embed="rId3"/>
+                    <a:blip r:embed="rId2"/>
                   </a:buBlip>
                   <a:defRPr sz="1000" kern="1200">
                     <a:solidFill>
@@ -47834,13 +46754,13 @@
             </p:txBody>
           </p:sp>
         </mc:Choice>
-        <mc:Fallback xmlns="">
+        <mc:Fallback>
           <p:sp>
             <p:nvSpPr>
-              <p:cNvPr id="4" name="Text Placeholder 2">
+              <p:cNvPr id="5" name="Text Placeholder 2">
                 <a:extLst>
                   <a:ext uri="{FF2B5EF4-FFF2-40B4-BE49-F238E27FC236}">
-                    <a16:creationId xmlns:a16="http://schemas.microsoft.com/office/drawing/2014/main" id="{D8D35590-99A9-4F27-9049-3EF24CBE6842}"/>
+                    <a16:creationId xmlns:a16="http://schemas.microsoft.com/office/drawing/2014/main" id="{EC9293C7-11EF-42A7-A1C1-94AC9CE75441}"/>
                   </a:ext>
                 </a:extLst>
               </p:cNvPr>
@@ -47851,16 +46771,16 @@
             </p:nvSpPr>
             <p:spPr>
               <a:xfrm>
-                <a:off x="8488392" y="1619633"/>
-                <a:ext cx="3602968" cy="2728080"/>
+                <a:off x="1013520" y="2064960"/>
+                <a:ext cx="10596278" cy="3780116"/>
               </a:xfrm>
               <a:prstGeom prst="rect">
                 <a:avLst/>
               </a:prstGeom>
               <a:blipFill>
-                <a:blip r:embed="rId4"/>
+                <a:blip r:embed="rId3"/>
                 <a:stretch>
-                  <a:fillRect l="-2538" t="-2013"/>
+                  <a:fillRect l="-863" t="-1452"/>
                 </a:stretch>
               </a:blipFill>
             </p:spPr>
@@ -47882,7 +46802,1329 @@
     </p:spTree>
     <p:extLst>
       <p:ext uri="{BB962C8B-B14F-4D97-AF65-F5344CB8AC3E}">
-        <p14:creationId xmlns:p14="http://schemas.microsoft.com/office/powerpoint/2010/main" val="1525241047"/>
+        <p14:creationId xmlns:p14="http://schemas.microsoft.com/office/powerpoint/2010/main" val="3623196760"/>
+      </p:ext>
+    </p:extLst>
+  </p:cSld>
+  <p:clrMapOvr>
+    <a:masterClrMapping/>
+  </p:clrMapOvr>
+</p:sld>
+</file>
+
+<file path=ppt/slides/slide15.xml><?xml version="1.0" encoding="utf-8"?>
+<p:sld xmlns:a="http://schemas.openxmlformats.org/drawingml/2006/main" xmlns:r="http://schemas.openxmlformats.org/officeDocument/2006/relationships" xmlns:p="http://schemas.openxmlformats.org/presentationml/2006/main">
+  <p:cSld>
+    <p:spTree>
+      <p:nvGrpSpPr>
+        <p:cNvPr id="1" name=""/>
+        <p:cNvGrpSpPr/>
+        <p:nvPr/>
+      </p:nvGrpSpPr>
+      <p:grpSpPr>
+        <a:xfrm>
+          <a:off x="0" y="0"/>
+          <a:ext cx="0" cy="0"/>
+          <a:chOff x="0" y="0"/>
+          <a:chExt cx="0" cy="0"/>
+        </a:xfrm>
+      </p:grpSpPr>
+      <p:sp>
+        <p:nvSpPr>
+          <p:cNvPr id="2" name="Title 1">
+            <a:extLst>
+              <a:ext uri="{FF2B5EF4-FFF2-40B4-BE49-F238E27FC236}">
+                <a16:creationId xmlns:a16="http://schemas.microsoft.com/office/drawing/2014/main" id="{4BAB2040-6A6B-4A8B-A38D-DEFCB2237179}"/>
+              </a:ext>
+            </a:extLst>
+          </p:cNvPr>
+          <p:cNvSpPr>
+            <a:spLocks noGrp="1"/>
+          </p:cNvSpPr>
+          <p:nvPr>
+            <p:ph type="title"/>
+          </p:nvPr>
+        </p:nvSpPr>
+        <p:spPr/>
+        <p:txBody>
+          <a:bodyPr/>
+          <a:lstStyle/>
+          <a:p>
+            <a:r>
+              <a:rPr lang="da-DK" dirty="0" err="1"/>
+              <a:t>Appendix</a:t>
+            </a:r>
+            <a:r>
+              <a:rPr lang="da-DK" dirty="0"/>
+              <a:t> 2 – </a:t>
+            </a:r>
+            <a:r>
+              <a:rPr lang="da-DK" dirty="0" err="1"/>
+              <a:t>Numerical</a:t>
+            </a:r>
+            <a:r>
+              <a:rPr lang="da-DK" dirty="0"/>
+              <a:t> </a:t>
+            </a:r>
+            <a:r>
+              <a:rPr lang="da-DK" dirty="0" err="1"/>
+              <a:t>results</a:t>
+            </a:r>
+            <a:endParaRPr lang="en-US" dirty="0"/>
+          </a:p>
+        </p:txBody>
+      </p:sp>
+      <p:pic>
+        <p:nvPicPr>
+          <p:cNvPr id="4" name="Picture 3">
+            <a:extLst>
+              <a:ext uri="{FF2B5EF4-FFF2-40B4-BE49-F238E27FC236}">
+                <a16:creationId xmlns:a16="http://schemas.microsoft.com/office/drawing/2014/main" id="{2EA8A890-C23C-4C77-85A6-A0006E6080A7}"/>
+              </a:ext>
+            </a:extLst>
+          </p:cNvPr>
+          <p:cNvPicPr>
+            <a:picLocks noChangeAspect="1"/>
+          </p:cNvPicPr>
+          <p:nvPr/>
+        </p:nvPicPr>
+        <p:blipFill>
+          <a:blip r:embed="rId2"/>
+          <a:stretch>
+            <a:fillRect/>
+          </a:stretch>
+        </p:blipFill>
+        <p:spPr>
+          <a:xfrm>
+            <a:off x="1013520" y="1904306"/>
+            <a:ext cx="6228271" cy="4417171"/>
+          </a:xfrm>
+          <a:prstGeom prst="rect">
+            <a:avLst/>
+          </a:prstGeom>
+        </p:spPr>
+      </p:pic>
+    </p:spTree>
+    <p:extLst>
+      <p:ext uri="{BB962C8B-B14F-4D97-AF65-F5344CB8AC3E}">
+        <p14:creationId xmlns:p14="http://schemas.microsoft.com/office/powerpoint/2010/main" val="1934150337"/>
+      </p:ext>
+    </p:extLst>
+  </p:cSld>
+  <p:clrMapOvr>
+    <a:masterClrMapping/>
+  </p:clrMapOvr>
+  <p:transition spd="med"/>
+</p:sld>
+</file>
+
+<file path=ppt/slides/slide2.xml><?xml version="1.0" encoding="utf-8"?>
+<p:sld xmlns:a="http://schemas.openxmlformats.org/drawingml/2006/main" xmlns:r="http://schemas.openxmlformats.org/officeDocument/2006/relationships" xmlns:p="http://schemas.openxmlformats.org/presentationml/2006/main">
+  <p:cSld>
+    <p:spTree>
+      <p:nvGrpSpPr>
+        <p:cNvPr id="1" name=""/>
+        <p:cNvGrpSpPr/>
+        <p:nvPr/>
+      </p:nvGrpSpPr>
+      <p:grpSpPr>
+        <a:xfrm>
+          <a:off x="0" y="0"/>
+          <a:ext cx="0" cy="0"/>
+          <a:chOff x="0" y="0"/>
+          <a:chExt cx="0" cy="0"/>
+        </a:xfrm>
+      </p:grpSpPr>
+      <p:sp>
+        <p:nvSpPr>
+          <p:cNvPr id="2" name="Title 1">
+            <a:extLst>
+              <a:ext uri="{FF2B5EF4-FFF2-40B4-BE49-F238E27FC236}">
+                <a16:creationId xmlns:a16="http://schemas.microsoft.com/office/drawing/2014/main" id="{9FACBF4C-8C3E-4A2A-9231-667B434CDF12}"/>
+              </a:ext>
+            </a:extLst>
+          </p:cNvPr>
+          <p:cNvSpPr>
+            <a:spLocks noGrp="1"/>
+          </p:cNvSpPr>
+          <p:nvPr>
+            <p:ph type="title"/>
+          </p:nvPr>
+        </p:nvSpPr>
+        <p:spPr>
+          <a:xfrm>
+            <a:off x="1013520" y="567233"/>
+            <a:ext cx="10462714" cy="891382"/>
+          </a:xfrm>
+        </p:spPr>
+        <p:txBody>
+          <a:bodyPr/>
+          <a:lstStyle/>
+          <a:p>
+            <a:r>
+              <a:rPr lang="en-US" dirty="0"/>
+              <a:t>Why use AI for screening in systematic review?</a:t>
+            </a:r>
+          </a:p>
+        </p:txBody>
+      </p:sp>
+      <p:sp>
+        <p:nvSpPr>
+          <p:cNvPr id="3" name="Text Placeholder 2">
+            <a:extLst>
+              <a:ext uri="{FF2B5EF4-FFF2-40B4-BE49-F238E27FC236}">
+                <a16:creationId xmlns:a16="http://schemas.microsoft.com/office/drawing/2014/main" id="{97FFB656-913A-4C08-A891-184DF7EF34CA}"/>
+              </a:ext>
+            </a:extLst>
+          </p:cNvPr>
+          <p:cNvSpPr>
+            <a:spLocks noGrp="1"/>
+          </p:cNvSpPr>
+          <p:nvPr>
+            <p:ph type="body" sz="quarter" idx="10"/>
+          </p:nvPr>
+        </p:nvSpPr>
+        <p:spPr>
+          <a:xfrm>
+            <a:off x="1013520" y="1458615"/>
+            <a:ext cx="10158611" cy="4832152"/>
+          </a:xfrm>
+        </p:spPr>
+        <p:txBody>
+          <a:bodyPr/>
+          <a:lstStyle/>
+          <a:p>
+            <a:pPr marL="0" indent="0">
+              <a:buNone/>
+            </a:pPr>
+            <a:r>
+              <a:rPr lang="en-US" b="1" dirty="0"/>
+              <a:t>For Quality Reasons/To Improve Quality</a:t>
+            </a:r>
+          </a:p>
+          <a:p>
+            <a:r>
+              <a:rPr lang="en-US" sz="1600" dirty="0"/>
+              <a:t>Human screeners overlook relevant studies for various reasons. Therefore, state-of-the-art is to conduct manual double-screening. However, this is costly and many research groups cannot afford double-screening.</a:t>
+            </a:r>
+          </a:p>
+          <a:p>
+            <a:r>
+              <a:rPr lang="en-US" sz="1600" dirty="0"/>
+              <a:t>Researchers most often limit their database searches so that they yield a number of studies that has a manageable size for humans to screen. However, this increases the risk of overlooking relevant studies.</a:t>
+            </a:r>
+          </a:p>
+          <a:p>
+            <a:r>
+              <a:rPr lang="en-US" sz="1600" dirty="0"/>
+              <a:t>Overlooking relevant studies at this initial review stage can be consequential, leading to substantially biased results.</a:t>
+            </a:r>
+            <a:endParaRPr lang="da-DK" sz="1600" dirty="0"/>
+          </a:p>
+          <a:p>
+            <a:pPr marL="0" indent="0">
+              <a:buNone/>
+            </a:pPr>
+            <a:r>
+              <a:rPr lang="en-US" b="1" dirty="0"/>
+              <a:t>For Resource Reasons/To Reduce Resources</a:t>
+            </a:r>
+          </a:p>
+          <a:p>
+            <a:r>
+              <a:rPr lang="en-US" sz="1600" dirty="0"/>
+              <a:t>Screening large amounts of references slow the review process as it can take an unmanageable amount of time. In our Campbell reviews, we spend approximately 3–5 months on this process, and even more in our large reviews.</a:t>
+            </a:r>
+          </a:p>
+          <a:p>
+            <a:r>
+              <a:rPr lang="en-US" sz="1600" dirty="0"/>
+              <a:t>It is tedious, manual work that can be hard to finish.</a:t>
+            </a:r>
+          </a:p>
+          <a:p>
+            <a:r>
+              <a:rPr lang="en-US" sz="1600" dirty="0"/>
+              <a:t>Some reviews cannot be completed because they require screening of too large a number of references. This problem will only grow over time as the number of references in research databases increases.</a:t>
+            </a:r>
+          </a:p>
+          <a:p>
+            <a:endParaRPr lang="da-DK" sz="1600" dirty="0"/>
+          </a:p>
+          <a:p>
+            <a:pPr marL="0" indent="0">
+              <a:buNone/>
+            </a:pPr>
+            <a:endParaRPr lang="da-DK" dirty="0"/>
+          </a:p>
+          <a:p>
+            <a:pPr marL="0" indent="0">
+              <a:buNone/>
+            </a:pPr>
+            <a:endParaRPr lang="da-DK" dirty="0"/>
+          </a:p>
+          <a:p>
+            <a:pPr marL="0" indent="0">
+              <a:buNone/>
+            </a:pPr>
+            <a:endParaRPr lang="en-US" dirty="0"/>
+          </a:p>
+        </p:txBody>
+      </p:sp>
+    </p:spTree>
+    <p:extLst>
+      <p:ext uri="{BB962C8B-B14F-4D97-AF65-F5344CB8AC3E}">
+        <p14:creationId xmlns:p14="http://schemas.microsoft.com/office/powerpoint/2010/main" val="1579079412"/>
+      </p:ext>
+    </p:extLst>
+  </p:cSld>
+  <p:clrMapOvr>
+    <a:masterClrMapping/>
+  </p:clrMapOvr>
+</p:sld>
+</file>
+
+<file path=ppt/slides/slide3.xml><?xml version="1.0" encoding="utf-8"?>
+<p:sld xmlns:a="http://schemas.openxmlformats.org/drawingml/2006/main" xmlns:r="http://schemas.openxmlformats.org/officeDocument/2006/relationships" xmlns:p="http://schemas.openxmlformats.org/presentationml/2006/main">
+  <p:cSld>
+    <p:spTree>
+      <p:nvGrpSpPr>
+        <p:cNvPr id="1" name=""/>
+        <p:cNvGrpSpPr/>
+        <p:nvPr/>
+      </p:nvGrpSpPr>
+      <p:grpSpPr>
+        <a:xfrm>
+          <a:off x="0" y="0"/>
+          <a:ext cx="0" cy="0"/>
+          <a:chOff x="0" y="0"/>
+          <a:chExt cx="0" cy="0"/>
+        </a:xfrm>
+      </p:grpSpPr>
+      <p:sp>
+        <p:nvSpPr>
+          <p:cNvPr id="2" name="Title 1">
+            <a:extLst>
+              <a:ext uri="{FF2B5EF4-FFF2-40B4-BE49-F238E27FC236}">
+                <a16:creationId xmlns:a16="http://schemas.microsoft.com/office/drawing/2014/main" id="{50E2DC8A-C8B6-47BD-AE05-359901F23EAF}"/>
+              </a:ext>
+            </a:extLst>
+          </p:cNvPr>
+          <p:cNvSpPr>
+            <a:spLocks noGrp="1"/>
+          </p:cNvSpPr>
+          <p:nvPr>
+            <p:ph type="title"/>
+          </p:nvPr>
+        </p:nvSpPr>
+        <p:spPr>
+          <a:xfrm>
+            <a:off x="1013520" y="567233"/>
+            <a:ext cx="10158611" cy="891382"/>
+          </a:xfrm>
+        </p:spPr>
+        <p:txBody>
+          <a:bodyPr/>
+          <a:lstStyle/>
+          <a:p>
+            <a:r>
+              <a:rPr lang="en-US" dirty="0"/>
+              <a:t>What we have tested and developed</a:t>
+            </a:r>
+          </a:p>
+        </p:txBody>
+      </p:sp>
+      <p:sp>
+        <p:nvSpPr>
+          <p:cNvPr id="3" name="Text Placeholder 2">
+            <a:extLst>
+              <a:ext uri="{FF2B5EF4-FFF2-40B4-BE49-F238E27FC236}">
+                <a16:creationId xmlns:a16="http://schemas.microsoft.com/office/drawing/2014/main" id="{0F1E8127-83EB-407E-A370-1CB2535A4F0E}"/>
+              </a:ext>
+            </a:extLst>
+          </p:cNvPr>
+          <p:cNvSpPr>
+            <a:spLocks noGrp="1"/>
+          </p:cNvSpPr>
+          <p:nvPr>
+            <p:ph type="body" sz="quarter" idx="10"/>
+          </p:nvPr>
+        </p:nvSpPr>
+        <p:spPr>
+          <a:xfrm>
+            <a:off x="1013520" y="1582220"/>
+            <a:ext cx="10158611" cy="4438436"/>
+          </a:xfrm>
+        </p:spPr>
+        <p:txBody>
+          <a:bodyPr/>
+          <a:lstStyle/>
+          <a:p>
+            <a:pPr>
+              <a:spcAft>
+                <a:spcPts val="800"/>
+              </a:spcAft>
+            </a:pPr>
+            <a:r>
+              <a:rPr lang="en-US" dirty="0"/>
+              <a:t>We have tested the use of </a:t>
+            </a:r>
+            <a:r>
+              <a:rPr lang="en-US" dirty="0" err="1"/>
+              <a:t>OpenAI’s</a:t>
+            </a:r>
+            <a:r>
+              <a:rPr lang="en-US" dirty="0"/>
+              <a:t> </a:t>
+            </a:r>
+            <a:r>
+              <a:rPr lang="en-US" b="1" dirty="0"/>
+              <a:t>GPT</a:t>
+            </a:r>
+            <a:r>
+              <a:rPr lang="en-US" dirty="0"/>
+              <a:t> (Generative Pre-trained Transformer) </a:t>
+            </a:r>
+            <a:r>
+              <a:rPr lang="en-US" b="1" dirty="0"/>
+              <a:t>API</a:t>
+            </a:r>
+            <a:r>
+              <a:rPr lang="en-US" dirty="0"/>
+              <a:t> (Application Programming Interface) </a:t>
+            </a:r>
+            <a:r>
+              <a:rPr lang="en-US" b="1" dirty="0"/>
+              <a:t>models</a:t>
+            </a:r>
+            <a:r>
+              <a:rPr lang="en-US" dirty="0"/>
+              <a:t> to screen titles and abstracts. As you will see in a moment, this is NOT the same as using ChatGPT!</a:t>
+            </a:r>
+          </a:p>
+          <a:p>
+            <a:pPr>
+              <a:spcAft>
+                <a:spcPts val="800"/>
+              </a:spcAft>
+            </a:pPr>
+            <a:r>
+              <a:rPr lang="en-US" dirty="0"/>
+              <a:t>To conduct this type of screening, we have developed the R package AIscreenR (Vembye, 2024)</a:t>
+            </a:r>
+          </a:p>
+          <a:p>
+            <a:pPr>
+              <a:spcAft>
+                <a:spcPts val="800"/>
+              </a:spcAft>
+            </a:pPr>
+            <a:r>
+              <a:rPr lang="en-US" dirty="0"/>
+              <a:t>Our preliminary results show that GPT API models perform on </a:t>
+            </a:r>
+            <a:r>
+              <a:rPr lang="en-US" dirty="0" err="1"/>
+              <a:t>parat</a:t>
+            </a:r>
+            <a:r>
+              <a:rPr lang="en-US" dirty="0"/>
+              <a:t> least  with human screeners performances, even in very complex reviews with many inclusion criteria. I will come back to these results later in the presentation</a:t>
+            </a:r>
+          </a:p>
+          <a:p>
+            <a:pPr>
+              <a:spcAft>
+                <a:spcPts val="800"/>
+              </a:spcAft>
+            </a:pPr>
+            <a:r>
+              <a:rPr lang="en-US" dirty="0"/>
+              <a:t>So far, we have not yet encountered a case where we could not use this method.</a:t>
+            </a:r>
+          </a:p>
+          <a:p>
+            <a:endParaRPr lang="da-DK" dirty="0"/>
+          </a:p>
+          <a:p>
+            <a:pPr marL="0" indent="0">
+              <a:buNone/>
+            </a:pPr>
+            <a:r>
+              <a:rPr lang="en-US" b="1" dirty="0"/>
+              <a:t>Based on this, we suggest that GPT API models can be used as full secondary screeners in state-of-the-art reviews (for further details, see Vembye, Christensen, Mølgaard, &amp; Schytt, 2024).</a:t>
+            </a:r>
+            <a:endParaRPr lang="da-DK" b="1" dirty="0"/>
+          </a:p>
+          <a:p>
+            <a:endParaRPr lang="da-DK" dirty="0"/>
+          </a:p>
+          <a:p>
+            <a:endParaRPr lang="en-US" dirty="0"/>
+          </a:p>
+        </p:txBody>
+      </p:sp>
+    </p:spTree>
+    <p:extLst>
+      <p:ext uri="{BB962C8B-B14F-4D97-AF65-F5344CB8AC3E}">
+        <p14:creationId xmlns:p14="http://schemas.microsoft.com/office/powerpoint/2010/main" val="4134607888"/>
+      </p:ext>
+    </p:extLst>
+  </p:cSld>
+  <p:clrMapOvr>
+    <a:masterClrMapping/>
+  </p:clrMapOvr>
+</p:sld>
+</file>
+
+<file path=ppt/slides/slide4.xml><?xml version="1.0" encoding="utf-8"?>
+<p:sld xmlns:a="http://schemas.openxmlformats.org/drawingml/2006/main" xmlns:r="http://schemas.openxmlformats.org/officeDocument/2006/relationships" xmlns:p="http://schemas.openxmlformats.org/presentationml/2006/main">
+  <p:cSld>
+    <p:spTree>
+      <p:nvGrpSpPr>
+        <p:cNvPr id="1" name=""/>
+        <p:cNvGrpSpPr/>
+        <p:nvPr/>
+      </p:nvGrpSpPr>
+      <p:grpSpPr>
+        <a:xfrm>
+          <a:off x="0" y="0"/>
+          <a:ext cx="0" cy="0"/>
+          <a:chOff x="0" y="0"/>
+          <a:chExt cx="0" cy="0"/>
+        </a:xfrm>
+      </p:grpSpPr>
+      <p:sp>
+        <p:nvSpPr>
+          <p:cNvPr id="2" name="Title 1">
+            <a:extLst>
+              <a:ext uri="{FF2B5EF4-FFF2-40B4-BE49-F238E27FC236}">
+                <a16:creationId xmlns:a16="http://schemas.microsoft.com/office/drawing/2014/main" id="{0B7DB945-84A1-459F-BDB0-3A970869C227}"/>
+              </a:ext>
+            </a:extLst>
+          </p:cNvPr>
+          <p:cNvSpPr>
+            <a:spLocks noGrp="1"/>
+          </p:cNvSpPr>
+          <p:nvPr>
+            <p:ph type="title"/>
+          </p:nvPr>
+        </p:nvSpPr>
+        <p:spPr>
+          <a:xfrm>
+            <a:off x="1013519" y="653328"/>
+            <a:ext cx="10158611" cy="891382"/>
+          </a:xfrm>
+        </p:spPr>
+        <p:txBody>
+          <a:bodyPr/>
+          <a:lstStyle/>
+          <a:p>
+            <a:r>
+              <a:rPr lang="da-DK" sz="3300" dirty="0" err="1"/>
+              <a:t>Why</a:t>
+            </a:r>
+            <a:r>
+              <a:rPr lang="da-DK" sz="3300" dirty="0"/>
+              <a:t> </a:t>
+            </a:r>
+            <a:r>
+              <a:rPr lang="da-DK" sz="3300" dirty="0" err="1"/>
+              <a:t>use</a:t>
+            </a:r>
+            <a:r>
+              <a:rPr lang="da-DK" sz="3300" dirty="0"/>
+              <a:t> GPT API models and not just ChatGPT?</a:t>
+            </a:r>
+            <a:endParaRPr lang="en-US" sz="3300" dirty="0"/>
+          </a:p>
+        </p:txBody>
+      </p:sp>
+      <p:sp>
+        <p:nvSpPr>
+          <p:cNvPr id="3" name="Text Placeholder 2">
+            <a:extLst>
+              <a:ext uri="{FF2B5EF4-FFF2-40B4-BE49-F238E27FC236}">
+                <a16:creationId xmlns:a16="http://schemas.microsoft.com/office/drawing/2014/main" id="{2E605EA0-A9BC-404E-ACA1-91E58435C62E}"/>
+              </a:ext>
+            </a:extLst>
+          </p:cNvPr>
+          <p:cNvSpPr>
+            <a:spLocks noGrp="1"/>
+          </p:cNvSpPr>
+          <p:nvPr>
+            <p:ph type="body" sz="quarter" idx="10"/>
+          </p:nvPr>
+        </p:nvSpPr>
+        <p:spPr>
+          <a:xfrm>
+            <a:off x="1013520" y="1787703"/>
+            <a:ext cx="10158611" cy="4057373"/>
+          </a:xfrm>
+        </p:spPr>
+        <p:txBody>
+          <a:bodyPr/>
+          <a:lstStyle/>
+          <a:p>
+            <a:pPr>
+              <a:spcAft>
+                <a:spcPts val="800"/>
+              </a:spcAft>
+            </a:pPr>
+            <a:r>
+              <a:rPr lang="en-US" dirty="0"/>
+              <a:t>Avoids copy-paste procedures, and it is easier to bypass model hallucination.</a:t>
+            </a:r>
+          </a:p>
+          <a:p>
+            <a:pPr>
+              <a:spcAft>
+                <a:spcPts val="800"/>
+              </a:spcAft>
+            </a:pPr>
+            <a:r>
+              <a:rPr lang="en-US" dirty="0"/>
+              <a:t>Makes it easy to test differences between models, prompts, etc.</a:t>
+            </a:r>
+          </a:p>
+          <a:p>
+            <a:pPr>
+              <a:spcAft>
+                <a:spcPts val="800"/>
+              </a:spcAft>
+            </a:pPr>
+            <a:r>
+              <a:rPr lang="en-US" dirty="0"/>
+              <a:t>You can screen an incredibly large amount of references in a very short time. With a sufficiently powerful computer, you can screen up to 30,000 per minute.</a:t>
+            </a:r>
+          </a:p>
+          <a:p>
+            <a:pPr>
+              <a:spcAft>
+                <a:spcPts val="800"/>
+              </a:spcAft>
+            </a:pPr>
+            <a:r>
+              <a:rPr lang="en-US" dirty="0"/>
+              <a:t>Multiple identical screenings can be performed, and inclusion criteria can be built based on how many times a reference has been included across these screenings.</a:t>
+            </a:r>
+          </a:p>
+          <a:p>
+            <a:pPr>
+              <a:spcAft>
+                <a:spcPts val="800"/>
+              </a:spcAft>
+            </a:pPr>
+            <a:r>
+              <a:rPr lang="en-US" dirty="0"/>
+              <a:t>Using gpt-4o-mini is cheaper than subscribing to ChatGPT Plus. With one prompt, you can screen 25,000 references for 1.5 USD.</a:t>
+            </a:r>
+          </a:p>
+          <a:p>
+            <a:pPr>
+              <a:spcAft>
+                <a:spcPts val="800"/>
+              </a:spcAft>
+            </a:pPr>
+            <a:r>
+              <a:rPr lang="en-US" dirty="0"/>
+              <a:t>Research indicates that GPT API models are better suited for screening than ChatGPT (</a:t>
+            </a:r>
+            <a:r>
+              <a:rPr lang="en-US" sz="1600" dirty="0" err="1"/>
+              <a:t>Alshami</a:t>
+            </a:r>
+            <a:r>
+              <a:rPr lang="en-US" sz="1600" dirty="0"/>
+              <a:t> et al., 2023; </a:t>
+            </a:r>
+            <a:r>
+              <a:rPr lang="en-US" sz="1600" dirty="0" err="1"/>
+              <a:t>Gargari</a:t>
+            </a:r>
+            <a:r>
+              <a:rPr lang="en-US" sz="1600" dirty="0"/>
+              <a:t> et al., 2024; Guo et al., 2024; </a:t>
+            </a:r>
+            <a:r>
+              <a:rPr lang="en-US" sz="1600" dirty="0" err="1"/>
+              <a:t>Issaiy</a:t>
+            </a:r>
+            <a:r>
+              <a:rPr lang="en-US" sz="1600" dirty="0"/>
+              <a:t> et al., 2024; </a:t>
+            </a:r>
+            <a:r>
+              <a:rPr lang="en-US" sz="1600" dirty="0" err="1"/>
+              <a:t>Khraisha</a:t>
+            </a:r>
+            <a:r>
+              <a:rPr lang="en-US" sz="1600" dirty="0"/>
+              <a:t> et al., 2024; </a:t>
+            </a:r>
+            <a:r>
+              <a:rPr lang="en-US" sz="1600" dirty="0" err="1"/>
+              <a:t>Syriani</a:t>
+            </a:r>
+            <a:r>
+              <a:rPr lang="en-US" sz="1600" dirty="0"/>
+              <a:t> et al., 2024</a:t>
+            </a:r>
+            <a:r>
+              <a:rPr lang="en-US" dirty="0"/>
+              <a:t>).</a:t>
+            </a:r>
+          </a:p>
+        </p:txBody>
+      </p:sp>
+    </p:spTree>
+    <p:extLst>
+      <p:ext uri="{BB962C8B-B14F-4D97-AF65-F5344CB8AC3E}">
+        <p14:creationId xmlns:p14="http://schemas.microsoft.com/office/powerpoint/2010/main" val="4236514213"/>
+      </p:ext>
+    </p:extLst>
+  </p:cSld>
+  <p:clrMapOvr>
+    <a:masterClrMapping/>
+  </p:clrMapOvr>
+</p:sld>
+</file>
+
+<file path=ppt/slides/slide5.xml><?xml version="1.0" encoding="utf-8"?>
+<p:sld xmlns:a="http://schemas.openxmlformats.org/drawingml/2006/main" xmlns:r="http://schemas.openxmlformats.org/officeDocument/2006/relationships" xmlns:p="http://schemas.openxmlformats.org/presentationml/2006/main">
+  <p:cSld>
+    <p:spTree>
+      <p:nvGrpSpPr>
+        <p:cNvPr id="1" name=""/>
+        <p:cNvGrpSpPr/>
+        <p:nvPr/>
+      </p:nvGrpSpPr>
+      <p:grpSpPr>
+        <a:xfrm>
+          <a:off x="0" y="0"/>
+          <a:ext cx="0" cy="0"/>
+          <a:chOff x="0" y="0"/>
+          <a:chExt cx="0" cy="0"/>
+        </a:xfrm>
+      </p:grpSpPr>
+      <p:sp>
+        <p:nvSpPr>
+          <p:cNvPr id="2" name="Title 1">
+            <a:extLst>
+              <a:ext uri="{FF2B5EF4-FFF2-40B4-BE49-F238E27FC236}">
+                <a16:creationId xmlns:a16="http://schemas.microsoft.com/office/drawing/2014/main" id="{DF4C000F-0F5B-467B-B486-FB25DDC267EC}"/>
+              </a:ext>
+            </a:extLst>
+          </p:cNvPr>
+          <p:cNvSpPr>
+            <a:spLocks noGrp="1"/>
+          </p:cNvSpPr>
+          <p:nvPr>
+            <p:ph type="title"/>
+          </p:nvPr>
+        </p:nvSpPr>
+        <p:spPr/>
+        <p:txBody>
+          <a:bodyPr/>
+          <a:lstStyle/>
+          <a:p>
+            <a:r>
+              <a:rPr lang="da-DK" dirty="0"/>
+              <a:t>AIscreenR Demo</a:t>
+            </a:r>
+            <a:endParaRPr lang="en-US" dirty="0"/>
+          </a:p>
+        </p:txBody>
+      </p:sp>
+      <p:sp>
+        <p:nvSpPr>
+          <p:cNvPr id="3" name="Text Placeholder 2">
+            <a:extLst>
+              <a:ext uri="{FF2B5EF4-FFF2-40B4-BE49-F238E27FC236}">
+                <a16:creationId xmlns:a16="http://schemas.microsoft.com/office/drawing/2014/main" id="{1DA073E7-0C6E-4E37-8606-929465014825}"/>
+              </a:ext>
+            </a:extLst>
+          </p:cNvPr>
+          <p:cNvSpPr>
+            <a:spLocks noGrp="1"/>
+          </p:cNvSpPr>
+          <p:nvPr>
+            <p:ph type="body" sz="quarter" idx="10"/>
+          </p:nvPr>
+        </p:nvSpPr>
+        <p:spPr>
+          <a:xfrm>
+            <a:off x="1013521" y="2194672"/>
+            <a:ext cx="8528832" cy="3825882"/>
+          </a:xfrm>
+        </p:spPr>
+        <p:txBody>
+          <a:bodyPr/>
+          <a:lstStyle/>
+          <a:p>
+            <a:pPr marL="0" indent="0">
+              <a:buNone/>
+            </a:pPr>
+            <a:endParaRPr lang="da-DK" i="1" dirty="0"/>
+          </a:p>
+          <a:p>
+            <a:pPr marL="0" indent="0">
+              <a:buNone/>
+            </a:pPr>
+            <a:r>
+              <a:rPr lang="en-US" i="1" dirty="0"/>
+              <a:t>Link to vignette: </a:t>
+            </a:r>
+            <a:r>
+              <a:rPr lang="en-US" dirty="0">
+                <a:hlinkClick r:id="rId2"/>
+              </a:rPr>
+              <a:t>https://mikkelvembye.github.io/AIscreenR/articles/Using-GPT-API-Models-For-Screening.html</a:t>
+            </a:r>
+            <a:r>
+              <a:rPr lang="en-US" dirty="0"/>
+              <a:t> </a:t>
+            </a:r>
+          </a:p>
+          <a:p>
+            <a:pPr marL="0" indent="0">
+              <a:buNone/>
+            </a:pPr>
+            <a:endParaRPr lang="en-US" dirty="0"/>
+          </a:p>
+          <a:p>
+            <a:pPr marL="0" indent="0">
+              <a:buNone/>
+            </a:pPr>
+            <a:r>
+              <a:rPr lang="en-US" i="1" dirty="0"/>
+              <a:t>Link to R codes behind the presentation: </a:t>
+            </a:r>
+            <a:r>
+              <a:rPr lang="en-US" dirty="0">
+                <a:hlinkClick r:id="rId3"/>
+              </a:rPr>
+              <a:t>https://github.com/MikkelVembye/SRMA-SIG-presentation</a:t>
+            </a:r>
+            <a:r>
+              <a:rPr lang="en-US" dirty="0"/>
+              <a:t> </a:t>
+            </a:r>
+          </a:p>
+        </p:txBody>
+      </p:sp>
+      <p:pic>
+        <p:nvPicPr>
+          <p:cNvPr id="5" name="Picture 4">
+            <a:extLst>
+              <a:ext uri="{FF2B5EF4-FFF2-40B4-BE49-F238E27FC236}">
+                <a16:creationId xmlns:a16="http://schemas.microsoft.com/office/drawing/2014/main" id="{AB44329E-E87C-407A-AE52-8679855D09F7}"/>
+              </a:ext>
+            </a:extLst>
+          </p:cNvPr>
+          <p:cNvPicPr>
+            <a:picLocks noChangeAspect="1"/>
+          </p:cNvPicPr>
+          <p:nvPr/>
+        </p:nvPicPr>
+        <p:blipFill>
+          <a:blip r:embed="rId4">
+            <a:extLst>
+              <a:ext uri="{28A0092B-C50C-407E-A947-70E740481C1C}">
+                <a14:useLocalDpi xmlns:a14="http://schemas.microsoft.com/office/drawing/2010/main" val="0"/>
+              </a:ext>
+            </a:extLst>
+          </a:blip>
+          <a:stretch>
+            <a:fillRect/>
+          </a:stretch>
+        </p:blipFill>
+        <p:spPr>
+          <a:xfrm>
+            <a:off x="9809481" y="2430978"/>
+            <a:ext cx="2090877" cy="2419530"/>
+          </a:xfrm>
+          <a:prstGeom prst="rect">
+            <a:avLst/>
+          </a:prstGeom>
+        </p:spPr>
+      </p:pic>
+    </p:spTree>
+    <p:extLst>
+      <p:ext uri="{BB962C8B-B14F-4D97-AF65-F5344CB8AC3E}">
+        <p14:creationId xmlns:p14="http://schemas.microsoft.com/office/powerpoint/2010/main" val="2840312115"/>
+      </p:ext>
+    </p:extLst>
+  </p:cSld>
+  <p:clrMapOvr>
+    <a:masterClrMapping/>
+  </p:clrMapOvr>
+</p:sld>
+</file>
+
+<file path=ppt/slides/slide6.xml><?xml version="1.0" encoding="utf-8"?>
+<p:sld xmlns:a="http://schemas.openxmlformats.org/drawingml/2006/main" xmlns:r="http://schemas.openxmlformats.org/officeDocument/2006/relationships" xmlns:p="http://schemas.openxmlformats.org/presentationml/2006/main">
+  <p:cSld>
+    <p:spTree>
+      <p:nvGrpSpPr>
+        <p:cNvPr id="1" name=""/>
+        <p:cNvGrpSpPr/>
+        <p:nvPr/>
+      </p:nvGrpSpPr>
+      <p:grpSpPr>
+        <a:xfrm>
+          <a:off x="0" y="0"/>
+          <a:ext cx="0" cy="0"/>
+          <a:chOff x="0" y="0"/>
+          <a:chExt cx="0" cy="0"/>
+        </a:xfrm>
+      </p:grpSpPr>
+      <p:sp>
+        <p:nvSpPr>
+          <p:cNvPr id="2" name="Title 1">
+            <a:extLst>
+              <a:ext uri="{FF2B5EF4-FFF2-40B4-BE49-F238E27FC236}">
+                <a16:creationId xmlns:a16="http://schemas.microsoft.com/office/drawing/2014/main" id="{71C7D593-614D-4968-8C19-D5306B02ADEB}"/>
+              </a:ext>
+            </a:extLst>
+          </p:cNvPr>
+          <p:cNvSpPr>
+            <a:spLocks noGrp="1"/>
+          </p:cNvSpPr>
+          <p:nvPr>
+            <p:ph type="title"/>
+          </p:nvPr>
+        </p:nvSpPr>
+        <p:spPr>
+          <a:xfrm>
+            <a:off x="664200" y="745796"/>
+            <a:ext cx="10158611" cy="891382"/>
+          </a:xfrm>
+        </p:spPr>
+        <p:txBody>
+          <a:bodyPr/>
+          <a:lstStyle/>
+          <a:p>
+            <a:r>
+              <a:rPr lang="en-US" dirty="0"/>
+              <a:t>Quality assessment via benchmark scheming</a:t>
+            </a:r>
+          </a:p>
+        </p:txBody>
+      </p:sp>
+      <p:sp>
+        <p:nvSpPr>
+          <p:cNvPr id="3" name="Text Placeholder 2">
+            <a:extLst>
+              <a:ext uri="{FF2B5EF4-FFF2-40B4-BE49-F238E27FC236}">
+                <a16:creationId xmlns:a16="http://schemas.microsoft.com/office/drawing/2014/main" id="{ECB9FA91-E8A0-4550-90C3-54F42287ED97}"/>
+              </a:ext>
+            </a:extLst>
+          </p:cNvPr>
+          <p:cNvSpPr>
+            <a:spLocks noGrp="1"/>
+          </p:cNvSpPr>
+          <p:nvPr>
+            <p:ph type="body" sz="quarter" idx="10"/>
+          </p:nvPr>
+        </p:nvSpPr>
+        <p:spPr>
+          <a:xfrm>
+            <a:off x="664200" y="2237320"/>
+            <a:ext cx="5082479" cy="4082838"/>
+          </a:xfrm>
+        </p:spPr>
+        <p:txBody>
+          <a:bodyPr/>
+          <a:lstStyle/>
+          <a:p>
+            <a:r>
+              <a:rPr lang="en-US" dirty="0"/>
+              <a:t>We have developed a benchmark scheme based on our and our Campbell students' typical screening performances, which can be used to ensure the quality of one's screening.</a:t>
+            </a:r>
+          </a:p>
+          <a:p>
+            <a:r>
+              <a:rPr lang="en-US" dirty="0"/>
+              <a:t>In general, we recommend that GPT screenings should yield recalls above 75% to be usable.</a:t>
+            </a:r>
+          </a:p>
+          <a:p>
+            <a:r>
+              <a:rPr lang="en-US" dirty="0"/>
+              <a:t>Content-experts/researchers typically have</a:t>
+            </a:r>
+            <a:r>
+              <a:rPr lang="da-DK" dirty="0"/>
+              <a:t> </a:t>
+            </a:r>
+            <a:r>
+              <a:rPr lang="en-US" dirty="0"/>
+              <a:t>recalls</a:t>
+            </a:r>
+            <a:r>
+              <a:rPr lang="da-DK" dirty="0"/>
+              <a:t> </a:t>
+            </a:r>
+            <a:r>
+              <a:rPr lang="en-US" dirty="0"/>
+              <a:t>around 83–85%.</a:t>
+            </a:r>
+          </a:p>
+          <a:p>
+            <a:r>
+              <a:rPr lang="en-US" dirty="0"/>
+              <a:t>It is more challenging to set good guidelines for specificity. If recall is high, specificity matters less. It is simply an extra safeguard.</a:t>
+            </a:r>
+          </a:p>
+        </p:txBody>
+      </p:sp>
+      <p:pic>
+        <p:nvPicPr>
+          <p:cNvPr id="4" name="Picture 3">
+            <a:extLst>
+              <a:ext uri="{FF2B5EF4-FFF2-40B4-BE49-F238E27FC236}">
+                <a16:creationId xmlns:a16="http://schemas.microsoft.com/office/drawing/2014/main" id="{85AC7367-E853-4B1C-B2F0-501444FB8FB1}"/>
+              </a:ext>
+            </a:extLst>
+          </p:cNvPr>
+          <p:cNvPicPr>
+            <a:picLocks noChangeAspect="1"/>
+          </p:cNvPicPr>
+          <p:nvPr/>
+        </p:nvPicPr>
+        <p:blipFill>
+          <a:blip r:embed="rId2"/>
+          <a:stretch>
+            <a:fillRect/>
+          </a:stretch>
+        </p:blipFill>
+        <p:spPr>
+          <a:xfrm>
+            <a:off x="5914044" y="2237320"/>
+            <a:ext cx="6195930" cy="3607756"/>
+          </a:xfrm>
+          <a:prstGeom prst="rect">
+            <a:avLst/>
+          </a:prstGeom>
+        </p:spPr>
+      </p:pic>
+    </p:spTree>
+    <p:extLst>
+      <p:ext uri="{BB962C8B-B14F-4D97-AF65-F5344CB8AC3E}">
+        <p14:creationId xmlns:p14="http://schemas.microsoft.com/office/powerpoint/2010/main" val="372728905"/>
+      </p:ext>
+    </p:extLst>
+  </p:cSld>
+  <p:clrMapOvr>
+    <a:masterClrMapping/>
+  </p:clrMapOvr>
+</p:sld>
+</file>
+
+<file path=ppt/slides/slide7.xml><?xml version="1.0" encoding="utf-8"?>
+<p:sld xmlns:a="http://schemas.openxmlformats.org/drawingml/2006/main" xmlns:r="http://schemas.openxmlformats.org/officeDocument/2006/relationships" xmlns:p="http://schemas.openxmlformats.org/presentationml/2006/main">
+  <p:cSld>
+    <p:spTree>
+      <p:nvGrpSpPr>
+        <p:cNvPr id="1" name=""/>
+        <p:cNvGrpSpPr/>
+        <p:nvPr/>
+      </p:nvGrpSpPr>
+      <p:grpSpPr>
+        <a:xfrm>
+          <a:off x="0" y="0"/>
+          <a:ext cx="0" cy="0"/>
+          <a:chOff x="0" y="0"/>
+          <a:chExt cx="0" cy="0"/>
+        </a:xfrm>
+      </p:grpSpPr>
+      <p:sp>
+        <p:nvSpPr>
+          <p:cNvPr id="2" name="Title 1">
+            <a:extLst>
+              <a:ext uri="{FF2B5EF4-FFF2-40B4-BE49-F238E27FC236}">
+                <a16:creationId xmlns:a16="http://schemas.microsoft.com/office/drawing/2014/main" id="{EB32028E-9DBB-46BB-B086-D781FB442414}"/>
+              </a:ext>
+            </a:extLst>
+          </p:cNvPr>
+          <p:cNvSpPr>
+            <a:spLocks noGrp="1"/>
+          </p:cNvSpPr>
+          <p:nvPr>
+            <p:ph type="title"/>
+          </p:nvPr>
+        </p:nvSpPr>
+        <p:spPr>
+          <a:xfrm>
+            <a:off x="921053" y="567233"/>
+            <a:ext cx="10158611" cy="891382"/>
+          </a:xfrm>
+        </p:spPr>
+        <p:txBody>
+          <a:bodyPr/>
+          <a:lstStyle/>
+          <a:p>
+            <a:r>
+              <a:rPr lang="en-US" dirty="0"/>
+              <a:t>Why is benchmarking so important</a:t>
+            </a:r>
+          </a:p>
+        </p:txBody>
+      </p:sp>
+      <p:sp>
+        <p:nvSpPr>
+          <p:cNvPr id="3" name="Text Placeholder 2">
+            <a:extLst>
+              <a:ext uri="{FF2B5EF4-FFF2-40B4-BE49-F238E27FC236}">
+                <a16:creationId xmlns:a16="http://schemas.microsoft.com/office/drawing/2014/main" id="{42372755-1361-461B-983A-DE7B16F5E772}"/>
+              </a:ext>
+            </a:extLst>
+          </p:cNvPr>
+          <p:cNvSpPr>
+            <a:spLocks noGrp="1"/>
+          </p:cNvSpPr>
+          <p:nvPr>
+            <p:ph type="body" sz="quarter" idx="10"/>
+          </p:nvPr>
+        </p:nvSpPr>
+        <p:spPr>
+          <a:xfrm>
+            <a:off x="921054" y="1736333"/>
+            <a:ext cx="10251078" cy="4108743"/>
+          </a:xfrm>
+        </p:spPr>
+        <p:txBody>
+          <a:bodyPr/>
+          <a:lstStyle/>
+          <a:p>
+            <a:r>
+              <a:rPr lang="en-US" dirty="0"/>
+              <a:t>Guards against biased screenings that are inferior to human screening. </a:t>
+            </a:r>
+          </a:p>
+          <a:p>
+            <a:endParaRPr lang="en-US" dirty="0"/>
+          </a:p>
+          <a:p>
+            <a:r>
+              <a:rPr lang="en-US" dirty="0"/>
+              <a:t>It allows for context-specific assessments of the adequacy of using GPT API models as second screeners</a:t>
+            </a:r>
+          </a:p>
+          <a:p>
+            <a:endParaRPr lang="en-US" dirty="0"/>
+          </a:p>
+          <a:p>
+            <a:r>
+              <a:rPr lang="da-DK" dirty="0"/>
+              <a:t>S</a:t>
+            </a:r>
+            <a:r>
+              <a:rPr lang="en-US" dirty="0" err="1"/>
+              <a:t>ince</a:t>
+            </a:r>
+            <a:r>
+              <a:rPr lang="en-US" dirty="0"/>
+              <a:t> we cannot control model developments, the benchmark scheme ensures that we can monitor model performances over time. Meaning that if we experience that a model suddenly cannot live up to our benchmarks we can stop using it. </a:t>
+            </a:r>
+          </a:p>
+          <a:p>
+            <a:endParaRPr lang="da-DK" dirty="0"/>
+          </a:p>
+          <a:p>
+            <a:r>
+              <a:rPr lang="da-DK" dirty="0"/>
+              <a:t>A</a:t>
+            </a:r>
+            <a:r>
+              <a:rPr lang="en-US" dirty="0"/>
+              <a:t>voids the wild-west and ensures standardization of this screening approach</a:t>
+            </a:r>
+          </a:p>
+        </p:txBody>
+      </p:sp>
+    </p:spTree>
+    <p:extLst>
+      <p:ext uri="{BB962C8B-B14F-4D97-AF65-F5344CB8AC3E}">
+        <p14:creationId xmlns:p14="http://schemas.microsoft.com/office/powerpoint/2010/main" val="119921284"/>
+      </p:ext>
+    </p:extLst>
+  </p:cSld>
+  <p:clrMapOvr>
+    <a:masterClrMapping/>
+  </p:clrMapOvr>
+</p:sld>
+</file>
+
+<file path=ppt/slides/slide8.xml><?xml version="1.0" encoding="utf-8"?>
+<p:sld xmlns:a="http://schemas.openxmlformats.org/drawingml/2006/main" xmlns:r="http://schemas.openxmlformats.org/officeDocument/2006/relationships" xmlns:p="http://schemas.openxmlformats.org/presentationml/2006/main">
+  <p:cSld>
+    <p:spTree>
+      <p:nvGrpSpPr>
+        <p:cNvPr id="1" name=""/>
+        <p:cNvGrpSpPr/>
+        <p:nvPr/>
+      </p:nvGrpSpPr>
+      <p:grpSpPr>
+        <a:xfrm>
+          <a:off x="0" y="0"/>
+          <a:ext cx="0" cy="0"/>
+          <a:chOff x="0" y="0"/>
+          <a:chExt cx="0" cy="0"/>
+        </a:xfrm>
+      </p:grpSpPr>
+      <p:sp>
+        <p:nvSpPr>
+          <p:cNvPr id="2" name="Title 1">
+            <a:extLst>
+              <a:ext uri="{FF2B5EF4-FFF2-40B4-BE49-F238E27FC236}">
+                <a16:creationId xmlns:a16="http://schemas.microsoft.com/office/drawing/2014/main" id="{7BEA4FB1-1DD4-4639-855A-362928431391}"/>
+              </a:ext>
+            </a:extLst>
+          </p:cNvPr>
+          <p:cNvSpPr>
+            <a:spLocks noGrp="1"/>
+          </p:cNvSpPr>
+          <p:nvPr>
+            <p:ph type="title"/>
+          </p:nvPr>
+        </p:nvSpPr>
+        <p:spPr>
+          <a:xfrm>
+            <a:off x="1013519" y="567233"/>
+            <a:ext cx="10158611" cy="891382"/>
+          </a:xfrm>
+        </p:spPr>
+        <p:txBody>
+          <a:bodyPr/>
+          <a:lstStyle/>
+          <a:p>
+            <a:r>
+              <a:rPr lang="da-DK" dirty="0"/>
+              <a:t>H</a:t>
+            </a:r>
+            <a:r>
+              <a:rPr lang="en-US" dirty="0"/>
+              <a:t>ow generalizable is this approach?</a:t>
+            </a:r>
+          </a:p>
+        </p:txBody>
+      </p:sp>
+      <p:sp>
+        <p:nvSpPr>
+          <p:cNvPr id="3" name="Text Placeholder 2">
+            <a:extLst>
+              <a:ext uri="{FF2B5EF4-FFF2-40B4-BE49-F238E27FC236}">
+                <a16:creationId xmlns:a16="http://schemas.microsoft.com/office/drawing/2014/main" id="{95D961D5-5AD9-4CA6-BC3E-E902F6121AB7}"/>
+              </a:ext>
+            </a:extLst>
+          </p:cNvPr>
+          <p:cNvSpPr>
+            <a:spLocks noGrp="1"/>
+          </p:cNvSpPr>
+          <p:nvPr>
+            <p:ph type="body" sz="quarter" idx="10"/>
+          </p:nvPr>
+        </p:nvSpPr>
+        <p:spPr>
+          <a:xfrm>
+            <a:off x="1013520" y="1551398"/>
+            <a:ext cx="10158611" cy="4293678"/>
+          </a:xfrm>
+        </p:spPr>
+        <p:txBody>
+          <a:bodyPr/>
+          <a:lstStyle/>
+          <a:p>
+            <a:r>
+              <a:rPr lang="da-DK" dirty="0" err="1"/>
+              <a:t>Context</a:t>
+            </a:r>
+            <a:r>
+              <a:rPr lang="da-DK" dirty="0"/>
+              <a:t> sensitive. Not </a:t>
+            </a:r>
+            <a:r>
+              <a:rPr lang="da-DK" dirty="0" err="1"/>
+              <a:t>interested</a:t>
+            </a:r>
+            <a:r>
+              <a:rPr lang="da-DK" dirty="0"/>
+              <a:t> in </a:t>
+            </a:r>
+            <a:r>
+              <a:rPr lang="da-DK" dirty="0" err="1"/>
+              <a:t>generalizabiltiy</a:t>
+            </a:r>
+            <a:endParaRPr lang="da-DK" dirty="0"/>
+          </a:p>
+          <a:p>
+            <a:r>
+              <a:rPr lang="da-DK" dirty="0" err="1"/>
+              <a:t>Add</a:t>
+            </a:r>
+            <a:r>
+              <a:rPr lang="da-DK" dirty="0"/>
+              <a:t> new </a:t>
+            </a:r>
+            <a:r>
+              <a:rPr lang="da-DK" dirty="0" err="1"/>
+              <a:t>results</a:t>
+            </a:r>
+            <a:r>
+              <a:rPr lang="da-DK" dirty="0"/>
+              <a:t>. </a:t>
+            </a:r>
+          </a:p>
+          <a:p>
+            <a:r>
+              <a:rPr lang="en-US" dirty="0"/>
+              <a:t>We find that GPT API models can perform on par with or in some cases even better typical human second screeners in high-quality systematic reviews (Vembye et al., 2024). </a:t>
+            </a:r>
+          </a:p>
+          <a:p>
+            <a:r>
+              <a:rPr lang="en-US" dirty="0"/>
+              <a:t>We conducted three large-scale classification experiments with different levels of complexity in terms of the number of inclusion criteria.</a:t>
+            </a:r>
+          </a:p>
+          <a:p>
+            <a:r>
+              <a:rPr lang="en-US" dirty="0"/>
+              <a:t>In simple screening cases, we even find recall close to 100% and with a high specificity values (97.4%), as well. </a:t>
+            </a:r>
+          </a:p>
+          <a:p>
+            <a:r>
+              <a:rPr lang="en-US" dirty="0"/>
+              <a:t>In complex review settings, we find the GPT-4 model to yield a recall of 80%. </a:t>
+            </a:r>
+          </a:p>
+          <a:p>
+            <a:r>
+              <a:rPr lang="en-US" dirty="0"/>
+              <a:t>Yet, in complex review setting, the GPT-4 model is rather over-inclusive with a specificity of ~84%.</a:t>
+            </a:r>
+          </a:p>
+          <a:p>
+            <a:r>
+              <a:rPr lang="en-US" dirty="0"/>
+              <a:t>However, we argue this is not as problem as long as the recall is high (i.e., on par with humans) since a low specificity does not induce any bias to a review.</a:t>
+            </a:r>
+          </a:p>
+          <a:p>
+            <a:pPr marL="0" indent="0">
+              <a:buNone/>
+            </a:pPr>
+            <a:endParaRPr lang="en-US" dirty="0"/>
+          </a:p>
+        </p:txBody>
+      </p:sp>
+    </p:spTree>
+    <p:extLst>
+      <p:ext uri="{BB962C8B-B14F-4D97-AF65-F5344CB8AC3E}">
+        <p14:creationId xmlns:p14="http://schemas.microsoft.com/office/powerpoint/2010/main" val="3991849016"/>
       </p:ext>
     </p:extLst>
   </p:cSld>
@@ -48041,7 +48283,7 @@
             </a:pPr>
             <a:r>
               <a:rPr lang="en-US" dirty="0"/>
-              <a:t>Campbell requirement:</a:t>
+              <a:t>We have strived to accommodate Campbell requirement of implementing AI in systematic reviews. FIND</a:t>
             </a:r>
             <a:br>
               <a:rPr lang="en-US" dirty="0"/>

--- a/SRMA SIG presentation 2024 .potx.pptx
+++ b/SRMA SIG presentation 2024 .potx.pptx
@@ -5,7 +5,7 @@
     <p:sldMasterId id="2147483693" r:id="rId1"/>
   </p:sldMasterIdLst>
   <p:notesMasterIdLst>
-    <p:notesMasterId r:id="rId17"/>
+    <p:notesMasterId r:id="rId18"/>
   </p:notesMasterIdLst>
   <p:sldIdLst>
     <p:sldId id="509" r:id="rId2"/>
@@ -17,12 +17,13 @@
     <p:sldId id="547" r:id="rId8"/>
     <p:sldId id="549" r:id="rId9"/>
     <p:sldId id="531" r:id="rId10"/>
-    <p:sldId id="551" r:id="rId11"/>
-    <p:sldId id="540" r:id="rId12"/>
-    <p:sldId id="550" r:id="rId13"/>
-    <p:sldId id="544" r:id="rId14"/>
-    <p:sldId id="548" r:id="rId15"/>
-    <p:sldId id="536" r:id="rId16"/>
+    <p:sldId id="554" r:id="rId11"/>
+    <p:sldId id="551" r:id="rId12"/>
+    <p:sldId id="553" r:id="rId13"/>
+    <p:sldId id="550" r:id="rId14"/>
+    <p:sldId id="544" r:id="rId15"/>
+    <p:sldId id="548" r:id="rId16"/>
+    <p:sldId id="536" r:id="rId17"/>
   </p:sldIdLst>
   <p:sldSz cx="12192000" cy="6858000"/>
   <p:notesSz cx="6858000" cy="9144000"/>
@@ -135,8 +136,9 @@
             <p14:sldId id="547"/>
             <p14:sldId id="549"/>
             <p14:sldId id="531"/>
+            <p14:sldId id="554"/>
             <p14:sldId id="551"/>
-            <p14:sldId id="540"/>
+            <p14:sldId id="553"/>
             <p14:sldId id="550"/>
             <p14:sldId id="544"/>
             <p14:sldId id="548"/>
@@ -162,20 +164,6 @@
     </p:extLst>
   </p:cmAuthor>
 </p:cmAuthorLst>
-</file>
-
-<file path=ppt/comments/comment1.xml><?xml version="1.0" encoding="utf-8"?>
-<p:cmLst xmlns:a="http://schemas.openxmlformats.org/drawingml/2006/main" xmlns:r="http://schemas.openxmlformats.org/officeDocument/2006/relationships" xmlns:p="http://schemas.openxmlformats.org/presentationml/2006/main">
-  <p:cm authorId="1" dt="2024-10-31T07:33:44.916" idx="3">
-    <p:pos x="4562" y="1200"/>
-    <p:text>Update</p:text>
-    <p:extLst>
-      <p:ext uri="{C676402C-5697-4E1C-873F-D02D1690AC5C}">
-        <p15:threadingInfo xmlns:p15="http://schemas.microsoft.com/office/powerpoint/2012/main" timeZoneBias="-60"/>
-      </p:ext>
-    </p:extLst>
-  </p:cm>
-</p:cmLst>
 </file>
 
 <file path=ppt/notesMasters/notesMaster1.xml><?xml version="1.0" encoding="utf-8"?>
@@ -577,9 +565,12 @@
           <a:bodyPr/>
           <a:lstStyle/>
           <a:p>
-            <a:endParaRPr lang="da-DK" sz="1200" dirty="0">
-              <a:latin typeface="+mn-lt"/>
-            </a:endParaRPr>
+            <a:r>
+              <a:rPr lang="en-US" sz="1200" noProof="0" dirty="0">
+                <a:latin typeface="+mn-lt"/>
+              </a:rPr>
+              <a:t>Mention that the main goal of the presentation is to give a practical sense of this new screening approach. </a:t>
+            </a:r>
           </a:p>
         </p:txBody>
       </p:sp>
@@ -44088,8 +44079,12 @@
           <a:lstStyle/>
           <a:p>
             <a:r>
+              <a:rPr lang="en-US"/>
+              <a:t>Mikkel </a:t>
+            </a:r>
+            <a:r>
               <a:rPr lang="en-US" dirty="0"/>
-              <a:t>Mikkel H. Vembye, PhD</a:t>
+              <a:t>Vembye, PhD</a:t>
             </a:r>
           </a:p>
           <a:p>
@@ -44204,7 +44199,7 @@
           <p:cNvPr id="2" name="Title 1">
             <a:extLst>
               <a:ext uri="{FF2B5EF4-FFF2-40B4-BE49-F238E27FC236}">
-                <a16:creationId xmlns:a16="http://schemas.microsoft.com/office/drawing/2014/main" id="{9A2396E2-9EBF-4B0D-B303-A2BEDAEF8B4B}"/>
+                <a16:creationId xmlns:a16="http://schemas.microsoft.com/office/drawing/2014/main" id="{6E743182-8593-4315-9CAE-B03544C34805}"/>
               </a:ext>
             </a:extLst>
           </p:cNvPr>
@@ -44215,28 +44210,20 @@
             <p:ph type="title"/>
           </p:nvPr>
         </p:nvSpPr>
-        <p:spPr/>
+        <p:spPr>
+          <a:xfrm>
+            <a:off x="1013520" y="468393"/>
+            <a:ext cx="10158611" cy="891382"/>
+          </a:xfrm>
+        </p:spPr>
         <p:txBody>
           <a:bodyPr/>
           <a:lstStyle/>
           <a:p>
             <a:r>
-              <a:rPr lang="da-DK" dirty="0" err="1"/>
-              <a:t>Other</a:t>
-            </a:r>
-            <a:r>
-              <a:rPr lang="da-DK" dirty="0"/>
-              <a:t> </a:t>
-            </a:r>
-            <a:r>
-              <a:rPr lang="da-DK" dirty="0" err="1"/>
-              <a:t>possibilities</a:t>
-            </a:r>
-            <a:r>
-              <a:rPr lang="da-DK" dirty="0"/>
-              <a:t> with AIscreenR</a:t>
-            </a:r>
-            <a:endParaRPr lang="en-US" dirty="0"/>
+              <a:rPr lang="en-US" dirty="0"/>
+              <a:t>What we also do: further standardization</a:t>
+            </a:r>
           </a:p>
         </p:txBody>
       </p:sp>
@@ -44245,7 +44232,7 @@
           <p:cNvPr id="3" name="Text Placeholder 2">
             <a:extLst>
               <a:ext uri="{FF2B5EF4-FFF2-40B4-BE49-F238E27FC236}">
-                <a16:creationId xmlns:a16="http://schemas.microsoft.com/office/drawing/2014/main" id="{912A750B-9D57-4767-886D-ACA18619E83A}"/>
+                <a16:creationId xmlns:a16="http://schemas.microsoft.com/office/drawing/2014/main" id="{F3C81A5F-3305-475A-BA9B-0EB3B8B7E0F2}"/>
               </a:ext>
             </a:extLst>
           </p:cNvPr>
@@ -44262,96 +44249,72 @@
           <a:lstStyle/>
           <a:p>
             <a:r>
+              <a:rPr lang="en-US" i="1" dirty="0"/>
+              <a:t>Common guidelines</a:t>
+            </a:r>
+            <a:r>
               <a:rPr lang="en-US" dirty="0"/>
-              <a:t>Can be combined with other (semi) automated screening tools such as priority and classifier screening. </a:t>
-            </a:r>
-          </a:p>
-          <a:p>
+              <a:t> </a:t>
+            </a:r>
             <a:r>
               <a:rPr lang="da-DK" dirty="0"/>
-              <a:t>U</a:t>
+              <a:t>for </a:t>
             </a:r>
             <a:r>
               <a:rPr lang="en-US" dirty="0"/>
-              <a:t>sed to reduce the number of studies needed to be humanly double screened. </a:t>
-            </a:r>
-          </a:p>
-          <a:p>
+              <a:t>when it is (and when it is not) appropriate to use GPT API models for title and abstract screening in high-quality reviews. These guidelines are primarily based on the benchmark scheme</a:t>
+            </a:r>
+            <a:r>
+              <a:rPr lang="da-DK" dirty="0"/>
+              <a:t>.</a:t>
+            </a:r>
+          </a:p>
+          <a:p>
+            <a:pPr marL="0" indent="0">
+              <a:buNone/>
+            </a:pPr>
             <a:endParaRPr lang="da-DK" dirty="0"/>
           </a:p>
           <a:p>
-            <a:r>
-              <a:rPr lang="da-DK" dirty="0" err="1"/>
-              <a:t>You</a:t>
-            </a:r>
-            <a:r>
-              <a:rPr lang="da-DK" dirty="0"/>
-              <a:t> </a:t>
-            </a:r>
-            <a:r>
-              <a:rPr lang="da-DK" dirty="0" err="1"/>
-              <a:t>can</a:t>
-            </a:r>
-            <a:r>
-              <a:rPr lang="da-DK" dirty="0"/>
-              <a:t> </a:t>
-            </a:r>
-            <a:r>
-              <a:rPr lang="da-DK" dirty="0" err="1"/>
-              <a:t>use</a:t>
-            </a:r>
-            <a:r>
-              <a:rPr lang="da-DK" dirty="0"/>
-              <a:t> it with models </a:t>
-            </a:r>
-            <a:r>
-              <a:rPr lang="da-DK" dirty="0" err="1"/>
-              <a:t>that</a:t>
-            </a:r>
-            <a:r>
-              <a:rPr lang="da-DK" dirty="0"/>
-              <a:t> at special </a:t>
-            </a:r>
-            <a:r>
-              <a:rPr lang="da-DK" dirty="0" err="1"/>
-              <a:t>tranied</a:t>
-            </a:r>
-            <a:r>
-              <a:rPr lang="da-DK" dirty="0"/>
-              <a:t>/fine </a:t>
-            </a:r>
-            <a:r>
-              <a:rPr lang="da-DK" dirty="0" err="1"/>
-              <a:t>tuned</a:t>
-            </a:r>
-            <a:r>
-              <a:rPr lang="da-DK" dirty="0"/>
-              <a:t> to a </a:t>
-            </a:r>
-            <a:r>
-              <a:rPr lang="da-DK" dirty="0" err="1"/>
-              <a:t>specific</a:t>
-            </a:r>
-            <a:r>
-              <a:rPr lang="da-DK" dirty="0"/>
-              <a:t> </a:t>
-            </a:r>
-            <a:r>
-              <a:rPr lang="da-DK" dirty="0" err="1"/>
-              <a:t>review</a:t>
-            </a:r>
-            <a:r>
-              <a:rPr lang="da-DK" dirty="0"/>
-              <a:t>. </a:t>
-            </a:r>
+            <a:pPr>
+              <a:spcBef>
+                <a:spcPts val="0"/>
+              </a:spcBef>
+            </a:pPr>
+            <a:r>
+              <a:rPr lang="en-US" i="1" dirty="0"/>
+              <a:t>A workflow for how to configure a reliable screening</a:t>
+            </a:r>
+            <a:r>
+              <a:rPr lang="en-US" dirty="0"/>
+              <a:t>, including how to test and develop prompts. Hereto we introduce multiple-prompt screening, i.e., making one prompt per inclusion criteria. </a:t>
+            </a:r>
+          </a:p>
+          <a:p>
+            <a:pPr>
+              <a:spcBef>
+                <a:spcPts val="0"/>
+              </a:spcBef>
+            </a:pPr>
             <a:endParaRPr lang="en-US" dirty="0"/>
+          </a:p>
+          <a:p>
+            <a:pPr>
+              <a:spcBef>
+                <a:spcPts val="0"/>
+              </a:spcBef>
+            </a:pPr>
+            <a:r>
+              <a:rPr lang="en-US" dirty="0"/>
+              <a:t>We have strived to accommodate Campbell required criteria for implementing AI in systematic reviews. FIND</a:t>
+            </a:r>
           </a:p>
         </p:txBody>
       </p:sp>
     </p:spTree>
     <p:extLst>
       <p:ext uri="{BB962C8B-B14F-4D97-AF65-F5344CB8AC3E}">
-        <p14:creationId xmlns:p14="http://schemas.microsoft.com/office/powerpoint/2010/main" val="1774170958"/>
+        <p14:creationId xmlns:p14="http://schemas.microsoft.com/office/powerpoint/2010/main" val="2870780752"/>
       </p:ext>
     </p:extLst>
   </p:cSld>
@@ -44383,7 +44346,7 @@
           <p:cNvPr id="2" name="Title 1">
             <a:extLst>
               <a:ext uri="{FF2B5EF4-FFF2-40B4-BE49-F238E27FC236}">
-                <a16:creationId xmlns:a16="http://schemas.microsoft.com/office/drawing/2014/main" id="{CFCF05B1-6D93-40A0-9044-DF816360DE4A}"/>
+                <a16:creationId xmlns:a16="http://schemas.microsoft.com/office/drawing/2014/main" id="{9A2396E2-9EBF-4B0D-B303-A2BEDAEF8B4B}"/>
               </a:ext>
             </a:extLst>
           </p:cNvPr>
@@ -44401,7 +44364,7 @@
           <a:p>
             <a:r>
               <a:rPr lang="en-US" dirty="0"/>
-              <a:t>Limitations vs. advantages </a:t>
+              <a:t>Other possibilities with AIscreenR</a:t>
             </a:r>
           </a:p>
         </p:txBody>
@@ -44411,7 +44374,128 @@
           <p:cNvPr id="3" name="Text Placeholder 2">
             <a:extLst>
               <a:ext uri="{FF2B5EF4-FFF2-40B4-BE49-F238E27FC236}">
-                <a16:creationId xmlns:a16="http://schemas.microsoft.com/office/drawing/2014/main" id="{910F09C2-115F-48A4-A4BB-57414380922F}"/>
+                <a16:creationId xmlns:a16="http://schemas.microsoft.com/office/drawing/2014/main" id="{912A750B-9D57-4767-886D-ACA18619E83A}"/>
+              </a:ext>
+            </a:extLst>
+          </p:cNvPr>
+          <p:cNvSpPr>
+            <a:spLocks noGrp="1"/>
+          </p:cNvSpPr>
+          <p:nvPr>
+            <p:ph type="body" sz="quarter" idx="10"/>
+          </p:nvPr>
+        </p:nvSpPr>
+        <p:spPr/>
+        <p:txBody>
+          <a:bodyPr/>
+          <a:lstStyle/>
+          <a:p>
+            <a:r>
+              <a:rPr lang="en-US" dirty="0"/>
+              <a:t>Can be combined with other (semi) automated screening tools such as priority and classifier screening. </a:t>
+            </a:r>
+          </a:p>
+          <a:p>
+            <a:pPr marL="0" indent="0">
+              <a:buNone/>
+            </a:pPr>
+            <a:endParaRPr lang="en-US" dirty="0"/>
+          </a:p>
+          <a:p>
+            <a:r>
+              <a:rPr lang="da-DK" dirty="0"/>
+              <a:t>U</a:t>
+            </a:r>
+            <a:r>
+              <a:rPr lang="en-US" dirty="0"/>
+              <a:t>sed to reduce the number of studies needed to be humanly double screened. </a:t>
+            </a:r>
+          </a:p>
+          <a:p>
+            <a:endParaRPr lang="da-DK" dirty="0"/>
+          </a:p>
+          <a:p>
+            <a:r>
+              <a:rPr lang="en-US" dirty="0"/>
+              <a:t>You can use it with models that at special trained/fine tuned to a specific review</a:t>
+            </a:r>
+            <a:r>
+              <a:rPr lang="da-DK" dirty="0"/>
+              <a:t>. </a:t>
+            </a:r>
+            <a:endParaRPr lang="en-US" dirty="0"/>
+          </a:p>
+        </p:txBody>
+      </p:sp>
+    </p:spTree>
+    <p:extLst>
+      <p:ext uri="{BB962C8B-B14F-4D97-AF65-F5344CB8AC3E}">
+        <p14:creationId xmlns:p14="http://schemas.microsoft.com/office/powerpoint/2010/main" val="1774170958"/>
+      </p:ext>
+    </p:extLst>
+  </p:cSld>
+  <p:clrMapOvr>
+    <a:masterClrMapping/>
+  </p:clrMapOvr>
+</p:sld>
+</file>
+
+<file path=ppt/slides/slide12.xml><?xml version="1.0" encoding="utf-8"?>
+<p:sld xmlns:a="http://schemas.openxmlformats.org/drawingml/2006/main" xmlns:r="http://schemas.openxmlformats.org/officeDocument/2006/relationships" xmlns:p="http://schemas.openxmlformats.org/presentationml/2006/main">
+  <p:cSld>
+    <p:spTree>
+      <p:nvGrpSpPr>
+        <p:cNvPr id="1" name=""/>
+        <p:cNvGrpSpPr/>
+        <p:nvPr/>
+      </p:nvGrpSpPr>
+      <p:grpSpPr>
+        <a:xfrm>
+          <a:off x="0" y="0"/>
+          <a:ext cx="0" cy="0"/>
+          <a:chOff x="0" y="0"/>
+          <a:chExt cx="0" cy="0"/>
+        </a:xfrm>
+      </p:grpSpPr>
+      <p:sp>
+        <p:nvSpPr>
+          <p:cNvPr id="2" name="Title 1">
+            <a:extLst>
+              <a:ext uri="{FF2B5EF4-FFF2-40B4-BE49-F238E27FC236}">
+                <a16:creationId xmlns:a16="http://schemas.microsoft.com/office/drawing/2014/main" id="{1343FEA5-B502-4233-8197-3E0DC940756B}"/>
+              </a:ext>
+            </a:extLst>
+          </p:cNvPr>
+          <p:cNvSpPr>
+            <a:spLocks noGrp="1"/>
+          </p:cNvSpPr>
+          <p:nvPr>
+            <p:ph type="title"/>
+          </p:nvPr>
+        </p:nvSpPr>
+        <p:spPr>
+          <a:xfrm>
+            <a:off x="1013520" y="427297"/>
+            <a:ext cx="10158611" cy="891382"/>
+          </a:xfrm>
+        </p:spPr>
+        <p:txBody>
+          <a:bodyPr/>
+          <a:lstStyle/>
+          <a:p>
+            <a:r>
+              <a:rPr lang="en-US" dirty="0"/>
+              <a:t>Limitations and advantages </a:t>
+            </a:r>
+          </a:p>
+        </p:txBody>
+      </p:sp>
+      <p:sp>
+        <p:nvSpPr>
+          <p:cNvPr id="3" name="Text Placeholder 2">
+            <a:extLst>
+              <a:ext uri="{FF2B5EF4-FFF2-40B4-BE49-F238E27FC236}">
+                <a16:creationId xmlns:a16="http://schemas.microsoft.com/office/drawing/2014/main" id="{F98C565C-8029-417C-A754-F2EB651C3271}"/>
               </a:ext>
             </a:extLst>
           </p:cNvPr>
@@ -44424,8 +44508,8 @@
         </p:nvSpPr>
         <p:spPr>
           <a:xfrm>
-            <a:off x="1013521" y="1966823"/>
-            <a:ext cx="5561940" cy="3878253"/>
+            <a:off x="1013520" y="1480048"/>
+            <a:ext cx="4791378" cy="3897904"/>
           </a:xfrm>
         </p:spPr>
         <p:txBody>
@@ -44496,39 +44580,14 @@
               <a:t> but many people have concerns about this.</a:t>
             </a:r>
           </a:p>
-          <a:p>
-            <a:pPr marL="0" indent="0">
-              <a:buNone/>
-            </a:pPr>
-            <a:endParaRPr lang="da-DK" dirty="0"/>
-          </a:p>
-          <a:p>
-            <a:endParaRPr lang="da-DK" dirty="0"/>
-          </a:p>
-          <a:p>
-            <a:endParaRPr lang="da-DK" dirty="0"/>
-          </a:p>
-          <a:p>
-            <a:endParaRPr lang="da-DK" dirty="0"/>
-          </a:p>
-          <a:p>
-            <a:endParaRPr lang="en-US" dirty="0"/>
-          </a:p>
-          <a:p>
-            <a:pPr>
-              <a:buFont typeface="Arial" panose="020B0604020202020204" pitchFamily="34" charset="0"/>
-              <a:buChar char="•"/>
-            </a:pPr>
-            <a:endParaRPr lang="da-DK" dirty="0"/>
-          </a:p>
         </p:txBody>
       </p:sp>
       <p:sp>
         <p:nvSpPr>
-          <p:cNvPr id="4" name="Title 1">
+          <p:cNvPr id="4" name="Text Placeholder 2">
             <a:extLst>
               <a:ext uri="{FF2B5EF4-FFF2-40B4-BE49-F238E27FC236}">
-                <a16:creationId xmlns:a16="http://schemas.microsoft.com/office/drawing/2014/main" id="{F4F3ABE8-6CDF-4E5E-8784-AAB80A914130}"/>
+                <a16:creationId xmlns:a16="http://schemas.microsoft.com/office/drawing/2014/main" id="{53354405-76D0-4268-8EE0-44258B5D5318}"/>
               </a:ext>
             </a:extLst>
           </p:cNvPr>
@@ -44539,59 +44598,8 @@
         </p:nvSpPr>
         <p:spPr>
           <a:xfrm>
-            <a:off x="6935057" y="950407"/>
-            <a:ext cx="4709186" cy="805602"/>
-          </a:xfrm>
-          <a:prstGeom prst="rect">
-            <a:avLst/>
-          </a:prstGeom>
-        </p:spPr>
-        <p:txBody>
-          <a:bodyPr vert="horz" lIns="0" tIns="0" rIns="0" bIns="0" rtlCol="0" anchor="t" anchorCtr="0">
-            <a:noAutofit/>
-          </a:bodyPr>
-          <a:lstStyle>
-            <a:lvl1pPr algn="l" defTabSz="914400" rtl="0" eaLnBrk="1" latinLnBrk="0" hangingPunct="1">
-              <a:lnSpc>
-                <a:spcPct val="100000"/>
-              </a:lnSpc>
-              <a:spcBef>
-                <a:spcPct val="0"/>
-              </a:spcBef>
-              <a:buNone/>
-              <a:defRPr sz="3600" b="1" i="0" kern="1200">
-                <a:solidFill>
-                  <a:schemeClr val="tx1"/>
-                </a:solidFill>
-                <a:latin typeface="+mj-lt"/>
-                <a:ea typeface="Inter" panose="020B0502030000000004" pitchFamily="34" charset="0"/>
-                <a:cs typeface="+mj-cs"/>
-              </a:defRPr>
-            </a:lvl1pPr>
-          </a:lstStyle>
-          <a:p>
-            <a:endParaRPr lang="en-US" dirty="0"/>
-          </a:p>
-        </p:txBody>
-      </p:sp>
-      <p:sp>
-        <p:nvSpPr>
-          <p:cNvPr id="6" name="Text Placeholder 5">
-            <a:extLst>
-              <a:ext uri="{FF2B5EF4-FFF2-40B4-BE49-F238E27FC236}">
-                <a16:creationId xmlns:a16="http://schemas.microsoft.com/office/drawing/2014/main" id="{8CEADC51-F3BB-4D8A-BDFF-2BA16ACDD490}"/>
-              </a:ext>
-            </a:extLst>
-          </p:cNvPr>
-          <p:cNvSpPr txBox="1">
-            <a:spLocks/>
-          </p:cNvSpPr>
-          <p:nvPr/>
-        </p:nvSpPr>
-        <p:spPr>
-          <a:xfrm>
-            <a:off x="6935057" y="1904306"/>
-            <a:ext cx="4709186" cy="4012737"/>
+            <a:off x="6387104" y="1471324"/>
+            <a:ext cx="4791378" cy="3897904"/>
           </a:xfrm>
           <a:prstGeom prst="rect">
             <a:avLst/>
@@ -44615,7 +44623,13 @@
               <a:buSzPct val="110000"/>
               <a:buFontTx/>
               <a:buBlip>
-                <a:blip r:embed="rId2"/>
+                <a:blip r:embed="rId2">
+                  <a:extLst>
+                    <a:ext uri="{96DAC541-7B7A-43D3-8B79-37D633B846F1}">
+                      <asvg:svgBlip xmlns:asvg="http://schemas.microsoft.com/office/drawing/2016/SVG/main" r:embed="rId3"/>
+                    </a:ext>
+                  </a:extLst>
+                </a:blip>
               </a:buBlip>
               <a:defRPr sz="1800" kern="1200">
                 <a:solidFill>
@@ -44639,7 +44653,13 @@
               <a:buSzPct val="110000"/>
               <a:buFontTx/>
               <a:buBlip>
-                <a:blip r:embed="rId2"/>
+                <a:blip r:embed="rId2">
+                  <a:extLst>
+                    <a:ext uri="{96DAC541-7B7A-43D3-8B79-37D633B846F1}">
+                      <asvg:svgBlip xmlns:asvg="http://schemas.microsoft.com/office/drawing/2016/SVG/main" r:embed="rId3"/>
+                    </a:ext>
+                  </a:extLst>
+                </a:blip>
               </a:buBlip>
               <a:defRPr sz="1600" kern="1200">
                 <a:solidFill>
@@ -44663,7 +44683,13 @@
               <a:buSzPct val="110000"/>
               <a:buFontTx/>
               <a:buBlip>
-                <a:blip r:embed="rId2"/>
+                <a:blip r:embed="rId2">
+                  <a:extLst>
+                    <a:ext uri="{96DAC541-7B7A-43D3-8B79-37D633B846F1}">
+                      <asvg:svgBlip xmlns:asvg="http://schemas.microsoft.com/office/drawing/2016/SVG/main" r:embed="rId3"/>
+                    </a:ext>
+                  </a:extLst>
+                </a:blip>
               </a:buBlip>
               <a:defRPr sz="1400" kern="1200">
                 <a:solidFill>
@@ -44687,7 +44713,13 @@
               <a:buSzPct val="110000"/>
               <a:buFontTx/>
               <a:buBlip>
-                <a:blip r:embed="rId2"/>
+                <a:blip r:embed="rId2">
+                  <a:extLst>
+                    <a:ext uri="{96DAC541-7B7A-43D3-8B79-37D633B846F1}">
+                      <asvg:svgBlip xmlns:asvg="http://schemas.microsoft.com/office/drawing/2016/SVG/main" r:embed="rId3"/>
+                    </a:ext>
+                  </a:extLst>
+                </a:blip>
               </a:buBlip>
               <a:defRPr sz="1200" kern="1200">
                 <a:solidFill>
@@ -44711,7 +44743,13 @@
               <a:buSzPct val="110000"/>
               <a:buFontTx/>
               <a:buBlip>
-                <a:blip r:embed="rId2"/>
+                <a:blip r:embed="rId2">
+                  <a:extLst>
+                    <a:ext uri="{96DAC541-7B7A-43D3-8B79-37D633B846F1}">
+                      <asvg:svgBlip xmlns:asvg="http://schemas.microsoft.com/office/drawing/2016/SVG/main" r:embed="rId3"/>
+                    </a:ext>
+                  </a:extLst>
+                </a:blip>
               </a:buBlip>
               <a:defRPr sz="1000" kern="1200">
                 <a:solidFill>
@@ -44882,41 +44920,16 @@
               <a:t>I</a:t>
             </a:r>
             <a:r>
-              <a:rPr lang="en-US"/>
+              <a:rPr lang="en-US" dirty="0"/>
               <a:t>t’s flexible</a:t>
             </a:r>
-            <a:endParaRPr lang="en-US" dirty="0"/>
-          </a:p>
-          <a:p>
-            <a:pPr marL="0" indent="0">
-              <a:buFontTx/>
-              <a:buNone/>
-            </a:pPr>
-            <a:endParaRPr lang="da-DK" dirty="0"/>
-          </a:p>
-          <a:p>
-            <a:pPr marL="0" indent="0">
-              <a:buFontTx/>
-              <a:buNone/>
-            </a:pPr>
-            <a:endParaRPr lang="da-DK" dirty="0"/>
-          </a:p>
-          <a:p>
-            <a:pPr marL="0" indent="0">
-              <a:buFontTx/>
-              <a:buNone/>
-            </a:pPr>
-            <a:endParaRPr lang="da-DK" dirty="0"/>
-          </a:p>
-          <a:p>
-            <a:endParaRPr lang="en-US" dirty="0"/>
           </a:p>
         </p:txBody>
       </p:sp>
     </p:spTree>
     <p:extLst>
       <p:ext uri="{BB962C8B-B14F-4D97-AF65-F5344CB8AC3E}">
-        <p14:creationId xmlns:p14="http://schemas.microsoft.com/office/powerpoint/2010/main" val="1978872730"/>
+        <p14:creationId xmlns:p14="http://schemas.microsoft.com/office/powerpoint/2010/main" val="1089913311"/>
       </p:ext>
     </p:extLst>
   </p:cSld>
@@ -44926,7 +44939,7 @@
 </p:sld>
 </file>
 
-<file path=ppt/slides/slide12.xml><?xml version="1.0" encoding="utf-8"?>
+<file path=ppt/slides/slide13.xml><?xml version="1.0" encoding="utf-8"?>
 <p:sld xmlns:a="http://schemas.openxmlformats.org/drawingml/2006/main" xmlns:r="http://schemas.openxmlformats.org/officeDocument/2006/relationships" xmlns:p="http://schemas.openxmlformats.org/presentationml/2006/main">
   <p:cSld>
     <p:spTree>
@@ -45018,15 +45031,26 @@
             </a:pPr>
             <a:r>
               <a:rPr lang="en-US" dirty="0"/>
-              <a:t>Consider how best to combine traditional (semi)-automated screening tools such priority and </a:t>
+              <a:t>Consider how to combine GPT screenings with traditional (semi)-automated screening tools such priority and classifier screening most efficiently. </a:t>
+            </a:r>
+          </a:p>
+          <a:p>
+            <a:pPr>
+              <a:spcAft>
+                <a:spcPts val="800"/>
+              </a:spcAft>
+            </a:pPr>
+            <a:r>
+              <a:rPr lang="en-US" dirty="0"/>
+              <a:t>Implementation in standard references tools such as Meta-Reviewer, EPPI Reviewer, </a:t>
             </a:r>
             <a:r>
               <a:rPr lang="en-US" dirty="0" err="1"/>
-              <a:t>classifer</a:t>
+              <a:t>Covidence</a:t>
             </a:r>
             <a:r>
               <a:rPr lang="en-US" dirty="0"/>
-              <a:t> screening. </a:t>
+              <a:t>, etc. </a:t>
             </a:r>
           </a:p>
           <a:p>
@@ -45036,75 +45060,16 @@
               </a:spcAft>
             </a:pPr>
             <a:r>
-              <a:rPr lang="da-DK" dirty="0" err="1"/>
-              <a:t>Implementation</a:t>
-            </a:r>
-            <a:r>
-              <a:rPr lang="da-DK" dirty="0"/>
-              <a:t> in standard references </a:t>
-            </a:r>
-            <a:r>
-              <a:rPr lang="da-DK" dirty="0" err="1"/>
-              <a:t>tools</a:t>
-            </a:r>
-            <a:r>
-              <a:rPr lang="da-DK" dirty="0"/>
-              <a:t> </a:t>
-            </a:r>
-            <a:r>
-              <a:rPr lang="da-DK" dirty="0" err="1"/>
-              <a:t>such</a:t>
-            </a:r>
-            <a:r>
-              <a:rPr lang="da-DK" dirty="0"/>
-              <a:t> as Meta-</a:t>
-            </a:r>
-            <a:r>
-              <a:rPr lang="da-DK" dirty="0" err="1"/>
-              <a:t>Reviewer</a:t>
-            </a:r>
-            <a:r>
-              <a:rPr lang="da-DK" dirty="0"/>
-              <a:t>, EPPI </a:t>
-            </a:r>
-            <a:r>
-              <a:rPr lang="da-DK" dirty="0" err="1"/>
-              <a:t>Reviewer</a:t>
+              <a:rPr lang="en-US" dirty="0"/>
+              <a:t>Alternately</a:t>
             </a:r>
             <a:r>
               <a:rPr lang="da-DK" dirty="0"/>
               <a:t>, </a:t>
             </a:r>
             <a:r>
-              <a:rPr lang="da-DK" dirty="0" err="1"/>
-              <a:t>Covidence</a:t>
-            </a:r>
-            <a:r>
-              <a:rPr lang="da-DK" dirty="0"/>
-              <a:t>, etc. </a:t>
-            </a:r>
-          </a:p>
-          <a:p>
-            <a:pPr>
-              <a:spcAft>
-                <a:spcPts val="800"/>
-              </a:spcAft>
-            </a:pPr>
-            <a:r>
               <a:rPr lang="en-US" dirty="0"/>
-              <a:t>Alternately</a:t>
-            </a:r>
-            <a:r>
-              <a:rPr lang="da-DK" dirty="0"/>
-              <a:t>, </a:t>
-            </a:r>
-            <a:r>
-              <a:rPr lang="en-US" dirty="0"/>
-              <a:t>a shiny-app could be made to ease user-</a:t>
-            </a:r>
-            <a:r>
-              <a:rPr lang="en-US" dirty="0" err="1"/>
-              <a:t>friendsliness</a:t>
+              <a:t>a shiny-app could be made to ease user-friendliness</a:t>
             </a:r>
             <a:r>
               <a:rPr lang="da-DK" dirty="0"/>
@@ -45133,7 +45098,7 @@
 </p:sld>
 </file>
 
-<file path=ppt/slides/slide13.xml><?xml version="1.0" encoding="utf-8"?>
+<file path=ppt/slides/slide14.xml><?xml version="1.0" encoding="utf-8"?>
 <p:sld xmlns:a="http://schemas.openxmlformats.org/drawingml/2006/main" xmlns:r="http://schemas.openxmlformats.org/officeDocument/2006/relationships" xmlns:p="http://schemas.openxmlformats.org/presentationml/2006/main">
   <p:cSld>
     <p:spTree>
@@ -46082,7 +46047,7 @@
 </p:sld>
 </file>
 
-<file path=ppt/slides/slide14.xml><?xml version="1.0" encoding="utf-8"?>
+<file path=ppt/slides/slide15.xml><?xml version="1.0" encoding="utf-8"?>
 <p:sld xmlns:a="http://schemas.openxmlformats.org/drawingml/2006/main" xmlns:r="http://schemas.openxmlformats.org/officeDocument/2006/relationships" xmlns:p="http://schemas.openxmlformats.org/presentationml/2006/main">
   <p:cSld>
     <p:spTree>
@@ -46812,7 +46777,7 @@
 </p:sld>
 </file>
 
-<file path=ppt/slides/slide15.xml><?xml version="1.0" encoding="utf-8"?>
+<file path=ppt/slides/slide16.xml><?xml version="1.0" encoding="utf-8"?>
 <p:sld xmlns:a="http://schemas.openxmlformats.org/drawingml/2006/main" xmlns:r="http://schemas.openxmlformats.org/officeDocument/2006/relationships" xmlns:p="http://schemas.openxmlformats.org/presentationml/2006/main">
   <p:cSld>
     <p:spTree>
@@ -46845,7 +46810,12 @@
             <p:ph type="title"/>
           </p:nvPr>
         </p:nvSpPr>
-        <p:spPr/>
+        <p:spPr>
+          <a:xfrm>
+            <a:off x="1013520" y="396474"/>
+            <a:ext cx="10158611" cy="891382"/>
+          </a:xfrm>
+        </p:spPr>
         <p:txBody>
           <a:bodyPr/>
           <a:lstStyle/>
@@ -46896,7 +46866,7 @@
         </p:blipFill>
         <p:spPr>
           <a:xfrm>
-            <a:off x="1013520" y="1904306"/>
+            <a:off x="2752657" y="1616629"/>
             <a:ext cx="6228271" cy="4417171"/>
           </a:xfrm>
           <a:prstGeom prst="rect">
@@ -47221,15 +47191,7 @@
             </a:pPr>
             <a:r>
               <a:rPr lang="en-US" dirty="0"/>
-              <a:t>Our preliminary results show that GPT API models perform on </a:t>
-            </a:r>
-            <a:r>
-              <a:rPr lang="en-US" dirty="0" err="1"/>
-              <a:t>parat</a:t>
-            </a:r>
-            <a:r>
-              <a:rPr lang="en-US" dirty="0"/>
-              <a:t> least  with human screeners performances, even in very complex reviews with many inclusion criteria. I will come back to these results later in the presentation</a:t>
+              <a:t>Our preliminary results show that GPT API models perform at least on par with human screeners performances, even in very complex reviews with many inclusion criteria. I will come back to these results later in the presentation</a:t>
             </a:r>
           </a:p>
           <a:p>
@@ -47573,8 +47535,13 @@
             </a:pPr>
             <a:r>
               <a:rPr lang="en-US" i="1" dirty="0"/>
-              <a:t>Link to vignette: </a:t>
-            </a:r>
+              <a:t>Link to the package vignette:</a:t>
+            </a:r>
+          </a:p>
+          <a:p>
+            <a:pPr marL="0" indent="0">
+              <a:buNone/>
+            </a:pPr>
             <a:r>
               <a:rPr lang="en-US" dirty="0">
                 <a:hlinkClick r:id="rId2"/>
@@ -47600,6 +47567,11 @@
               <a:rPr lang="en-US" i="1" dirty="0"/>
               <a:t>Link to R codes behind the presentation: </a:t>
             </a:r>
+          </a:p>
+          <a:p>
+            <a:pPr marL="0" indent="0">
+              <a:buNone/>
+            </a:pPr>
             <a:r>
               <a:rPr lang="en-US" dirty="0">
                 <a:hlinkClick r:id="rId3"/>
@@ -48169,8 +48141,8 @@
         </p:nvSpPr>
         <p:spPr>
           <a:xfrm>
-            <a:off x="1013521" y="805889"/>
-            <a:ext cx="7750918" cy="974399"/>
+            <a:off x="1013520" y="805889"/>
+            <a:ext cx="9548313" cy="974399"/>
           </a:xfrm>
         </p:spPr>
         <p:txBody>
@@ -48179,7 +48151,7 @@
           <a:p>
             <a:r>
               <a:rPr lang="en-US" dirty="0"/>
-              <a:t>What we also do: standardization</a:t>
+              <a:t>What we also do: further standardization</a:t>
             </a:r>
           </a:p>
         </p:txBody>
@@ -48213,15 +48185,6 @@
             <a:pPr marL="0" indent="0">
               <a:buNone/>
             </a:pPr>
-            <a:r>
-              <a:rPr lang="en-US" dirty="0"/>
-              <a:t>To standardize this screening approach, we further developed</a:t>
-            </a:r>
-          </a:p>
-          <a:p>
-            <a:pPr marL="0" indent="0">
-              <a:buNone/>
-            </a:pPr>
             <a:endParaRPr lang="da-DK" dirty="0"/>
           </a:p>
           <a:p>
@@ -48292,42 +48255,6 @@
           </a:p>
         </p:txBody>
       </p:sp>
-      <p:pic>
-        <p:nvPicPr>
-          <p:cNvPr id="5" name="Picture 4">
-            <a:extLst>
-              <a:ext uri="{FF2B5EF4-FFF2-40B4-BE49-F238E27FC236}">
-                <a16:creationId xmlns:a16="http://schemas.microsoft.com/office/drawing/2014/main" id="{2B3A7A6D-4A21-4C77-BF3C-0E317576927F}"/>
-              </a:ext>
-            </a:extLst>
-          </p:cNvPr>
-          <p:cNvPicPr>
-            <a:picLocks noChangeAspect="1"/>
-          </p:cNvPicPr>
-          <p:nvPr/>
-        </p:nvPicPr>
-        <p:blipFill>
-          <a:blip r:embed="rId2">
-            <a:extLst>
-              <a:ext uri="{28A0092B-C50C-407E-A947-70E740481C1C}">
-                <a14:useLocalDpi xmlns:a14="http://schemas.microsoft.com/office/drawing/2010/main" val="0"/>
-              </a:ext>
-            </a:extLst>
-          </a:blip>
-          <a:stretch>
-            <a:fillRect/>
-          </a:stretch>
-        </p:blipFill>
-        <p:spPr>
-          <a:xfrm>
-            <a:off x="9359660" y="345610"/>
-            <a:ext cx="1721548" cy="1992148"/>
-          </a:xfrm>
-          <a:prstGeom prst="rect">
-            <a:avLst/>
-          </a:prstGeom>
-        </p:spPr>
-      </p:pic>
     </p:spTree>
     <p:extLst>
       <p:ext uri="{BB962C8B-B14F-4D97-AF65-F5344CB8AC3E}">

--- a/SRMA SIG presentation 2024 .potx.pptx
+++ b/SRMA SIG presentation 2024 .potx.pptx
@@ -44079,12 +44079,8 @@
           <a:lstStyle/>
           <a:p>
             <a:r>
-              <a:rPr lang="en-US"/>
-              <a:t>Mikkel </a:t>
-            </a:r>
-            <a:r>
               <a:rPr lang="en-US" dirty="0"/>
-              <a:t>Vembye, PhD</a:t>
+              <a:t>Mikkel Vembye, PhD</a:t>
             </a:r>
           </a:p>
           <a:p>

--- a/SRMA SIG presentation 2024 .potx.pptx
+++ b/SRMA SIG presentation 2024 .potx.pptx
@@ -5,7 +5,7 @@
     <p:sldMasterId id="2147483693" r:id="rId1"/>
   </p:sldMasterIdLst>
   <p:notesMasterIdLst>
-    <p:notesMasterId r:id="rId18"/>
+    <p:notesMasterId r:id="rId17"/>
   </p:notesMasterIdLst>
   <p:sldIdLst>
     <p:sldId id="509" r:id="rId2"/>
@@ -16,14 +16,13 @@
     <p:sldId id="546" r:id="rId7"/>
     <p:sldId id="547" r:id="rId8"/>
     <p:sldId id="549" r:id="rId9"/>
-    <p:sldId id="531" r:id="rId10"/>
-    <p:sldId id="554" r:id="rId11"/>
-    <p:sldId id="551" r:id="rId12"/>
-    <p:sldId id="553" r:id="rId13"/>
-    <p:sldId id="550" r:id="rId14"/>
-    <p:sldId id="544" r:id="rId15"/>
-    <p:sldId id="548" r:id="rId16"/>
-    <p:sldId id="536" r:id="rId17"/>
+    <p:sldId id="554" r:id="rId10"/>
+    <p:sldId id="551" r:id="rId11"/>
+    <p:sldId id="553" r:id="rId12"/>
+    <p:sldId id="550" r:id="rId13"/>
+    <p:sldId id="544" r:id="rId14"/>
+    <p:sldId id="548" r:id="rId15"/>
+    <p:sldId id="536" r:id="rId16"/>
   </p:sldIdLst>
   <p:sldSz cx="12192000" cy="6858000"/>
   <p:notesSz cx="6858000" cy="9144000"/>
@@ -135,7 +134,6 @@
             <p14:sldId id="546"/>
             <p14:sldId id="547"/>
             <p14:sldId id="549"/>
-            <p14:sldId id="531"/>
             <p14:sldId id="554"/>
             <p14:sldId id="551"/>
             <p14:sldId id="553"/>
@@ -248,7 +246,7 @@
           <a:p>
             <a:fld id="{7BEB8190-3B91-4E7B-8634-E458355F2E20}" type="datetimeFigureOut">
               <a:rPr lang="en-GB" smtClean="0"/>
-              <a:t>11/11/2024</a:t>
+              <a:t>12/11/2024</a:t>
             </a:fld>
             <a:endParaRPr lang="en-GB"/>
           </a:p>
@@ -44195,153 +44193,6 @@
           <p:cNvPr id="2" name="Title 1">
             <a:extLst>
               <a:ext uri="{FF2B5EF4-FFF2-40B4-BE49-F238E27FC236}">
-                <a16:creationId xmlns:a16="http://schemas.microsoft.com/office/drawing/2014/main" id="{6E743182-8593-4315-9CAE-B03544C34805}"/>
-              </a:ext>
-            </a:extLst>
-          </p:cNvPr>
-          <p:cNvSpPr>
-            <a:spLocks noGrp="1"/>
-          </p:cNvSpPr>
-          <p:nvPr>
-            <p:ph type="title"/>
-          </p:nvPr>
-        </p:nvSpPr>
-        <p:spPr>
-          <a:xfrm>
-            <a:off x="1013520" y="468393"/>
-            <a:ext cx="10158611" cy="891382"/>
-          </a:xfrm>
-        </p:spPr>
-        <p:txBody>
-          <a:bodyPr/>
-          <a:lstStyle/>
-          <a:p>
-            <a:r>
-              <a:rPr lang="en-US" dirty="0"/>
-              <a:t>What we also do: further standardization</a:t>
-            </a:r>
-          </a:p>
-        </p:txBody>
-      </p:sp>
-      <p:sp>
-        <p:nvSpPr>
-          <p:cNvPr id="3" name="Text Placeholder 2">
-            <a:extLst>
-              <a:ext uri="{FF2B5EF4-FFF2-40B4-BE49-F238E27FC236}">
-                <a16:creationId xmlns:a16="http://schemas.microsoft.com/office/drawing/2014/main" id="{F3C81A5F-3305-475A-BA9B-0EB3B8B7E0F2}"/>
-              </a:ext>
-            </a:extLst>
-          </p:cNvPr>
-          <p:cNvSpPr>
-            <a:spLocks noGrp="1"/>
-          </p:cNvSpPr>
-          <p:nvPr>
-            <p:ph type="body" sz="quarter" idx="10"/>
-          </p:nvPr>
-        </p:nvSpPr>
-        <p:spPr/>
-        <p:txBody>
-          <a:bodyPr/>
-          <a:lstStyle/>
-          <a:p>
-            <a:r>
-              <a:rPr lang="en-US" i="1" dirty="0"/>
-              <a:t>Common guidelines</a:t>
-            </a:r>
-            <a:r>
-              <a:rPr lang="en-US" dirty="0"/>
-              <a:t> </a:t>
-            </a:r>
-            <a:r>
-              <a:rPr lang="da-DK" dirty="0"/>
-              <a:t>for </a:t>
-            </a:r>
-            <a:r>
-              <a:rPr lang="en-US" dirty="0"/>
-              <a:t>when it is (and when it is not) appropriate to use GPT API models for title and abstract screening in high-quality reviews. These guidelines are primarily based on the benchmark scheme</a:t>
-            </a:r>
-            <a:r>
-              <a:rPr lang="da-DK" dirty="0"/>
-              <a:t>.</a:t>
-            </a:r>
-          </a:p>
-          <a:p>
-            <a:pPr marL="0" indent="0">
-              <a:buNone/>
-            </a:pPr>
-            <a:endParaRPr lang="da-DK" dirty="0"/>
-          </a:p>
-          <a:p>
-            <a:pPr>
-              <a:spcBef>
-                <a:spcPts val="0"/>
-              </a:spcBef>
-            </a:pPr>
-            <a:r>
-              <a:rPr lang="en-US" i="1" dirty="0"/>
-              <a:t>A workflow for how to configure a reliable screening</a:t>
-            </a:r>
-            <a:r>
-              <a:rPr lang="en-US" dirty="0"/>
-              <a:t>, including how to test and develop prompts. Hereto we introduce multiple-prompt screening, i.e., making one prompt per inclusion criteria. </a:t>
-            </a:r>
-          </a:p>
-          <a:p>
-            <a:pPr>
-              <a:spcBef>
-                <a:spcPts val="0"/>
-              </a:spcBef>
-            </a:pPr>
-            <a:endParaRPr lang="en-US" dirty="0"/>
-          </a:p>
-          <a:p>
-            <a:pPr>
-              <a:spcBef>
-                <a:spcPts val="0"/>
-              </a:spcBef>
-            </a:pPr>
-            <a:r>
-              <a:rPr lang="en-US" dirty="0"/>
-              <a:t>We have strived to accommodate Campbell required criteria for implementing AI in systematic reviews. FIND</a:t>
-            </a:r>
-          </a:p>
-        </p:txBody>
-      </p:sp>
-    </p:spTree>
-    <p:extLst>
-      <p:ext uri="{BB962C8B-B14F-4D97-AF65-F5344CB8AC3E}">
-        <p14:creationId xmlns:p14="http://schemas.microsoft.com/office/powerpoint/2010/main" val="2870780752"/>
-      </p:ext>
-    </p:extLst>
-  </p:cSld>
-  <p:clrMapOvr>
-    <a:masterClrMapping/>
-  </p:clrMapOvr>
-</p:sld>
-</file>
-
-<file path=ppt/slides/slide11.xml><?xml version="1.0" encoding="utf-8"?>
-<p:sld xmlns:a="http://schemas.openxmlformats.org/drawingml/2006/main" xmlns:r="http://schemas.openxmlformats.org/officeDocument/2006/relationships" xmlns:p="http://schemas.openxmlformats.org/presentationml/2006/main">
-  <p:cSld>
-    <p:spTree>
-      <p:nvGrpSpPr>
-        <p:cNvPr id="1" name=""/>
-        <p:cNvGrpSpPr/>
-        <p:nvPr/>
-      </p:nvGrpSpPr>
-      <p:grpSpPr>
-        <a:xfrm>
-          <a:off x="0" y="0"/>
-          <a:ext cx="0" cy="0"/>
-          <a:chOff x="0" y="0"/>
-          <a:chExt cx="0" cy="0"/>
-        </a:xfrm>
-      </p:grpSpPr>
-      <p:sp>
-        <p:nvSpPr>
-          <p:cNvPr id="2" name="Title 1">
-            <a:extLst>
-              <a:ext uri="{FF2B5EF4-FFF2-40B4-BE49-F238E27FC236}">
                 <a16:creationId xmlns:a16="http://schemas.microsoft.com/office/drawing/2014/main" id="{9A2396E2-9EBF-4B0D-B303-A2BEDAEF8B4B}"/>
               </a:ext>
             </a:extLst>
@@ -44436,7 +44287,7 @@
 </p:sld>
 </file>
 
-<file path=ppt/slides/slide12.xml><?xml version="1.0" encoding="utf-8"?>
+<file path=ppt/slides/slide11.xml><?xml version="1.0" encoding="utf-8"?>
 <p:sld xmlns:a="http://schemas.openxmlformats.org/drawingml/2006/main" xmlns:r="http://schemas.openxmlformats.org/officeDocument/2006/relationships" xmlns:p="http://schemas.openxmlformats.org/presentationml/2006/main">
   <p:cSld>
     <p:spTree>
@@ -44561,7 +44412,7 @@
             </a:pPr>
             <a:r>
               <a:rPr lang="en-US" dirty="0"/>
-              <a:t>Potentially large environmental impact. This hard to fully assess (</a:t>
+              <a:t>Potentially large environmental impact. However, this is not easy to fully assess (</a:t>
             </a:r>
             <a:r>
               <a:rPr lang="da-DK" dirty="0" err="1"/>
@@ -44935,7 +44786,7 @@
 </p:sld>
 </file>
 
-<file path=ppt/slides/slide13.xml><?xml version="1.0" encoding="utf-8"?>
+<file path=ppt/slides/slide12.xml><?xml version="1.0" encoding="utf-8"?>
 <p:sld xmlns:a="http://schemas.openxmlformats.org/drawingml/2006/main" xmlns:r="http://schemas.openxmlformats.org/officeDocument/2006/relationships" xmlns:p="http://schemas.openxmlformats.org/presentationml/2006/main">
   <p:cSld>
     <p:spTree>
@@ -45094,7 +44945,7 @@
 </p:sld>
 </file>
 
-<file path=ppt/slides/slide14.xml><?xml version="1.0" encoding="utf-8"?>
+<file path=ppt/slides/slide13.xml><?xml version="1.0" encoding="utf-8"?>
 <p:sld xmlns:a="http://schemas.openxmlformats.org/drawingml/2006/main" xmlns:r="http://schemas.openxmlformats.org/officeDocument/2006/relationships" xmlns:p="http://schemas.openxmlformats.org/presentationml/2006/main">
   <p:cSld>
     <p:spTree>
@@ -46043,7 +45894,7 @@
 </p:sld>
 </file>
 
-<file path=ppt/slides/slide15.xml><?xml version="1.0" encoding="utf-8"?>
+<file path=ppt/slides/slide14.xml><?xml version="1.0" encoding="utf-8"?>
 <p:sld xmlns:a="http://schemas.openxmlformats.org/drawingml/2006/main" xmlns:r="http://schemas.openxmlformats.org/officeDocument/2006/relationships" xmlns:p="http://schemas.openxmlformats.org/presentationml/2006/main">
   <p:cSld>
     <p:spTree>
@@ -46101,8 +45952,8 @@
           </a:p>
         </p:txBody>
       </p:sp>
-      <mc:AlternateContent xmlns:mc="http://schemas.openxmlformats.org/markup-compatibility/2006">
-        <mc:Choice xmlns:a14="http://schemas.microsoft.com/office/drawing/2010/main" Requires="a14">
+      <mc:AlternateContent xmlns:mc="http://schemas.openxmlformats.org/markup-compatibility/2006" xmlns:a14="http://schemas.microsoft.com/office/drawing/2010/main">
+        <mc:Choice Requires="a14">
           <p:sp>
             <p:nvSpPr>
               <p:cNvPr id="5" name="Text Placeholder 2">
@@ -46715,7 +46566,7 @@
             </p:txBody>
           </p:sp>
         </mc:Choice>
-        <mc:Fallback>
+        <mc:Fallback xmlns="">
           <p:sp>
             <p:nvSpPr>
               <p:cNvPr id="5" name="Text Placeholder 2">
@@ -46773,7 +46624,7 @@
 </p:sld>
 </file>
 
-<file path=ppt/slides/slide16.xml><?xml version="1.0" encoding="utf-8"?>
+<file path=ppt/slides/slide15.xml><?xml version="1.0" encoding="utf-8"?>
 <p:sld xmlns:a="http://schemas.openxmlformats.org/drawingml/2006/main" xmlns:r="http://schemas.openxmlformats.org/officeDocument/2006/relationships" xmlns:p="http://schemas.openxmlformats.org/presentationml/2006/main">
   <p:cSld>
     <p:spTree>
@@ -46965,7 +46816,7 @@
             </a:pPr>
             <a:r>
               <a:rPr lang="en-US" b="1" dirty="0"/>
-              <a:t>For Quality Reasons/To Improve Quality</a:t>
+              <a:t>For Quality Reasons: To Improve Quality</a:t>
             </a:r>
           </a:p>
           <a:p>
@@ -46993,7 +46844,15 @@
             </a:pPr>
             <a:r>
               <a:rPr lang="en-US" b="1" dirty="0"/>
-              <a:t>For Resource Reasons/To Reduce Resources</a:t>
+              <a:t>For Resource </a:t>
+            </a:r>
+            <a:r>
+              <a:rPr lang="en-US" b="1"/>
+              <a:t>Reasons: To </a:t>
+            </a:r>
+            <a:r>
+              <a:rPr lang="en-US" b="1" dirty="0"/>
+              <a:t>Reduce Resources</a:t>
             </a:r>
           </a:p>
           <a:p>
@@ -48124,7 +47983,7 @@
           <p:cNvPr id="2" name="Title 1">
             <a:extLst>
               <a:ext uri="{FF2B5EF4-FFF2-40B4-BE49-F238E27FC236}">
-                <a16:creationId xmlns:a16="http://schemas.microsoft.com/office/drawing/2014/main" id="{92714200-80CB-48D8-AB67-8FC741D5FA96}"/>
+                <a16:creationId xmlns:a16="http://schemas.microsoft.com/office/drawing/2014/main" id="{6E743182-8593-4315-9CAE-B03544C34805}"/>
               </a:ext>
             </a:extLst>
           </p:cNvPr>
@@ -48137,8 +47996,8 @@
         </p:nvSpPr>
         <p:spPr>
           <a:xfrm>
-            <a:off x="1013520" y="805889"/>
-            <a:ext cx="9548313" cy="974399"/>
+            <a:off x="1013520" y="468393"/>
+            <a:ext cx="10158611" cy="891382"/>
           </a:xfrm>
         </p:spPr>
         <p:txBody>
@@ -48157,7 +48016,7 @@
           <p:cNvPr id="3" name="Text Placeholder 2">
             <a:extLst>
               <a:ext uri="{FF2B5EF4-FFF2-40B4-BE49-F238E27FC236}">
-                <a16:creationId xmlns:a16="http://schemas.microsoft.com/office/drawing/2014/main" id="{6ECCA839-06F2-4218-8CF9-61AB4E7EB43C}"/>
+                <a16:creationId xmlns:a16="http://schemas.microsoft.com/office/drawing/2014/main" id="{F3C81A5F-3305-475A-BA9B-0EB3B8B7E0F2}"/>
               </a:ext>
             </a:extLst>
           </p:cNvPr>
@@ -48168,21 +48027,10 @@
             <p:ph type="body" sz="quarter" idx="10"/>
           </p:nvPr>
         </p:nvSpPr>
-        <p:spPr>
-          <a:xfrm>
-            <a:off x="1013520" y="1863306"/>
-            <a:ext cx="10158611" cy="4252822"/>
-          </a:xfrm>
-        </p:spPr>
+        <p:spPr/>
         <p:txBody>
           <a:bodyPr/>
           <a:lstStyle/>
-          <a:p>
-            <a:pPr marL="0" indent="0">
-              <a:buNone/>
-            </a:pPr>
-            <a:endParaRPr lang="da-DK" dirty="0"/>
-          </a:p>
           <a:p>
             <a:r>
               <a:rPr lang="en-US" i="1" dirty="0"/>
@@ -48242,19 +48090,15 @@
             </a:pPr>
             <a:r>
               <a:rPr lang="en-US" dirty="0"/>
-              <a:t>We have strived to accommodate Campbell requirement of implementing AI in systematic reviews. FIND</a:t>
-            </a:r>
-            <a:br>
-              <a:rPr lang="en-US" dirty="0"/>
-            </a:br>
-            <a:endParaRPr lang="en-US" dirty="0"/>
+              <a:t>We have strived to accommodate Campbell required criteria for implementing AI in systematic reviews. FIND</a:t>
+            </a:r>
           </a:p>
         </p:txBody>
       </p:sp>
     </p:spTree>
     <p:extLst>
       <p:ext uri="{BB962C8B-B14F-4D97-AF65-F5344CB8AC3E}">
-        <p14:creationId xmlns:p14="http://schemas.microsoft.com/office/powerpoint/2010/main" val="1558117916"/>
+        <p14:creationId xmlns:p14="http://schemas.microsoft.com/office/powerpoint/2010/main" val="2870780752"/>
       </p:ext>
     </p:extLst>
   </p:cSld>

--- a/SRMA SIG presentation 2024 .potx.pptx
+++ b/SRMA SIG presentation 2024 .potx.pptx
@@ -246,7 +246,7 @@
           <a:p>
             <a:fld id="{7BEB8190-3B91-4E7B-8634-E458355F2E20}" type="datetimeFigureOut">
               <a:rPr lang="en-GB" smtClean="0"/>
-              <a:t>12/11/2024</a:t>
+              <a:t>13/11/2024</a:t>
             </a:fld>
             <a:endParaRPr lang="en-GB"/>
           </a:p>
@@ -44264,11 +44264,15 @@
           <a:p>
             <a:r>
               <a:rPr lang="en-US" dirty="0"/>
-              <a:t>You can use it with models that at special trained/fine tuned to a specific review</a:t>
+              <a:t>Can be fine tuned to the specific review</a:t>
             </a:r>
             <a:r>
               <a:rPr lang="da-DK" dirty="0"/>
-              <a:t>. </a:t>
+              <a:t> </a:t>
+            </a:r>
+            <a:r>
+              <a:rPr lang="da-DK" dirty="0" err="1"/>
+              <a:t>context</a:t>
             </a:r>
             <a:endParaRPr lang="en-US" dirty="0"/>
           </a:p>
@@ -44306,39 +44310,6 @@
       </p:grpSpPr>
       <p:sp>
         <p:nvSpPr>
-          <p:cNvPr id="2" name="Title 1">
-            <a:extLst>
-              <a:ext uri="{FF2B5EF4-FFF2-40B4-BE49-F238E27FC236}">
-                <a16:creationId xmlns:a16="http://schemas.microsoft.com/office/drawing/2014/main" id="{1343FEA5-B502-4233-8197-3E0DC940756B}"/>
-              </a:ext>
-            </a:extLst>
-          </p:cNvPr>
-          <p:cNvSpPr>
-            <a:spLocks noGrp="1"/>
-          </p:cNvSpPr>
-          <p:nvPr>
-            <p:ph type="title"/>
-          </p:nvPr>
-        </p:nvSpPr>
-        <p:spPr>
-          <a:xfrm>
-            <a:off x="1013520" y="427297"/>
-            <a:ext cx="10158611" cy="891382"/>
-          </a:xfrm>
-        </p:spPr>
-        <p:txBody>
-          <a:bodyPr/>
-          <a:lstStyle/>
-          <a:p>
-            <a:r>
-              <a:rPr lang="en-US" dirty="0"/>
-              <a:t>Limitations and advantages </a:t>
-            </a:r>
-          </a:p>
-        </p:txBody>
-      </p:sp>
-      <p:sp>
-        <p:nvSpPr>
           <p:cNvPr id="3" name="Text Placeholder 2">
             <a:extLst>
               <a:ext uri="{FF2B5EF4-FFF2-40B4-BE49-F238E27FC236}">
@@ -44355,8 +44326,8 @@
         </p:nvSpPr>
         <p:spPr>
           <a:xfrm>
-            <a:off x="1013520" y="1480048"/>
-            <a:ext cx="4791378" cy="3897904"/>
+            <a:off x="623101" y="1279702"/>
+            <a:ext cx="4791378" cy="4586842"/>
           </a:xfrm>
         </p:spPr>
         <p:txBody>
@@ -44379,7 +44350,18 @@
             </a:pPr>
             <a:r>
               <a:rPr lang="en-US" dirty="0"/>
-              <a:t>Black-box models (notice: human screening often represent black-box operation as well)</a:t>
+              <a:t>Black-box models (notice: human screening most often represent black-box operation as well)</a:t>
+            </a:r>
+          </a:p>
+          <a:p>
+            <a:pPr>
+              <a:spcAft>
+                <a:spcPts val="800"/>
+              </a:spcAft>
+            </a:pPr>
+            <a:r>
+              <a:rPr lang="en-US" dirty="0"/>
+              <a:t>Off-the-shelf method that change over time.</a:t>
             </a:r>
           </a:p>
           <a:p>
@@ -44391,17 +44373,6 @@
             <a:r>
               <a:rPr lang="en-US" dirty="0"/>
               <a:t>In theory it is prompt sensitive</a:t>
-            </a:r>
-          </a:p>
-          <a:p>
-            <a:pPr>
-              <a:spcAft>
-                <a:spcPts val="800"/>
-              </a:spcAft>
-            </a:pPr>
-            <a:r>
-              <a:rPr lang="en-US" dirty="0"/>
-              <a:t>Off-the-shelf method that change over time.</a:t>
             </a:r>
           </a:p>
           <a:p>
@@ -44445,8 +44416,8 @@
         </p:nvSpPr>
         <p:spPr>
           <a:xfrm>
-            <a:off x="6387104" y="1471324"/>
-            <a:ext cx="4791378" cy="3897904"/>
+            <a:off x="6387105" y="1279702"/>
+            <a:ext cx="4791378" cy="4395220"/>
           </a:xfrm>
           <a:prstGeom prst="rect">
             <a:avLst/>
@@ -44698,7 +44669,7 @@
             </a:pPr>
             <a:r>
               <a:rPr lang="en-US" dirty="0"/>
-              <a:t>Rigorous treatment of all titles and abstracts</a:t>
+              <a:t>Equal treatment of all titles and abstracts</a:t>
             </a:r>
           </a:p>
           <a:p>
@@ -44731,7 +44702,7 @@
             </a:pPr>
             <a:r>
               <a:rPr lang="en-US" dirty="0"/>
-              <a:t>You can guard against human drifting. </a:t>
+              <a:t>Can guard against human drifting. </a:t>
             </a:r>
           </a:p>
           <a:p>
@@ -44773,6 +44744,42 @@
           </a:p>
         </p:txBody>
       </p:sp>
+      <p:cxnSp>
+        <p:nvCxnSpPr>
+          <p:cNvPr id="8" name="Straight Connector 7">
+            <a:extLst>
+              <a:ext uri="{FF2B5EF4-FFF2-40B4-BE49-F238E27FC236}">
+                <a16:creationId xmlns:a16="http://schemas.microsoft.com/office/drawing/2014/main" id="{BF21D327-15E9-4E70-9F92-DF468CD22F8E}"/>
+              </a:ext>
+            </a:extLst>
+          </p:cNvPr>
+          <p:cNvCxnSpPr/>
+          <p:nvPr/>
+        </p:nvCxnSpPr>
+        <p:spPr>
+          <a:xfrm>
+            <a:off x="5911065" y="0"/>
+            <a:ext cx="0" cy="6858000"/>
+          </a:xfrm>
+          <a:prstGeom prst="line">
+            <a:avLst/>
+          </a:prstGeom>
+        </p:spPr>
+        <p:style>
+          <a:lnRef idx="1">
+            <a:schemeClr val="accent1"/>
+          </a:lnRef>
+          <a:fillRef idx="0">
+            <a:schemeClr val="accent1"/>
+          </a:fillRef>
+          <a:effectRef idx="0">
+            <a:schemeClr val="accent1"/>
+          </a:effectRef>
+          <a:fontRef idx="minor">
+            <a:schemeClr val="tx1"/>
+          </a:fontRef>
+        </p:style>
+      </p:cxnSp>
     </p:spTree>
     <p:extLst>
       <p:ext uri="{BB962C8B-B14F-4D97-AF65-F5344CB8AC3E}">
@@ -44867,8 +44874,17 @@
             </a:r>
             <a:r>
               <a:rPr lang="en-US" dirty="0"/>
-              <a:t>. This would freeze the efficacy of this approach and increase transparency of this approach. </a:t>
-            </a:r>
+              <a:t>. This would freeze the efficacy of this approach and increase its transparency. </a:t>
+            </a:r>
+          </a:p>
+          <a:p>
+            <a:pPr marL="0" indent="0">
+              <a:spcAft>
+                <a:spcPts val="800"/>
+              </a:spcAft>
+              <a:buNone/>
+            </a:pPr>
+            <a:endParaRPr lang="en-US" dirty="0"/>
           </a:p>
           <a:p>
             <a:pPr>
@@ -44882,6 +44898,15 @@
             </a:r>
           </a:p>
           <a:p>
+            <a:pPr marL="0" indent="0">
+              <a:spcAft>
+                <a:spcPts val="800"/>
+              </a:spcAft>
+              <a:buNone/>
+            </a:pPr>
+            <a:endParaRPr lang="en-US" dirty="0"/>
+          </a:p>
+          <a:p>
             <a:pPr>
               <a:spcAft>
                 <a:spcPts val="800"/>
@@ -44889,19 +44914,11 @@
             </a:pPr>
             <a:r>
               <a:rPr lang="en-US" dirty="0"/>
-              <a:t>Implementation in standard references tools such as Meta-Reviewer, EPPI Reviewer, </a:t>
-            </a:r>
-            <a:r>
-              <a:rPr lang="en-US" dirty="0" err="1"/>
-              <a:t>Covidence</a:t>
-            </a:r>
-            <a:r>
-              <a:rPr lang="en-US" dirty="0"/>
-              <a:t>, etc. </a:t>
-            </a:r>
-          </a:p>
-          <a:p>
-            <a:pPr>
+              <a:t>Implementation in standard review tools such as Meta-Reviewer, EPPI Reviewer, Covidence, etc. </a:t>
+            </a:r>
+          </a:p>
+          <a:p>
+            <a:pPr lvl="1">
               <a:spcAft>
                 <a:spcPts val="800"/>
               </a:spcAft>
@@ -45013,8 +45030,8 @@
         </p:nvSpPr>
         <p:spPr>
           <a:xfrm>
-            <a:off x="1013520" y="1457608"/>
-            <a:ext cx="10158611" cy="4387468"/>
+            <a:off x="1013519" y="1235265"/>
+            <a:ext cx="10158611" cy="5381291"/>
           </a:xfrm>
         </p:spPr>
         <p:txBody>
@@ -45139,7 +45156,56 @@
             </a:r>
             <a:r>
               <a:rPr lang="da-DK" sz="1200" dirty="0"/>
-              <a:t>(7), 351. https://doi.org/10.3390/systems11070351</a:t>
+              <a:t>(7), 351. </a:t>
+            </a:r>
+            <a:r>
+              <a:rPr lang="da-DK" sz="1200" dirty="0">
+                <a:hlinkClick r:id="rId2"/>
+              </a:rPr>
+              <a:t>https://doi.org/10.3390/systems11070351</a:t>
+            </a:r>
+            <a:endParaRPr lang="da-DK" sz="1200" dirty="0"/>
+          </a:p>
+          <a:p>
+            <a:r>
+              <a:rPr lang="da-DK" sz="1200" dirty="0"/>
+              <a:t>Campbell Collaboration. (2023). </a:t>
+            </a:r>
+            <a:r>
+              <a:rPr lang="da-DK" sz="1200" i="1" dirty="0"/>
+              <a:t>Stepping up </a:t>
+            </a:r>
+            <a:r>
+              <a:rPr lang="da-DK" sz="1200" i="1" dirty="0" err="1"/>
+              <a:t>evidence</a:t>
+            </a:r>
+            <a:r>
+              <a:rPr lang="da-DK" sz="1200" i="1" dirty="0"/>
+              <a:t> </a:t>
+            </a:r>
+            <a:r>
+              <a:rPr lang="da-DK" sz="1200" i="1" dirty="0" err="1"/>
+              <a:t>synthesis</a:t>
+            </a:r>
+            <a:r>
+              <a:rPr lang="da-DK" sz="1200" i="1" dirty="0"/>
+              <a:t>: faster, </a:t>
+            </a:r>
+            <a:r>
+              <a:rPr lang="da-DK" sz="1200" i="1" dirty="0" err="1"/>
+              <a:t>cheaper</a:t>
+            </a:r>
+            <a:r>
+              <a:rPr lang="da-DK" sz="1200" i="1" dirty="0"/>
+              <a:t> and more </a:t>
+            </a:r>
+            <a:r>
+              <a:rPr lang="da-DK" sz="1200" i="1" dirty="0" err="1"/>
+              <a:t>useful</a:t>
+            </a:r>
+            <a:r>
+              <a:rPr lang="da-DK" sz="1200" dirty="0"/>
+              <a:t>. https://www.campbellcollaboration.org/news-and-events/news/stepping-up-evidence-synthesis.html</a:t>
             </a:r>
             <a:endParaRPr lang="en-US" sz="1200" dirty="0"/>
           </a:p>
@@ -45765,7 +45831,7 @@
             </a:r>
             <a:r>
               <a:rPr lang="da-DK" sz="1200" dirty="0">
-                <a:hlinkClick r:id="rId2"/>
+                <a:hlinkClick r:id="rId3"/>
               </a:rPr>
               <a:t>https://doi.org/10.1038/s41598-024-54271-x</a:t>
             </a:r>
@@ -46822,16 +46888,22 @@
           <a:p>
             <a:r>
               <a:rPr lang="en-US" sz="1600" dirty="0"/>
-              <a:t>Human screeners overlook relevant studies for various reasons. Therefore, state-of-the-art is to conduct manual double-screening. However, this is costly and many research groups cannot afford double-screening.</a:t>
+              <a:t>Human screeners overlook relevant studies for various reasons. Therefore, state-of-the-art is to conduct human double-screening. However, this is costly and many research groups cannot afford double-screening.</a:t>
             </a:r>
           </a:p>
           <a:p>
             <a:r>
               <a:rPr lang="en-US" sz="1600" dirty="0"/>
-              <a:t>Researchers most often limit their database searches so that they yield a number of studies that has a manageable size for humans to screen. However, this increases the risk of overlooking relevant studies.</a:t>
-            </a:r>
-          </a:p>
-          <a:p>
+              <a:t>Reviewers most often limit their database searches so that they yield a number of studies that has a manageable size for humans to screen. However, this increases the risk of overlooking relevant studies.</a:t>
+            </a:r>
+          </a:p>
+          <a:p>
+            <a:pPr marL="0" indent="0">
+              <a:buNone/>
+            </a:pPr>
+            <a:br>
+              <a:rPr lang="en-US" sz="1600" dirty="0"/>
+            </a:br>
             <a:r>
               <a:rPr lang="en-US" sz="1600" dirty="0"/>
               <a:t>Overlooking relevant studies at this initial review stage can be consequential, leading to substantially biased results.</a:t>
@@ -46844,15 +46916,7 @@
             </a:pPr>
             <a:r>
               <a:rPr lang="en-US" b="1" dirty="0"/>
-              <a:t>For Resource </a:t>
-            </a:r>
-            <a:r>
-              <a:rPr lang="en-US" b="1"/>
-              <a:t>Reasons: To </a:t>
-            </a:r>
-            <a:r>
-              <a:rPr lang="en-US" b="1" dirty="0"/>
-              <a:t>Reduce Resources</a:t>
+              <a:t>For Resource Reasons: To Reduce Resources</a:t>
             </a:r>
           </a:p>
           <a:p>
@@ -47046,7 +47110,7 @@
             </a:pPr>
             <a:r>
               <a:rPr lang="en-US" dirty="0"/>
-              <a:t>Our preliminary results show that GPT API models perform at least on par with human screeners performances, even in very complex reviews with many inclusion criteria. I will come back to these results later in the presentation</a:t>
+              <a:t>Our results show that GPT API models perform at least on par with human screeners performances, even in very complex reviews with many inclusion criteria. I will come back to these results later in the presentation</a:t>
             </a:r>
           </a:p>
           <a:p>
@@ -47371,7 +47435,7 @@
         </p:nvSpPr>
         <p:spPr>
           <a:xfrm>
-            <a:off x="1013521" y="2194672"/>
+            <a:off x="1013520" y="2019194"/>
             <a:ext cx="8528832" cy="3825882"/>
           </a:xfrm>
         </p:spPr>
@@ -47468,7 +47532,7 @@
         </p:blipFill>
         <p:spPr>
           <a:xfrm>
-            <a:off x="9809481" y="2430978"/>
+            <a:off x="9542352" y="2219235"/>
             <a:ext cx="2090877" cy="2419530"/>
           </a:xfrm>
           <a:prstGeom prst="rect">
@@ -47534,7 +47598,7 @@
           <a:p>
             <a:r>
               <a:rPr lang="en-US" dirty="0"/>
-              <a:t>Quality assessment via benchmark scheming</a:t>
+              <a:t>Quality assessment via benchmarking</a:t>
             </a:r>
           </a:p>
         </p:txBody>
@@ -47567,7 +47631,7 @@
           <a:p>
             <a:r>
               <a:rPr lang="en-US" dirty="0"/>
-              <a:t>We have developed a benchmark scheme based on our and our Campbell students' typical screening performances, which can be used to ensure the quality of one's screening.</a:t>
+              <a:t>We have developed a benchmark scheme based on our and our Campbell students' typical screening performances, which can be used to ensure the quality of title and abstract screenings.</a:t>
             </a:r>
           </a:p>
           <a:p>
@@ -47685,7 +47749,7 @@
         <p:spPr>
           <a:xfrm>
             <a:off x="921053" y="567233"/>
-            <a:ext cx="10158611" cy="891382"/>
+            <a:ext cx="10251078" cy="891382"/>
           </a:xfrm>
         </p:spPr>
         <p:txBody>
@@ -47694,7 +47758,7 @@
           <a:p>
             <a:r>
               <a:rPr lang="en-US" dirty="0"/>
-              <a:t>Why is benchmarking so important</a:t>
+              <a:t>Why we consider benchmarking all-important</a:t>
             </a:r>
           </a:p>
         </p:txBody>
@@ -47736,7 +47800,7 @@
           <a:p>
             <a:r>
               <a:rPr lang="en-US" dirty="0"/>
-              <a:t>It allows for context-specific assessments of the adequacy of using GPT API models as second screeners</a:t>
+              <a:t>It allows for context-specific assessments of the efficacy of using GPT API models as second screeners</a:t>
             </a:r>
           </a:p>
           <a:p>
@@ -47745,15 +47809,11 @@
           <a:p>
             <a:r>
               <a:rPr lang="da-DK" dirty="0"/>
-              <a:t>S</a:t>
-            </a:r>
-            <a:r>
-              <a:rPr lang="en-US" dirty="0" err="1"/>
-              <a:t>ince</a:t>
+              <a:t>As </a:t>
             </a:r>
             <a:r>
               <a:rPr lang="en-US" dirty="0"/>
-              <a:t> we cannot control model developments, the benchmark scheme ensures that we can monitor model performances over time. Meaning that if we experience that a model suddenly cannot live up to our benchmarks we can stop using it. </a:t>
+              <a:t>we cannot control model developments, the benchmark scheme ensures that we can monitor model performances over time. Meaning that if we experience that a model suddenly cannot live up to our benchmarks we can stop using it. </a:t>
             </a:r>
           </a:p>
           <a:p>
@@ -47856,88 +47916,92 @@
         </p:nvSpPr>
         <p:spPr>
           <a:xfrm>
-            <a:off x="1013520" y="1551398"/>
-            <a:ext cx="10158611" cy="4293678"/>
+            <a:off x="1013518" y="1458614"/>
+            <a:ext cx="10158611" cy="4911363"/>
           </a:xfrm>
         </p:spPr>
         <p:txBody>
           <a:bodyPr/>
           <a:lstStyle/>
           <a:p>
-            <a:r>
-              <a:rPr lang="da-DK" dirty="0" err="1"/>
-              <a:t>Context</a:t>
+            <a:pPr marL="0" indent="0">
+              <a:buNone/>
+            </a:pPr>
+            <a:r>
+              <a:rPr lang="en-US" dirty="0"/>
+              <a:t>We have conducted three large-scale classification experiments with different levels of complexity in terms of the number of inclusion criteria. Herein we found that: </a:t>
+            </a:r>
+            <a:br>
+              <a:rPr lang="en-US" dirty="0"/>
+            </a:br>
+            <a:endParaRPr lang="en-US" dirty="0"/>
+          </a:p>
+          <a:p>
+            <a:pPr>
+              <a:spcAft>
+                <a:spcPts val="800"/>
+              </a:spcAft>
+            </a:pPr>
+            <a:r>
+              <a:rPr lang="en-US" dirty="0"/>
+              <a:t>GPT API models can perform on par with or in some cases even better typical human second screeners in high-quality systematic reviews (Vembye et al., 2024). All models yield recalls above 80% in all of our experiments.</a:t>
+            </a:r>
+          </a:p>
+          <a:p>
+            <a:pPr>
+              <a:spcAft>
+                <a:spcPts val="800"/>
+              </a:spcAft>
+            </a:pPr>
+            <a:r>
+              <a:rPr lang="en-US" dirty="0"/>
+              <a:t>GPT-4 model can be rather over-inclusive n complex review settings.</a:t>
+            </a:r>
+          </a:p>
+          <a:p>
+            <a:pPr>
+              <a:spcAft>
+                <a:spcPts val="800"/>
+              </a:spcAft>
+            </a:pPr>
+            <a:r>
+              <a:rPr lang="en-US" dirty="0"/>
+              <a:t>The GPT-4 model outperforms </a:t>
             </a:r>
             <a:r>
               <a:rPr lang="da-DK" dirty="0"/>
-              <a:t> sensitive. Not </a:t>
-            </a:r>
-            <a:r>
-              <a:rPr lang="da-DK" dirty="0" err="1"/>
-              <a:t>interested</a:t>
+              <a:t>the GPT-3.5-turbo model. </a:t>
+            </a:r>
+            <a:r>
+              <a:rPr lang="en-US" dirty="0"/>
+              <a:t>We therefore recommend primarily using GPT-4 models for title and abstract screening</a:t>
             </a:r>
             <a:r>
               <a:rPr lang="da-DK" dirty="0"/>
-              <a:t> in </a:t>
-            </a:r>
-            <a:r>
-              <a:rPr lang="da-DK" dirty="0" err="1"/>
-              <a:t>generalizabiltiy</a:t>
-            </a:r>
+              <a:t>.</a:t>
+            </a:r>
+          </a:p>
+          <a:p>
+            <a:pPr marL="0" indent="0">
+              <a:buNone/>
+            </a:pPr>
             <a:endParaRPr lang="da-DK" dirty="0"/>
           </a:p>
           <a:p>
-            <a:r>
-              <a:rPr lang="da-DK" dirty="0" err="1"/>
-              <a:t>Add</a:t>
-            </a:r>
-            <a:r>
-              <a:rPr lang="da-DK" dirty="0"/>
-              <a:t> new </a:t>
-            </a:r>
-            <a:r>
-              <a:rPr lang="da-DK" dirty="0" err="1"/>
-              <a:t>results</a:t>
+            <a:pPr marL="0" indent="0">
+              <a:buNone/>
+            </a:pPr>
+            <a:r>
+              <a:rPr lang="en-US" dirty="0"/>
+              <a:t>Moreover, our newest results suggest that GPT-4o-mini, which is 200 times cheaper than GPT-4, can perform on par the GPT-4, when using 10 screenings</a:t>
             </a:r>
             <a:r>
               <a:rPr lang="da-DK" dirty="0"/>
               <a:t>. </a:t>
             </a:r>
-          </a:p>
-          <a:p>
             <a:r>
               <a:rPr lang="en-US" dirty="0"/>
-              <a:t>We find that GPT API models can perform on par with or in some cases even better typical human second screeners in high-quality systematic reviews (Vembye et al., 2024). </a:t>
-            </a:r>
-          </a:p>
-          <a:p>
-            <a:r>
-              <a:rPr lang="en-US" dirty="0"/>
-              <a:t>We conducted three large-scale classification experiments with different levels of complexity in terms of the number of inclusion criteria.</a:t>
-            </a:r>
-          </a:p>
-          <a:p>
-            <a:r>
-              <a:rPr lang="en-US" dirty="0"/>
-              <a:t>In simple screening cases, we even find recall close to 100% and with a high specificity values (97.4%), as well. </a:t>
-            </a:r>
-          </a:p>
-          <a:p>
-            <a:r>
-              <a:rPr lang="en-US" dirty="0"/>
-              <a:t>In complex review settings, we find the GPT-4 model to yield a recall of 80%. </a:t>
-            </a:r>
-          </a:p>
-          <a:p>
-            <a:r>
-              <a:rPr lang="en-US" dirty="0"/>
-              <a:t>Yet, in complex review setting, the GPT-4 model is rather over-inclusive with a specificity of ~84%.</a:t>
-            </a:r>
-          </a:p>
-          <a:p>
-            <a:r>
-              <a:rPr lang="en-US" dirty="0"/>
-              <a:t>However, we argue this is not as problem as long as the recall is high (i.e., on par with humans) since a low specificity does not induce any bias to a review.</a:t>
+              <a:t>This is a game-changer in order to reduce the cost of this screening approach. </a:t>
             </a:r>
           </a:p>
           <a:p>
@@ -48027,11 +48091,21 @@
             <p:ph type="body" sz="quarter" idx="10"/>
           </p:nvPr>
         </p:nvSpPr>
-        <p:spPr/>
+        <p:spPr>
+          <a:xfrm>
+            <a:off x="1013520" y="1359775"/>
+            <a:ext cx="10359972" cy="4485301"/>
+          </a:xfrm>
+        </p:spPr>
         <p:txBody>
           <a:bodyPr/>
           <a:lstStyle/>
           <a:p>
+            <a:pPr>
+              <a:spcAft>
+                <a:spcPts val="800"/>
+              </a:spcAft>
+            </a:pPr>
             <a:r>
               <a:rPr lang="en-US" i="1" dirty="0"/>
               <a:t>Common guidelines</a:t>
@@ -48052,12 +48126,6 @@
               <a:rPr lang="da-DK" dirty="0"/>
               <a:t>.</a:t>
             </a:r>
-          </a:p>
-          <a:p>
-            <a:pPr marL="0" indent="0">
-              <a:buNone/>
-            </a:pPr>
-            <a:endParaRPr lang="da-DK" dirty="0"/>
           </a:p>
           <a:p>
             <a:pPr>
@@ -48083,14 +48151,132 @@
             <a:endParaRPr lang="en-US" dirty="0"/>
           </a:p>
           <a:p>
-            <a:pPr>
+            <a:pPr marL="0" indent="0">
               <a:spcBef>
                 <a:spcPts val="0"/>
               </a:spcBef>
+              <a:buNone/>
             </a:pPr>
             <a:r>
               <a:rPr lang="en-US" dirty="0"/>
-              <a:t>We have strived to accommodate Campbell required criteria for implementing AI in systematic reviews. FIND</a:t>
+              <a:t>According to Campbell Collaboration (2023) using AI in high-quality reviews requires: </a:t>
+            </a:r>
+          </a:p>
+          <a:p>
+            <a:pPr marL="0" indent="0">
+              <a:spcBef>
+                <a:spcPts val="0"/>
+              </a:spcBef>
+              <a:buNone/>
+            </a:pPr>
+            <a:r>
+              <a:rPr lang="en-US" dirty="0"/>
+              <a:t>	(a) functioning tech </a:t>
+            </a:r>
+            <a:r>
+              <a:rPr lang="en-US" b="1" dirty="0"/>
+              <a:t>[Outside our control]</a:t>
+            </a:r>
+          </a:p>
+          <a:p>
+            <a:pPr marL="0" indent="0">
+              <a:spcBef>
+                <a:spcPts val="0"/>
+              </a:spcBef>
+              <a:buNone/>
+            </a:pPr>
+            <a:r>
+              <a:rPr lang="en-US" dirty="0"/>
+              <a:t>	(b) proof that it is functioning appropriately: </a:t>
+            </a:r>
+            <a:r>
+              <a:rPr lang="en-US" b="1" dirty="0"/>
+              <a:t>[Our answer: Experiment results]</a:t>
+            </a:r>
+          </a:p>
+          <a:p>
+            <a:pPr marL="0" indent="0">
+              <a:spcBef>
+                <a:spcPts val="0"/>
+              </a:spcBef>
+              <a:buNone/>
+            </a:pPr>
+            <a:r>
+              <a:rPr lang="en-US" dirty="0"/>
+              <a:t>	(c) the tech embodied in usable products: </a:t>
+            </a:r>
+            <a:r>
+              <a:rPr lang="en-US" b="1" dirty="0"/>
+              <a:t>[Our answer: AIscreenR]</a:t>
+            </a:r>
+          </a:p>
+          <a:p>
+            <a:pPr marL="0" indent="0">
+              <a:spcBef>
+                <a:spcPts val="0"/>
+              </a:spcBef>
+              <a:buNone/>
+            </a:pPr>
+            <a:r>
+              <a:rPr lang="en-US" dirty="0"/>
+              <a:t>	(d) agreed guidelines for appropriate use </a:t>
+            </a:r>
+            <a:r>
+              <a:rPr lang="en-US" b="1" dirty="0"/>
+              <a:t>[Our answer: The use of benchmark schemes]</a:t>
+            </a:r>
+          </a:p>
+          <a:p>
+            <a:pPr marL="0" indent="0">
+              <a:spcBef>
+                <a:spcPts val="0"/>
+              </a:spcBef>
+              <a:buNone/>
+            </a:pPr>
+            <a:r>
+              <a:rPr lang="en-US" dirty="0"/>
+              <a:t>	(e) training </a:t>
+            </a:r>
+            <a:r>
+              <a:rPr lang="en-US" b="1" dirty="0"/>
+              <a:t>[Our answer: Assess the use with test data]</a:t>
+            </a:r>
+          </a:p>
+          <a:p>
+            <a:pPr marL="0" indent="0">
+              <a:spcBef>
+                <a:spcPts val="0"/>
+              </a:spcBef>
+              <a:buNone/>
+            </a:pPr>
+            <a:r>
+              <a:rPr lang="en-US" dirty="0"/>
+              <a:t>	(f) ongoing support </a:t>
+            </a:r>
+            <a:r>
+              <a:rPr lang="en-US" b="1" dirty="0"/>
+              <a:t>[Our answer: Provide AIscreenR as an open-source software] </a:t>
+            </a:r>
+          </a:p>
+          <a:p>
+            <a:pPr marL="0" indent="0">
+              <a:spcBef>
+                <a:spcPts val="0"/>
+              </a:spcBef>
+              <a:buNone/>
+            </a:pPr>
+            <a:endParaRPr lang="da-DK" b="1" dirty="0"/>
+          </a:p>
+          <a:p>
+            <a:pPr marL="0" indent="0">
+              <a:spcBef>
+                <a:spcPts val="0"/>
+              </a:spcBef>
+              <a:buNone/>
+            </a:pPr>
+            <a:r>
+              <a:rPr lang="en-US" dirty="0"/>
+              <a:t>In the paper, we to accommodate requirements b to f. </a:t>
             </a:r>
           </a:p>
         </p:txBody>
